--- a/01_Organisation/02_Meilensteine/m1c/Praesentation_m1c.pptx
+++ b/01_Organisation/02_Meilensteine/m1c/Praesentation_m1c.pptx
@@ -6270,7 +6270,7 @@
           <a:p>
             <a:fld id="{056AEFA0-306F-4413-9CBC-3BA55C168B73}" type="datetimeFigureOut">
               <a:rPr lang="de-CH" smtClean="0"/>
-              <a:t>16.02.18</a:t>
+              <a:t>19.02.18</a:t>
             </a:fld>
             <a:endParaRPr lang="de-CH"/>
           </a:p>
@@ -6921,7 +6921,7 @@
           <a:p>
             <a:fld id="{20FD5246-4265-435A-B901-A38BFD400D8A}" type="datetimeFigureOut">
               <a:rPr lang="de-CH" smtClean="0"/>
-              <a:t>16.02.18</a:t>
+              <a:t>19.02.18</a:t>
             </a:fld>
             <a:endParaRPr lang="de-CH"/>
           </a:p>
@@ -6979,13 +6979,13 @@
   <p:clrMapOvr>
     <a:masterClrMapping/>
   </p:clrMapOvr>
-  <mc:AlternateContent xmlns:mc="http://schemas.openxmlformats.org/markup-compatibility/2006">
-    <mc:Choice xmlns:p14="http://schemas.microsoft.com/office/powerpoint/2010/main" Requires="p14">
+  <mc:AlternateContent xmlns:mc="http://schemas.openxmlformats.org/markup-compatibility/2006" xmlns:p14="http://schemas.microsoft.com/office/powerpoint/2010/main">
+    <mc:Choice Requires="p14">
       <p:transition spd="med" p14:dur="700">
         <p:fade/>
       </p:transition>
     </mc:Choice>
-    <mc:Fallback>
+    <mc:Fallback xmlns="">
       <p:transition spd="med">
         <p:fade/>
       </p:transition>
@@ -7103,7 +7103,7 @@
           <a:p>
             <a:fld id="{20FD5246-4265-435A-B901-A38BFD400D8A}" type="datetimeFigureOut">
               <a:rPr lang="de-CH" smtClean="0"/>
-              <a:t>16.02.18</a:t>
+              <a:t>19.02.18</a:t>
             </a:fld>
             <a:endParaRPr lang="de-CH"/>
           </a:p>
@@ -7161,13 +7161,13 @@
   <p:clrMapOvr>
     <a:masterClrMapping/>
   </p:clrMapOvr>
-  <mc:AlternateContent xmlns:mc="http://schemas.openxmlformats.org/markup-compatibility/2006">
-    <mc:Choice xmlns:p14="http://schemas.microsoft.com/office/powerpoint/2010/main" Requires="p14">
+  <mc:AlternateContent xmlns:mc="http://schemas.openxmlformats.org/markup-compatibility/2006" xmlns:p14="http://schemas.microsoft.com/office/powerpoint/2010/main">
+    <mc:Choice Requires="p14">
       <p:transition spd="med" p14:dur="700">
         <p:fade/>
       </p:transition>
     </mc:Choice>
-    <mc:Fallback>
+    <mc:Fallback xmlns="">
       <p:transition spd="med">
         <p:fade/>
       </p:transition>
@@ -7295,7 +7295,7 @@
           <a:p>
             <a:fld id="{20FD5246-4265-435A-B901-A38BFD400D8A}" type="datetimeFigureOut">
               <a:rPr lang="de-CH" smtClean="0"/>
-              <a:t>16.02.18</a:t>
+              <a:t>19.02.18</a:t>
             </a:fld>
             <a:endParaRPr lang="de-CH"/>
           </a:p>
@@ -7353,13 +7353,13 @@
   <p:clrMapOvr>
     <a:masterClrMapping/>
   </p:clrMapOvr>
-  <mc:AlternateContent xmlns:mc="http://schemas.openxmlformats.org/markup-compatibility/2006">
-    <mc:Choice xmlns:p14="http://schemas.microsoft.com/office/powerpoint/2010/main" Requires="p14">
+  <mc:AlternateContent xmlns:mc="http://schemas.openxmlformats.org/markup-compatibility/2006" xmlns:p14="http://schemas.microsoft.com/office/powerpoint/2010/main">
+    <mc:Choice Requires="p14">
       <p:transition spd="med" p14:dur="700">
         <p:fade/>
       </p:transition>
     </mc:Choice>
-    <mc:Fallback>
+    <mc:Fallback xmlns="">
       <p:transition spd="med">
         <p:fade/>
       </p:transition>
@@ -7477,7 +7477,7 @@
           <a:p>
             <a:fld id="{20FD5246-4265-435A-B901-A38BFD400D8A}" type="datetimeFigureOut">
               <a:rPr lang="de-CH" smtClean="0"/>
-              <a:t>16.02.18</a:t>
+              <a:t>19.02.18</a:t>
             </a:fld>
             <a:endParaRPr lang="de-CH"/>
           </a:p>
@@ -7535,13 +7535,13 @@
   <p:clrMapOvr>
     <a:masterClrMapping/>
   </p:clrMapOvr>
-  <mc:AlternateContent xmlns:mc="http://schemas.openxmlformats.org/markup-compatibility/2006">
-    <mc:Choice xmlns:p14="http://schemas.microsoft.com/office/powerpoint/2010/main" Requires="p14">
+  <mc:AlternateContent xmlns:mc="http://schemas.openxmlformats.org/markup-compatibility/2006" xmlns:p14="http://schemas.microsoft.com/office/powerpoint/2010/main">
+    <mc:Choice Requires="p14">
       <p:transition spd="med" p14:dur="700">
         <p:fade/>
       </p:transition>
     </mc:Choice>
-    <mc:Fallback>
+    <mc:Fallback xmlns="">
       <p:transition spd="med">
         <p:fade/>
       </p:transition>
@@ -7735,7 +7735,7 @@
           <a:p>
             <a:fld id="{20FD5246-4265-435A-B901-A38BFD400D8A}" type="datetimeFigureOut">
               <a:rPr lang="de-CH" smtClean="0"/>
-              <a:t>16.02.18</a:t>
+              <a:t>19.02.18</a:t>
             </a:fld>
             <a:endParaRPr lang="de-CH"/>
           </a:p>
@@ -7793,13 +7793,13 @@
   <p:clrMapOvr>
     <a:masterClrMapping/>
   </p:clrMapOvr>
-  <mc:AlternateContent xmlns:mc="http://schemas.openxmlformats.org/markup-compatibility/2006">
-    <mc:Choice xmlns:p14="http://schemas.microsoft.com/office/powerpoint/2010/main" Requires="p14">
+  <mc:AlternateContent xmlns:mc="http://schemas.openxmlformats.org/markup-compatibility/2006" xmlns:p14="http://schemas.microsoft.com/office/powerpoint/2010/main">
+    <mc:Choice Requires="p14">
       <p:transition spd="med" p14:dur="700">
         <p:fade/>
       </p:transition>
     </mc:Choice>
-    <mc:Fallback>
+    <mc:Fallback xmlns="">
       <p:transition spd="med">
         <p:fade/>
       </p:transition>
@@ -7979,7 +7979,7 @@
           <a:p>
             <a:fld id="{20FD5246-4265-435A-B901-A38BFD400D8A}" type="datetimeFigureOut">
               <a:rPr lang="de-CH" smtClean="0"/>
-              <a:t>16.02.18</a:t>
+              <a:t>19.02.18</a:t>
             </a:fld>
             <a:endParaRPr lang="de-CH"/>
           </a:p>
@@ -8037,13 +8037,13 @@
   <p:clrMapOvr>
     <a:masterClrMapping/>
   </p:clrMapOvr>
-  <mc:AlternateContent xmlns:mc="http://schemas.openxmlformats.org/markup-compatibility/2006">
-    <mc:Choice xmlns:p14="http://schemas.microsoft.com/office/powerpoint/2010/main" Requires="p14">
+  <mc:AlternateContent xmlns:mc="http://schemas.openxmlformats.org/markup-compatibility/2006" xmlns:p14="http://schemas.microsoft.com/office/powerpoint/2010/main">
+    <mc:Choice Requires="p14">
       <p:transition spd="med" p14:dur="700">
         <p:fade/>
       </p:transition>
     </mc:Choice>
-    <mc:Fallback>
+    <mc:Fallback xmlns="">
       <p:transition spd="med">
         <p:fade/>
       </p:transition>
@@ -8358,7 +8358,7 @@
           <a:p>
             <a:fld id="{20FD5246-4265-435A-B901-A38BFD400D8A}" type="datetimeFigureOut">
               <a:rPr lang="de-CH" smtClean="0"/>
-              <a:t>16.02.18</a:t>
+              <a:t>19.02.18</a:t>
             </a:fld>
             <a:endParaRPr lang="de-CH"/>
           </a:p>
@@ -8416,13 +8416,13 @@
   <p:clrMapOvr>
     <a:masterClrMapping/>
   </p:clrMapOvr>
-  <mc:AlternateContent xmlns:mc="http://schemas.openxmlformats.org/markup-compatibility/2006">
-    <mc:Choice xmlns:p14="http://schemas.microsoft.com/office/powerpoint/2010/main" Requires="p14">
+  <mc:AlternateContent xmlns:mc="http://schemas.openxmlformats.org/markup-compatibility/2006" xmlns:p14="http://schemas.microsoft.com/office/powerpoint/2010/main">
+    <mc:Choice Requires="p14">
       <p:transition spd="med" p14:dur="700">
         <p:fade/>
       </p:transition>
     </mc:Choice>
-    <mc:Fallback>
+    <mc:Fallback xmlns="">
       <p:transition spd="med">
         <p:fade/>
       </p:transition>
@@ -8488,7 +8488,7 @@
           <a:p>
             <a:fld id="{20FD5246-4265-435A-B901-A38BFD400D8A}" type="datetimeFigureOut">
               <a:rPr lang="de-CH" smtClean="0"/>
-              <a:t>16.02.18</a:t>
+              <a:t>19.02.18</a:t>
             </a:fld>
             <a:endParaRPr lang="de-CH"/>
           </a:p>
@@ -8546,13 +8546,13 @@
   <p:clrMapOvr>
     <a:masterClrMapping/>
   </p:clrMapOvr>
-  <mc:AlternateContent xmlns:mc="http://schemas.openxmlformats.org/markup-compatibility/2006">
-    <mc:Choice xmlns:p14="http://schemas.microsoft.com/office/powerpoint/2010/main" Requires="p14">
+  <mc:AlternateContent xmlns:mc="http://schemas.openxmlformats.org/markup-compatibility/2006" xmlns:p14="http://schemas.microsoft.com/office/powerpoint/2010/main">
+    <mc:Choice Requires="p14">
       <p:transition spd="med" p14:dur="700">
         <p:fade/>
       </p:transition>
     </mc:Choice>
-    <mc:Fallback>
+    <mc:Fallback xmlns="">
       <p:transition spd="med">
         <p:fade/>
       </p:transition>
@@ -8595,7 +8595,7 @@
           <a:p>
             <a:fld id="{20FD5246-4265-435A-B901-A38BFD400D8A}" type="datetimeFigureOut">
               <a:rPr lang="de-CH" smtClean="0"/>
-              <a:t>16.02.18</a:t>
+              <a:t>19.02.18</a:t>
             </a:fld>
             <a:endParaRPr lang="de-CH"/>
           </a:p>
@@ -8653,13 +8653,13 @@
   <p:clrMapOvr>
     <a:masterClrMapping/>
   </p:clrMapOvr>
-  <mc:AlternateContent xmlns:mc="http://schemas.openxmlformats.org/markup-compatibility/2006">
-    <mc:Choice xmlns:p14="http://schemas.microsoft.com/office/powerpoint/2010/main" Requires="p14">
+  <mc:AlternateContent xmlns:mc="http://schemas.openxmlformats.org/markup-compatibility/2006" xmlns:p14="http://schemas.microsoft.com/office/powerpoint/2010/main">
+    <mc:Choice Requires="p14">
       <p:transition spd="med" p14:dur="700">
         <p:fade/>
       </p:transition>
     </mc:Choice>
-    <mc:Fallback>
+    <mc:Fallback xmlns="">
       <p:transition spd="med">
         <p:fade/>
       </p:transition>
@@ -8884,7 +8884,7 @@
           <a:p>
             <a:fld id="{20FD5246-4265-435A-B901-A38BFD400D8A}" type="datetimeFigureOut">
               <a:rPr lang="de-CH" smtClean="0"/>
-              <a:t>16.02.18</a:t>
+              <a:t>19.02.18</a:t>
             </a:fld>
             <a:endParaRPr lang="de-CH"/>
           </a:p>
@@ -8942,13 +8942,13 @@
   <p:clrMapOvr>
     <a:masterClrMapping/>
   </p:clrMapOvr>
-  <mc:AlternateContent xmlns:mc="http://schemas.openxmlformats.org/markup-compatibility/2006">
-    <mc:Choice xmlns:p14="http://schemas.microsoft.com/office/powerpoint/2010/main" Requires="p14">
+  <mc:AlternateContent xmlns:mc="http://schemas.openxmlformats.org/markup-compatibility/2006" xmlns:p14="http://schemas.microsoft.com/office/powerpoint/2010/main">
+    <mc:Choice Requires="p14">
       <p:transition spd="med" p14:dur="700">
         <p:fade/>
       </p:transition>
     </mc:Choice>
-    <mc:Fallback>
+    <mc:Fallback xmlns="">
       <p:transition spd="med">
         <p:fade/>
       </p:transition>
@@ -9149,7 +9149,7 @@
           <a:p>
             <a:fld id="{20FD5246-4265-435A-B901-A38BFD400D8A}" type="datetimeFigureOut">
               <a:rPr lang="de-CH" smtClean="0"/>
-              <a:t>16.02.18</a:t>
+              <a:t>19.02.18</a:t>
             </a:fld>
             <a:endParaRPr lang="de-CH"/>
           </a:p>
@@ -9207,13 +9207,13 @@
   <p:clrMapOvr>
     <a:masterClrMapping/>
   </p:clrMapOvr>
-  <mc:AlternateContent xmlns:mc="http://schemas.openxmlformats.org/markup-compatibility/2006">
-    <mc:Choice xmlns:p14="http://schemas.microsoft.com/office/powerpoint/2010/main" Requires="p14">
+  <mc:AlternateContent xmlns:mc="http://schemas.openxmlformats.org/markup-compatibility/2006" xmlns:p14="http://schemas.microsoft.com/office/powerpoint/2010/main">
+    <mc:Choice Requires="p14">
       <p:transition spd="med" p14:dur="700">
         <p:fade/>
       </p:transition>
     </mc:Choice>
-    <mc:Fallback>
+    <mc:Fallback xmlns="">
       <p:transition spd="med">
         <p:fade/>
       </p:transition>
@@ -9374,7 +9374,7 @@
           <a:p>
             <a:fld id="{20FD5246-4265-435A-B901-A38BFD400D8A}" type="datetimeFigureOut">
               <a:rPr lang="de-CH" smtClean="0"/>
-              <a:t>16.02.18</a:t>
+              <a:t>19.02.18</a:t>
             </a:fld>
             <a:endParaRPr lang="de-CH"/>
           </a:p>
@@ -9479,13 +9479,13 @@
     <p:sldLayoutId id="2147483898" r:id="rId10"/>
     <p:sldLayoutId id="2147483899" r:id="rId11"/>
   </p:sldLayoutIdLst>
-  <mc:AlternateContent xmlns:mc="http://schemas.openxmlformats.org/markup-compatibility/2006">
-    <mc:Choice xmlns:p14="http://schemas.microsoft.com/office/powerpoint/2010/main" Requires="p14">
+  <mc:AlternateContent xmlns:mc="http://schemas.openxmlformats.org/markup-compatibility/2006" xmlns:p14="http://schemas.microsoft.com/office/powerpoint/2010/main">
+    <mc:Choice Requires="p14">
       <p:transition spd="med" p14:dur="700">
         <p:fade/>
       </p:transition>
     </mc:Choice>
-    <mc:Fallback>
+    <mc:Fallback xmlns="">
       <p:transition spd="med">
         <p:fade/>
       </p:transition>
@@ -9844,7 +9844,23 @@
                   <a:schemeClr val="tx1"/>
                 </a:solidFill>
               </a:rPr>
-              <a:t>Klaus </a:t>
+              <a:t>Klaus der </a:t>
+            </a:r>
+            <a:r>
+              <a:rPr lang="de-CH" sz="6600" b="1" dirty="0" err="1">
+                <a:solidFill>
+                  <a:schemeClr val="tx1"/>
+                </a:solidFill>
+              </a:rPr>
+              <a:t>Leutturmbauer</a:t>
+            </a:r>
+            <a:r>
+              <a:rPr lang="de-CH" sz="6600" b="1" dirty="0">
+                <a:solidFill>
+                  <a:schemeClr val="tx1"/>
+                </a:solidFill>
+              </a:rPr>
+              <a:t> </a:t>
             </a:r>
           </a:p>
         </p:txBody>
@@ -10057,10 +10073,10 @@
       </p:sp>
       <p:pic>
         <p:nvPicPr>
-          <p:cNvPr id="11" name="Grafik 10">
+          <p:cNvPr id="8" name="Grafik 7">
             <a:extLst>
               <a:ext uri="{FF2B5EF4-FFF2-40B4-BE49-F238E27FC236}">
-                <a16:creationId xmlns:a16="http://schemas.microsoft.com/office/drawing/2014/main" id="{35144421-8348-654E-BEBF-E22BA68C8ABC}"/>
+                <a16:creationId xmlns:a16="http://schemas.microsoft.com/office/drawing/2014/main" id="{86FFDAEC-86A8-0B4A-9724-C92E82CD5051}"/>
               </a:ext>
             </a:extLst>
           </p:cNvPr>
@@ -10083,7 +10099,7 @@
         </p:blipFill>
         <p:spPr>
           <a:xfrm>
-            <a:off x="0" y="3443"/>
+            <a:off x="0" y="-3571"/>
             <a:ext cx="1066800" cy="406400"/>
           </a:xfrm>
           <a:prstGeom prst="rect">
@@ -10101,13 +10117,13 @@
   <p:clrMapOvr>
     <a:masterClrMapping/>
   </p:clrMapOvr>
-  <mc:AlternateContent xmlns:mc="http://schemas.openxmlformats.org/markup-compatibility/2006">
-    <mc:Choice xmlns:p14="http://schemas.microsoft.com/office/powerpoint/2010/main" Requires="p14">
+  <mc:AlternateContent xmlns:mc="http://schemas.openxmlformats.org/markup-compatibility/2006" xmlns:p14="http://schemas.microsoft.com/office/powerpoint/2010/main">
+    <mc:Choice Requires="p14">
       <p:transition spd="med" p14:dur="700">
         <p:fade/>
       </p:transition>
     </mc:Choice>
-    <mc:Fallback>
+    <mc:Fallback xmlns="">
       <p:transition spd="med">
         <p:fade/>
       </p:transition>
@@ -10544,6 +10560,42 @@
           </a:prstGeom>
         </p:spPr>
       </p:pic>
+      <p:pic>
+        <p:nvPicPr>
+          <p:cNvPr id="13" name="Grafik 12">
+            <a:extLst>
+              <a:ext uri="{FF2B5EF4-FFF2-40B4-BE49-F238E27FC236}">
+                <a16:creationId xmlns:a16="http://schemas.microsoft.com/office/drawing/2014/main" id="{5AB918C7-A697-C242-8A22-E4921B02513E}"/>
+              </a:ext>
+            </a:extLst>
+          </p:cNvPr>
+          <p:cNvPicPr>
+            <a:picLocks noChangeAspect="1"/>
+          </p:cNvPicPr>
+          <p:nvPr/>
+        </p:nvPicPr>
+        <p:blipFill>
+          <a:blip r:embed="rId4">
+            <a:extLst>
+              <a:ext uri="{28A0092B-C50C-407E-A947-70E740481C1C}">
+                <a14:useLocalDpi xmlns:a14="http://schemas.microsoft.com/office/drawing/2010/main" val="0"/>
+              </a:ext>
+            </a:extLst>
+          </a:blip>
+          <a:stretch>
+            <a:fillRect/>
+          </a:stretch>
+        </p:blipFill>
+        <p:spPr>
+          <a:xfrm>
+            <a:off x="0" y="-3571"/>
+            <a:ext cx="1066800" cy="406400"/>
+          </a:xfrm>
+          <a:prstGeom prst="rect">
+            <a:avLst/>
+          </a:prstGeom>
+        </p:spPr>
+      </p:pic>
     </p:spTree>
     <p:extLst>
       <p:ext uri="{BB962C8B-B14F-4D97-AF65-F5344CB8AC3E}">
@@ -10554,13 +10606,13 @@
   <p:clrMapOvr>
     <a:masterClrMapping/>
   </p:clrMapOvr>
-  <mc:AlternateContent xmlns:mc="http://schemas.openxmlformats.org/markup-compatibility/2006">
-    <mc:Choice xmlns:p14="http://schemas.microsoft.com/office/powerpoint/2010/main" Requires="p14">
+  <mc:AlternateContent xmlns:mc="http://schemas.openxmlformats.org/markup-compatibility/2006" xmlns:p14="http://schemas.microsoft.com/office/powerpoint/2010/main">
+    <mc:Choice Requires="p14">
       <p:transition spd="med" p14:dur="700">
         <p:fade/>
       </p:transition>
     </mc:Choice>
-    <mc:Fallback>
+    <mc:Fallback xmlns="">
       <p:transition spd="med">
         <p:fade/>
       </p:transition>
@@ -10590,7 +10642,7 @@
                             </p:stCondLst>
                             <p:childTnLst>
                               <p:par>
-                                <p:cTn id="5" presetID="9" presetClass="entr" presetSubtype="0" fill="hold" nodeType="afterEffect">
+                                <p:cTn id="5" presetID="1" presetClass="entr" presetSubtype="0" fill="hold" grpId="0" nodeType="afterEffect">
                                   <p:stCondLst>
                                     <p:cond delay="0"/>
                                   </p:stCondLst>
@@ -10598,50 +10650,6 @@
                                     <p:set>
                                       <p:cBhvr>
                                         <p:cTn id="6" dur="1" fill="hold">
-                                          <p:stCondLst>
-                                            <p:cond delay="0"/>
-                                          </p:stCondLst>
-                                        </p:cTn>
-                                        <p:tgtEl>
-                                          <p:spTgt spid="4"/>
-                                        </p:tgtEl>
-                                        <p:attrNameLst>
-                                          <p:attrName>style.visibility</p:attrName>
-                                        </p:attrNameLst>
-                                      </p:cBhvr>
-                                      <p:to>
-                                        <p:strVal val="visible"/>
-                                      </p:to>
-                                    </p:set>
-                                    <p:animEffect transition="in" filter="dissolve">
-                                      <p:cBhvr>
-                                        <p:cTn id="7" dur="500"/>
-                                        <p:tgtEl>
-                                          <p:spTgt spid="4"/>
-                                        </p:tgtEl>
-                                      </p:cBhvr>
-                                    </p:animEffect>
-                                  </p:childTnLst>
-                                </p:cTn>
-                              </p:par>
-                            </p:childTnLst>
-                          </p:cTn>
-                        </p:par>
-                        <p:par>
-                          <p:cTn id="8" fill="hold">
-                            <p:stCondLst>
-                              <p:cond delay="500"/>
-                            </p:stCondLst>
-                            <p:childTnLst>
-                              <p:par>
-                                <p:cTn id="9" presetID="9" presetClass="entr" presetSubtype="0" fill="hold" grpId="0" nodeType="afterEffect">
-                                  <p:stCondLst>
-                                    <p:cond delay="0"/>
-                                  </p:stCondLst>
-                                  <p:childTnLst>
-                                    <p:set>
-                                      <p:cBhvr>
-                                        <p:cTn id="10" dur="1" fill="hold">
                                           <p:stCondLst>
                                             <p:cond delay="0"/>
                                           </p:stCondLst>
@@ -10661,18 +10669,6 @@
                                         <p:strVal val="visible"/>
                                       </p:to>
                                     </p:set>
-                                    <p:animEffect transition="in" filter="dissolve">
-                                      <p:cBhvr>
-                                        <p:cTn id="11" dur="500"/>
-                                        <p:tgtEl>
-                                          <p:spTgt spid="15">
-                                            <p:txEl>
-                                              <p:pRg st="0" end="0"/>
-                                            </p:txEl>
-                                          </p:spTgt>
-                                        </p:tgtEl>
-                                      </p:cBhvr>
-                                    </p:animEffect>
                                   </p:childTnLst>
                                 </p:cTn>
                               </p:par>
@@ -10680,20 +10676,20 @@
                           </p:cTn>
                         </p:par>
                         <p:par>
-                          <p:cTn id="12" fill="hold">
+                          <p:cTn id="7" fill="hold">
                             <p:stCondLst>
-                              <p:cond delay="1000"/>
+                              <p:cond delay="0"/>
                             </p:stCondLst>
                             <p:childTnLst>
                               <p:par>
-                                <p:cTn id="13" presetID="9" presetClass="entr" presetSubtype="0" fill="hold" grpId="0" nodeType="afterEffect">
+                                <p:cTn id="8" presetID="1" presetClass="entr" presetSubtype="0" fill="hold" grpId="0" nodeType="afterEffect">
                                   <p:stCondLst>
                                     <p:cond delay="0"/>
                                   </p:stCondLst>
                                   <p:childTnLst>
                                     <p:set>
                                       <p:cBhvr>
-                                        <p:cTn id="14" dur="1" fill="hold">
+                                        <p:cTn id="9" dur="1" fill="hold">
                                           <p:stCondLst>
                                             <p:cond delay="0"/>
                                           </p:stCondLst>
@@ -10713,18 +10709,6 @@
                                         <p:strVal val="visible"/>
                                       </p:to>
                                     </p:set>
-                                    <p:animEffect transition="in" filter="dissolve">
-                                      <p:cBhvr>
-                                        <p:cTn id="15" dur="500"/>
-                                        <p:tgtEl>
-                                          <p:spTgt spid="15">
-                                            <p:txEl>
-                                              <p:pRg st="1" end="1"/>
-                                            </p:txEl>
-                                          </p:spTgt>
-                                        </p:tgtEl>
-                                      </p:cBhvr>
-                                    </p:animEffect>
                                   </p:childTnLst>
                                 </p:cTn>
                               </p:par>
@@ -10735,26 +10719,26 @@
                     </p:cTn>
                   </p:par>
                   <p:par>
-                    <p:cTn id="16" fill="hold">
+                    <p:cTn id="10" fill="hold">
                       <p:stCondLst>
                         <p:cond delay="indefinite"/>
                       </p:stCondLst>
                       <p:childTnLst>
                         <p:par>
-                          <p:cTn id="17" fill="hold">
+                          <p:cTn id="11" fill="hold">
                             <p:stCondLst>
                               <p:cond delay="0"/>
                             </p:stCondLst>
                             <p:childTnLst>
                               <p:par>
-                                <p:cTn id="18" presetID="9" presetClass="entr" presetSubtype="0" fill="hold" grpId="0" nodeType="clickEffect">
+                                <p:cTn id="12" presetID="1" presetClass="entr" presetSubtype="0" fill="hold" grpId="0" nodeType="clickEffect">
                                   <p:stCondLst>
                                     <p:cond delay="0"/>
                                   </p:stCondLst>
                                   <p:childTnLst>
                                     <p:set>
                                       <p:cBhvr>
-                                        <p:cTn id="19" dur="1" fill="hold">
+                                        <p:cTn id="13" dur="1" fill="hold">
                                           <p:stCondLst>
                                             <p:cond delay="0"/>
                                           </p:stCondLst>
@@ -10774,18 +10758,6 @@
                                         <p:strVal val="visible"/>
                                       </p:to>
                                     </p:set>
-                                    <p:animEffect transition="in" filter="dissolve">
-                                      <p:cBhvr>
-                                        <p:cTn id="20" dur="500"/>
-                                        <p:tgtEl>
-                                          <p:spTgt spid="15">
-                                            <p:txEl>
-                                              <p:pRg st="2" end="2"/>
-                                            </p:txEl>
-                                          </p:spTgt>
-                                        </p:tgtEl>
-                                      </p:cBhvr>
-                                    </p:animEffect>
                                   </p:childTnLst>
                                 </p:cTn>
                               </p:par>
@@ -10796,26 +10768,26 @@
                     </p:cTn>
                   </p:par>
                   <p:par>
-                    <p:cTn id="21" fill="hold">
+                    <p:cTn id="14" fill="hold">
                       <p:stCondLst>
                         <p:cond delay="indefinite"/>
                       </p:stCondLst>
                       <p:childTnLst>
                         <p:par>
-                          <p:cTn id="22" fill="hold">
+                          <p:cTn id="15" fill="hold">
                             <p:stCondLst>
                               <p:cond delay="0"/>
                             </p:stCondLst>
                             <p:childTnLst>
                               <p:par>
-                                <p:cTn id="23" presetID="9" presetClass="entr" presetSubtype="0" fill="hold" grpId="0" nodeType="clickEffect">
+                                <p:cTn id="16" presetID="1" presetClass="entr" presetSubtype="0" fill="hold" grpId="0" nodeType="clickEffect">
                                   <p:stCondLst>
                                     <p:cond delay="0"/>
                                   </p:stCondLst>
                                   <p:childTnLst>
                                     <p:set>
                                       <p:cBhvr>
-                                        <p:cTn id="24" dur="1" fill="hold">
+                                        <p:cTn id="17" dur="1" fill="hold">
                                           <p:stCondLst>
                                             <p:cond delay="0"/>
                                           </p:stCondLst>
@@ -10835,18 +10807,6 @@
                                         <p:strVal val="visible"/>
                                       </p:to>
                                     </p:set>
-                                    <p:animEffect transition="in" filter="dissolve">
-                                      <p:cBhvr>
-                                        <p:cTn id="25" dur="500"/>
-                                        <p:tgtEl>
-                                          <p:spTgt spid="15">
-                                            <p:txEl>
-                                              <p:pRg st="3" end="3"/>
-                                            </p:txEl>
-                                          </p:spTgt>
-                                        </p:tgtEl>
-                                      </p:cBhvr>
-                                    </p:animEffect>
                                   </p:childTnLst>
                                 </p:cTn>
                               </p:par>
@@ -11291,6 +11251,42 @@
           </a:prstGeom>
         </p:spPr>
       </p:pic>
+      <p:pic>
+        <p:nvPicPr>
+          <p:cNvPr id="12" name="Grafik 11">
+            <a:extLst>
+              <a:ext uri="{FF2B5EF4-FFF2-40B4-BE49-F238E27FC236}">
+                <a16:creationId xmlns:a16="http://schemas.microsoft.com/office/drawing/2014/main" id="{568E2A09-77EE-E544-9B74-99BE5D0828EE}"/>
+              </a:ext>
+            </a:extLst>
+          </p:cNvPr>
+          <p:cNvPicPr>
+            <a:picLocks noChangeAspect="1"/>
+          </p:cNvPicPr>
+          <p:nvPr/>
+        </p:nvPicPr>
+        <p:blipFill>
+          <a:blip r:embed="rId4">
+            <a:extLst>
+              <a:ext uri="{28A0092B-C50C-407E-A947-70E740481C1C}">
+                <a14:useLocalDpi xmlns:a14="http://schemas.microsoft.com/office/drawing/2010/main" val="0"/>
+              </a:ext>
+            </a:extLst>
+          </a:blip>
+          <a:stretch>
+            <a:fillRect/>
+          </a:stretch>
+        </p:blipFill>
+        <p:spPr>
+          <a:xfrm>
+            <a:off x="0" y="-3571"/>
+            <a:ext cx="1066800" cy="406400"/>
+          </a:xfrm>
+          <a:prstGeom prst="rect">
+            <a:avLst/>
+          </a:prstGeom>
+        </p:spPr>
+      </p:pic>
     </p:spTree>
     <p:extLst>
       <p:ext uri="{BB962C8B-B14F-4D97-AF65-F5344CB8AC3E}">
@@ -11301,13 +11297,13 @@
   <p:clrMapOvr>
     <a:masterClrMapping/>
   </p:clrMapOvr>
-  <mc:AlternateContent xmlns:mc="http://schemas.openxmlformats.org/markup-compatibility/2006">
-    <mc:Choice xmlns:p14="http://schemas.microsoft.com/office/powerpoint/2010/main" Requires="p14">
+  <mc:AlternateContent xmlns:mc="http://schemas.openxmlformats.org/markup-compatibility/2006" xmlns:p14="http://schemas.microsoft.com/office/powerpoint/2010/main">
+    <mc:Choice Requires="p14">
       <p:transition spd="med" p14:dur="700">
         <p:fade/>
       </p:transition>
     </mc:Choice>
-    <mc:Fallback>
+    <mc:Fallback xmlns="">
       <p:transition spd="med">
         <p:fade/>
       </p:transition>
@@ -11337,7 +11333,7 @@
                             </p:stCondLst>
                             <p:childTnLst>
                               <p:par>
-                                <p:cTn id="5" presetID="9" presetClass="entr" presetSubtype="0" fill="hold" nodeType="afterEffect">
+                                <p:cTn id="5" presetID="1" presetClass="entr" presetSubtype="0" fill="hold" grpId="0" nodeType="afterEffect">
                                   <p:stCondLst>
                                     <p:cond delay="0"/>
                                   </p:stCondLst>
@@ -11345,50 +11341,6 @@
                                     <p:set>
                                       <p:cBhvr>
                                         <p:cTn id="6" dur="1" fill="hold">
-                                          <p:stCondLst>
-                                            <p:cond delay="0"/>
-                                          </p:stCondLst>
-                                        </p:cTn>
-                                        <p:tgtEl>
-                                          <p:spTgt spid="3"/>
-                                        </p:tgtEl>
-                                        <p:attrNameLst>
-                                          <p:attrName>style.visibility</p:attrName>
-                                        </p:attrNameLst>
-                                      </p:cBhvr>
-                                      <p:to>
-                                        <p:strVal val="visible"/>
-                                      </p:to>
-                                    </p:set>
-                                    <p:animEffect transition="in" filter="dissolve">
-                                      <p:cBhvr>
-                                        <p:cTn id="7" dur="500"/>
-                                        <p:tgtEl>
-                                          <p:spTgt spid="3"/>
-                                        </p:tgtEl>
-                                      </p:cBhvr>
-                                    </p:animEffect>
-                                  </p:childTnLst>
-                                </p:cTn>
-                              </p:par>
-                            </p:childTnLst>
-                          </p:cTn>
-                        </p:par>
-                        <p:par>
-                          <p:cTn id="8" fill="hold">
-                            <p:stCondLst>
-                              <p:cond delay="500"/>
-                            </p:stCondLst>
-                            <p:childTnLst>
-                              <p:par>
-                                <p:cTn id="9" presetID="9" presetClass="entr" presetSubtype="0" fill="hold" grpId="0" nodeType="afterEffect">
-                                  <p:stCondLst>
-                                    <p:cond delay="0"/>
-                                  </p:stCondLst>
-                                  <p:childTnLst>
-                                    <p:set>
-                                      <p:cBhvr>
-                                        <p:cTn id="10" dur="1" fill="hold">
                                           <p:stCondLst>
                                             <p:cond delay="0"/>
                                           </p:stCondLst>
@@ -11408,18 +11360,6 @@
                                         <p:strVal val="visible"/>
                                       </p:to>
                                     </p:set>
-                                    <p:animEffect transition="in" filter="dissolve">
-                                      <p:cBhvr>
-                                        <p:cTn id="11" dur="500"/>
-                                        <p:tgtEl>
-                                          <p:spTgt spid="15">
-                                            <p:txEl>
-                                              <p:pRg st="0" end="0"/>
-                                            </p:txEl>
-                                          </p:spTgt>
-                                        </p:tgtEl>
-                                      </p:cBhvr>
-                                    </p:animEffect>
                                   </p:childTnLst>
                                 </p:cTn>
                               </p:par>
@@ -11427,20 +11367,20 @@
                           </p:cTn>
                         </p:par>
                         <p:par>
-                          <p:cTn id="12" fill="hold">
+                          <p:cTn id="7" fill="hold">
                             <p:stCondLst>
-                              <p:cond delay="1000"/>
+                              <p:cond delay="0"/>
                             </p:stCondLst>
                             <p:childTnLst>
                               <p:par>
-                                <p:cTn id="13" presetID="9" presetClass="entr" presetSubtype="0" fill="hold" grpId="0" nodeType="afterEffect">
+                                <p:cTn id="8" presetID="1" presetClass="entr" presetSubtype="0" fill="hold" grpId="0" nodeType="afterEffect">
                                   <p:stCondLst>
                                     <p:cond delay="0"/>
                                   </p:stCondLst>
                                   <p:childTnLst>
                                     <p:set>
                                       <p:cBhvr>
-                                        <p:cTn id="14" dur="1" fill="hold">
+                                        <p:cTn id="9" dur="1" fill="hold">
                                           <p:stCondLst>
                                             <p:cond delay="0"/>
                                           </p:stCondLst>
@@ -11460,18 +11400,6 @@
                                         <p:strVal val="visible"/>
                                       </p:to>
                                     </p:set>
-                                    <p:animEffect transition="in" filter="dissolve">
-                                      <p:cBhvr>
-                                        <p:cTn id="15" dur="500"/>
-                                        <p:tgtEl>
-                                          <p:spTgt spid="15">
-                                            <p:txEl>
-                                              <p:pRg st="1" end="1"/>
-                                            </p:txEl>
-                                          </p:spTgt>
-                                        </p:tgtEl>
-                                      </p:cBhvr>
-                                    </p:animEffect>
                                   </p:childTnLst>
                                 </p:cTn>
                               </p:par>
@@ -11482,26 +11410,26 @@
                     </p:cTn>
                   </p:par>
                   <p:par>
-                    <p:cTn id="16" fill="hold">
+                    <p:cTn id="10" fill="hold">
                       <p:stCondLst>
                         <p:cond delay="indefinite"/>
                       </p:stCondLst>
                       <p:childTnLst>
                         <p:par>
-                          <p:cTn id="17" fill="hold">
+                          <p:cTn id="11" fill="hold">
                             <p:stCondLst>
                               <p:cond delay="0"/>
                             </p:stCondLst>
                             <p:childTnLst>
                               <p:par>
-                                <p:cTn id="18" presetID="9" presetClass="entr" presetSubtype="0" fill="hold" grpId="0" nodeType="clickEffect">
+                                <p:cTn id="12" presetID="1" presetClass="entr" presetSubtype="0" fill="hold" grpId="0" nodeType="clickEffect">
                                   <p:stCondLst>
                                     <p:cond delay="0"/>
                                   </p:stCondLst>
                                   <p:childTnLst>
                                     <p:set>
                                       <p:cBhvr>
-                                        <p:cTn id="19" dur="1" fill="hold">
+                                        <p:cTn id="13" dur="1" fill="hold">
                                           <p:stCondLst>
                                             <p:cond delay="0"/>
                                           </p:stCondLst>
@@ -11521,18 +11449,6 @@
                                         <p:strVal val="visible"/>
                                       </p:to>
                                     </p:set>
-                                    <p:animEffect transition="in" filter="dissolve">
-                                      <p:cBhvr>
-                                        <p:cTn id="20" dur="500"/>
-                                        <p:tgtEl>
-                                          <p:spTgt spid="15">
-                                            <p:txEl>
-                                              <p:pRg st="2" end="2"/>
-                                            </p:txEl>
-                                          </p:spTgt>
-                                        </p:tgtEl>
-                                      </p:cBhvr>
-                                    </p:animEffect>
                                   </p:childTnLst>
                                 </p:cTn>
                               </p:par>
@@ -11890,6 +11806,42 @@
           </a:p>
         </p:txBody>
       </p:sp>
+      <p:pic>
+        <p:nvPicPr>
+          <p:cNvPr id="13" name="Grafik 12">
+            <a:extLst>
+              <a:ext uri="{FF2B5EF4-FFF2-40B4-BE49-F238E27FC236}">
+                <a16:creationId xmlns:a16="http://schemas.microsoft.com/office/drawing/2014/main" id="{CF94173E-04A5-6E4D-B991-28FFD5079933}"/>
+              </a:ext>
+            </a:extLst>
+          </p:cNvPr>
+          <p:cNvPicPr>
+            <a:picLocks noChangeAspect="1"/>
+          </p:cNvPicPr>
+          <p:nvPr/>
+        </p:nvPicPr>
+        <p:blipFill>
+          <a:blip r:embed="rId3">
+            <a:extLst>
+              <a:ext uri="{28A0092B-C50C-407E-A947-70E740481C1C}">
+                <a14:useLocalDpi xmlns:a14="http://schemas.microsoft.com/office/drawing/2010/main" val="0"/>
+              </a:ext>
+            </a:extLst>
+          </a:blip>
+          <a:stretch>
+            <a:fillRect/>
+          </a:stretch>
+        </p:blipFill>
+        <p:spPr>
+          <a:xfrm>
+            <a:off x="0" y="-3571"/>
+            <a:ext cx="1066800" cy="406400"/>
+          </a:xfrm>
+          <a:prstGeom prst="rect">
+            <a:avLst/>
+          </a:prstGeom>
+        </p:spPr>
+      </p:pic>
     </p:spTree>
     <p:extLst>
       <p:ext uri="{BB962C8B-B14F-4D97-AF65-F5344CB8AC3E}">
@@ -11902,14 +11854,10 @@
   </p:clrMapOvr>
   <mc:AlternateContent xmlns:mc="http://schemas.openxmlformats.org/markup-compatibility/2006">
     <mc:Choice xmlns:p14="http://schemas.microsoft.com/office/powerpoint/2010/main" Requires="p14">
-      <p:transition spd="med" p14:dur="700">
-        <p:fade/>
-      </p:transition>
+      <p:transition p14:dur="0"/>
     </mc:Choice>
     <mc:Fallback>
-      <p:transition spd="med">
-        <p:fade/>
-      </p:transition>
+      <p:transition/>
     </mc:Fallback>
   </mc:AlternateContent>
 </p:sld>
@@ -12369,6 +12317,42 @@
           </a:prstGeom>
         </p:spPr>
       </p:pic>
+      <p:pic>
+        <p:nvPicPr>
+          <p:cNvPr id="12" name="Grafik 11">
+            <a:extLst>
+              <a:ext uri="{FF2B5EF4-FFF2-40B4-BE49-F238E27FC236}">
+                <a16:creationId xmlns:a16="http://schemas.microsoft.com/office/drawing/2014/main" id="{3CAD2387-56CE-894F-B3B7-96EC9F4BCD2B}"/>
+              </a:ext>
+            </a:extLst>
+          </p:cNvPr>
+          <p:cNvPicPr>
+            <a:picLocks noChangeAspect="1"/>
+          </p:cNvPicPr>
+          <p:nvPr/>
+        </p:nvPicPr>
+        <p:blipFill>
+          <a:blip r:embed="rId3">
+            <a:extLst>
+              <a:ext uri="{28A0092B-C50C-407E-A947-70E740481C1C}">
+                <a14:useLocalDpi xmlns:a14="http://schemas.microsoft.com/office/drawing/2010/main" val="0"/>
+              </a:ext>
+            </a:extLst>
+          </a:blip>
+          <a:stretch>
+            <a:fillRect/>
+          </a:stretch>
+        </p:blipFill>
+        <p:spPr>
+          <a:xfrm>
+            <a:off x="0" y="-3571"/>
+            <a:ext cx="1066800" cy="406400"/>
+          </a:xfrm>
+          <a:prstGeom prst="rect">
+            <a:avLst/>
+          </a:prstGeom>
+        </p:spPr>
+      </p:pic>
     </p:spTree>
     <p:extLst>
       <p:ext uri="{BB962C8B-B14F-4D97-AF65-F5344CB8AC3E}">
@@ -12379,13 +12363,13 @@
   <p:clrMapOvr>
     <a:masterClrMapping/>
   </p:clrMapOvr>
-  <mc:AlternateContent xmlns:mc="http://schemas.openxmlformats.org/markup-compatibility/2006">
-    <mc:Choice xmlns:p14="http://schemas.microsoft.com/office/powerpoint/2010/main" Requires="p14">
+  <mc:AlternateContent xmlns:mc="http://schemas.openxmlformats.org/markup-compatibility/2006" xmlns:p14="http://schemas.microsoft.com/office/powerpoint/2010/main">
+    <mc:Choice Requires="p14">
       <p:transition spd="med" p14:dur="700">
         <p:fade/>
       </p:transition>
     </mc:Choice>
-    <mc:Fallback>
+    <mc:Fallback xmlns="">
       <p:transition spd="med">
         <p:fade/>
       </p:transition>
@@ -12415,7 +12399,7 @@
                             </p:stCondLst>
                             <p:childTnLst>
                               <p:par>
-                                <p:cTn id="5" presetID="9" presetClass="entr" presetSubtype="0" fill="hold" grpId="0" nodeType="afterEffect">
+                                <p:cTn id="5" presetID="1" presetClass="entr" presetSubtype="0" fill="hold" grpId="0" nodeType="afterEffect">
                                   <p:stCondLst>
                                     <p:cond delay="500"/>
                                   </p:stCondLst>
@@ -12442,18 +12426,6 @@
                                         <p:strVal val="visible"/>
                                       </p:to>
                                     </p:set>
-                                    <p:animEffect transition="in" filter="dissolve">
-                                      <p:cBhvr>
-                                        <p:cTn id="7" dur="500"/>
-                                        <p:tgtEl>
-                                          <p:spTgt spid="15">
-                                            <p:txEl>
-                                              <p:pRg st="0" end="0"/>
-                                            </p:txEl>
-                                          </p:spTgt>
-                                        </p:tgtEl>
-                                      </p:cBhvr>
-                                    </p:animEffect>
                                   </p:childTnLst>
                                 </p:cTn>
                               </p:par>
@@ -12461,20 +12433,20 @@
                           </p:cTn>
                         </p:par>
                         <p:par>
-                          <p:cTn id="8" fill="hold">
+                          <p:cTn id="7" fill="hold">
                             <p:stCondLst>
-                              <p:cond delay="1000"/>
+                              <p:cond delay="500"/>
                             </p:stCondLst>
                             <p:childTnLst>
                               <p:par>
-                                <p:cTn id="9" presetID="9" presetClass="entr" presetSubtype="0" fill="hold" grpId="0" nodeType="afterEffect">
+                                <p:cTn id="8" presetID="1" presetClass="entr" presetSubtype="0" fill="hold" grpId="0" nodeType="afterEffect">
                                   <p:stCondLst>
                                     <p:cond delay="500"/>
                                   </p:stCondLst>
                                   <p:childTnLst>
                                     <p:set>
                                       <p:cBhvr>
-                                        <p:cTn id="10" dur="1" fill="hold">
+                                        <p:cTn id="9" dur="1" fill="hold">
                                           <p:stCondLst>
                                             <p:cond delay="0"/>
                                           </p:stCondLst>
@@ -12494,18 +12466,6 @@
                                         <p:strVal val="visible"/>
                                       </p:to>
                                     </p:set>
-                                    <p:animEffect transition="in" filter="dissolve">
-                                      <p:cBhvr>
-                                        <p:cTn id="11" dur="500"/>
-                                        <p:tgtEl>
-                                          <p:spTgt spid="15">
-                                            <p:txEl>
-                                              <p:pRg st="1" end="1"/>
-                                            </p:txEl>
-                                          </p:spTgt>
-                                        </p:tgtEl>
-                                      </p:cBhvr>
-                                    </p:animEffect>
                                   </p:childTnLst>
                                 </p:cTn>
                               </p:par>
@@ -12513,20 +12473,20 @@
                           </p:cTn>
                         </p:par>
                         <p:par>
-                          <p:cTn id="12" fill="hold">
+                          <p:cTn id="10" fill="hold">
                             <p:stCondLst>
-                              <p:cond delay="2000"/>
+                              <p:cond delay="1000"/>
                             </p:stCondLst>
                             <p:childTnLst>
                               <p:par>
-                                <p:cTn id="13" presetID="9" presetClass="entr" presetSubtype="0" fill="hold" grpId="0" nodeType="afterEffect">
+                                <p:cTn id="11" presetID="1" presetClass="entr" presetSubtype="0" fill="hold" grpId="0" nodeType="afterEffect">
                                   <p:stCondLst>
                                     <p:cond delay="500"/>
                                   </p:stCondLst>
                                   <p:childTnLst>
                                     <p:set>
                                       <p:cBhvr>
-                                        <p:cTn id="14" dur="1" fill="hold">
+                                        <p:cTn id="12" dur="1" fill="hold">
                                           <p:stCondLst>
                                             <p:cond delay="0"/>
                                           </p:stCondLst>
@@ -12546,18 +12506,6 @@
                                         <p:strVal val="visible"/>
                                       </p:to>
                                     </p:set>
-                                    <p:animEffect transition="in" filter="dissolve">
-                                      <p:cBhvr>
-                                        <p:cTn id="15" dur="500"/>
-                                        <p:tgtEl>
-                                          <p:spTgt spid="15">
-                                            <p:txEl>
-                                              <p:pRg st="2" end="2"/>
-                                            </p:txEl>
-                                          </p:spTgt>
-                                        </p:tgtEl>
-                                      </p:cBhvr>
-                                    </p:animEffect>
                                   </p:childTnLst>
                                 </p:cTn>
                               </p:par>
@@ -12565,20 +12513,20 @@
                           </p:cTn>
                         </p:par>
                         <p:par>
-                          <p:cTn id="16" fill="hold">
+                          <p:cTn id="13" fill="hold">
                             <p:stCondLst>
-                              <p:cond delay="3000"/>
+                              <p:cond delay="1500"/>
                             </p:stCondLst>
                             <p:childTnLst>
                               <p:par>
-                                <p:cTn id="17" presetID="9" presetClass="entr" presetSubtype="0" fill="hold" grpId="0" nodeType="afterEffect">
+                                <p:cTn id="14" presetID="1" presetClass="entr" presetSubtype="0" fill="hold" grpId="0" nodeType="afterEffect">
                                   <p:stCondLst>
                                     <p:cond delay="500"/>
                                   </p:stCondLst>
                                   <p:childTnLst>
                                     <p:set>
                                       <p:cBhvr>
-                                        <p:cTn id="18" dur="1" fill="hold">
+                                        <p:cTn id="15" dur="1" fill="hold">
                                           <p:stCondLst>
                                             <p:cond delay="0"/>
                                           </p:stCondLst>
@@ -12598,18 +12546,6 @@
                                         <p:strVal val="visible"/>
                                       </p:to>
                                     </p:set>
-                                    <p:animEffect transition="in" filter="dissolve">
-                                      <p:cBhvr>
-                                        <p:cTn id="19" dur="500"/>
-                                        <p:tgtEl>
-                                          <p:spTgt spid="15">
-                                            <p:txEl>
-                                              <p:pRg st="3" end="3"/>
-                                            </p:txEl>
-                                          </p:spTgt>
-                                        </p:tgtEl>
-                                      </p:cBhvr>
-                                    </p:animEffect>
                                   </p:childTnLst>
                                 </p:cTn>
                               </p:par>
@@ -12617,20 +12553,20 @@
                           </p:cTn>
                         </p:par>
                         <p:par>
-                          <p:cTn id="20" fill="hold">
+                          <p:cTn id="16" fill="hold">
                             <p:stCondLst>
-                              <p:cond delay="4000"/>
+                              <p:cond delay="2000"/>
                             </p:stCondLst>
                             <p:childTnLst>
                               <p:par>
-                                <p:cTn id="21" presetID="9" presetClass="entr" presetSubtype="0" fill="hold" grpId="0" nodeType="afterEffect">
+                                <p:cTn id="17" presetID="1" presetClass="entr" presetSubtype="0" fill="hold" grpId="0" nodeType="afterEffect">
                                   <p:stCondLst>
                                     <p:cond delay="500"/>
                                   </p:stCondLst>
                                   <p:childTnLst>
                                     <p:set>
                                       <p:cBhvr>
-                                        <p:cTn id="22" dur="1" fill="hold">
+                                        <p:cTn id="18" dur="1" fill="hold">
                                           <p:stCondLst>
                                             <p:cond delay="0"/>
                                           </p:stCondLst>
@@ -12650,18 +12586,6 @@
                                         <p:strVal val="visible"/>
                                       </p:to>
                                     </p:set>
-                                    <p:animEffect transition="in" filter="dissolve">
-                                      <p:cBhvr>
-                                        <p:cTn id="23" dur="500"/>
-                                        <p:tgtEl>
-                                          <p:spTgt spid="15">
-                                            <p:txEl>
-                                              <p:pRg st="4" end="4"/>
-                                            </p:txEl>
-                                          </p:spTgt>
-                                        </p:tgtEl>
-                                      </p:cBhvr>
-                                    </p:animEffect>
                                   </p:childTnLst>
                                 </p:cTn>
                               </p:par>
@@ -12669,20 +12593,20 @@
                           </p:cTn>
                         </p:par>
                         <p:par>
-                          <p:cTn id="24" fill="hold">
+                          <p:cTn id="19" fill="hold">
                             <p:stCondLst>
-                              <p:cond delay="5000"/>
+                              <p:cond delay="2500"/>
                             </p:stCondLst>
                             <p:childTnLst>
                               <p:par>
-                                <p:cTn id="25" presetID="9" presetClass="entr" presetSubtype="0" fill="hold" grpId="0" nodeType="afterEffect">
+                                <p:cTn id="20" presetID="1" presetClass="entr" presetSubtype="0" fill="hold" grpId="0" nodeType="afterEffect">
                                   <p:stCondLst>
                                     <p:cond delay="500"/>
                                   </p:stCondLst>
                                   <p:childTnLst>
                                     <p:set>
                                       <p:cBhvr>
-                                        <p:cTn id="26" dur="1" fill="hold">
+                                        <p:cTn id="21" dur="1" fill="hold">
                                           <p:stCondLst>
                                             <p:cond delay="0"/>
                                           </p:stCondLst>
@@ -12702,18 +12626,6 @@
                                         <p:strVal val="visible"/>
                                       </p:to>
                                     </p:set>
-                                    <p:animEffect transition="in" filter="dissolve">
-                                      <p:cBhvr>
-                                        <p:cTn id="27" dur="500"/>
-                                        <p:tgtEl>
-                                          <p:spTgt spid="15">
-                                            <p:txEl>
-                                              <p:pRg st="5" end="5"/>
-                                            </p:txEl>
-                                          </p:spTgt>
-                                        </p:tgtEl>
-                                      </p:cBhvr>
-                                    </p:animEffect>
                                   </p:childTnLst>
                                 </p:cTn>
                               </p:par>
@@ -12721,20 +12633,20 @@
                           </p:cTn>
                         </p:par>
                         <p:par>
-                          <p:cTn id="28" fill="hold">
+                          <p:cTn id="22" fill="hold">
                             <p:stCondLst>
-                              <p:cond delay="6000"/>
+                              <p:cond delay="3000"/>
                             </p:stCondLst>
                             <p:childTnLst>
                               <p:par>
-                                <p:cTn id="29" presetID="9" presetClass="entr" presetSubtype="0" fill="hold" grpId="0" nodeType="afterEffect">
+                                <p:cTn id="23" presetID="1" presetClass="entr" presetSubtype="0" fill="hold" grpId="0" nodeType="afterEffect">
                                   <p:stCondLst>
                                     <p:cond delay="500"/>
                                   </p:stCondLst>
                                   <p:childTnLst>
                                     <p:set>
                                       <p:cBhvr>
-                                        <p:cTn id="30" dur="1" fill="hold">
+                                        <p:cTn id="24" dur="1" fill="hold">
                                           <p:stCondLst>
                                             <p:cond delay="0"/>
                                           </p:stCondLst>
@@ -12754,18 +12666,6 @@
                                         <p:strVal val="visible"/>
                                       </p:to>
                                     </p:set>
-                                    <p:animEffect transition="in" filter="dissolve">
-                                      <p:cBhvr>
-                                        <p:cTn id="31" dur="500"/>
-                                        <p:tgtEl>
-                                          <p:spTgt spid="15">
-                                            <p:txEl>
-                                              <p:pRg st="6" end="6"/>
-                                            </p:txEl>
-                                          </p:spTgt>
-                                        </p:tgtEl>
-                                      </p:cBhvr>
-                                    </p:animEffect>
                                   </p:childTnLst>
                                 </p:cTn>
                               </p:par>
@@ -12773,20 +12673,20 @@
                           </p:cTn>
                         </p:par>
                         <p:par>
-                          <p:cTn id="32" fill="hold">
+                          <p:cTn id="25" fill="hold">
                             <p:stCondLst>
-                              <p:cond delay="7000"/>
+                              <p:cond delay="3500"/>
                             </p:stCondLst>
                             <p:childTnLst>
                               <p:par>
-                                <p:cTn id="33" presetID="9" presetClass="entr" presetSubtype="0" fill="hold" grpId="0" nodeType="afterEffect">
+                                <p:cTn id="26" presetID="1" presetClass="entr" presetSubtype="0" fill="hold" grpId="0" nodeType="afterEffect">
                                   <p:stCondLst>
                                     <p:cond delay="500"/>
                                   </p:stCondLst>
                                   <p:childTnLst>
                                     <p:set>
                                       <p:cBhvr>
-                                        <p:cTn id="34" dur="1" fill="hold">
+                                        <p:cTn id="27" dur="1" fill="hold">
                                           <p:stCondLst>
                                             <p:cond delay="0"/>
                                           </p:stCondLst>
@@ -12806,18 +12706,6 @@
                                         <p:strVal val="visible"/>
                                       </p:to>
                                     </p:set>
-                                    <p:animEffect transition="in" filter="dissolve">
-                                      <p:cBhvr>
-                                        <p:cTn id="35" dur="500"/>
-                                        <p:tgtEl>
-                                          <p:spTgt spid="15">
-                                            <p:txEl>
-                                              <p:pRg st="7" end="7"/>
-                                            </p:txEl>
-                                          </p:spTgt>
-                                        </p:tgtEl>
-                                      </p:cBhvr>
-                                    </p:animEffect>
                                   </p:childTnLst>
                                 </p:cTn>
                               </p:par>
@@ -13182,6 +13070,42 @@
           </a:prstGeom>
         </p:spPr>
       </p:pic>
+      <p:pic>
+        <p:nvPicPr>
+          <p:cNvPr id="12" name="Grafik 11">
+            <a:extLst>
+              <a:ext uri="{FF2B5EF4-FFF2-40B4-BE49-F238E27FC236}">
+                <a16:creationId xmlns:a16="http://schemas.microsoft.com/office/drawing/2014/main" id="{63518878-B2F8-9E42-B6D4-7C199E65E901}"/>
+              </a:ext>
+            </a:extLst>
+          </p:cNvPr>
+          <p:cNvPicPr>
+            <a:picLocks noChangeAspect="1"/>
+          </p:cNvPicPr>
+          <p:nvPr/>
+        </p:nvPicPr>
+        <p:blipFill>
+          <a:blip r:embed="rId9">
+            <a:extLst>
+              <a:ext uri="{28A0092B-C50C-407E-A947-70E740481C1C}">
+                <a14:useLocalDpi xmlns:a14="http://schemas.microsoft.com/office/drawing/2010/main" val="0"/>
+              </a:ext>
+            </a:extLst>
+          </a:blip>
+          <a:stretch>
+            <a:fillRect/>
+          </a:stretch>
+        </p:blipFill>
+        <p:spPr>
+          <a:xfrm>
+            <a:off x="0" y="-3571"/>
+            <a:ext cx="1066800" cy="406400"/>
+          </a:xfrm>
+          <a:prstGeom prst="rect">
+            <a:avLst/>
+          </a:prstGeom>
+        </p:spPr>
+      </p:pic>
     </p:spTree>
     <p:extLst>
       <p:ext uri="{BB962C8B-B14F-4D97-AF65-F5344CB8AC3E}">
@@ -13192,13 +13116,13 @@
   <p:clrMapOvr>
     <a:masterClrMapping/>
   </p:clrMapOvr>
-  <mc:AlternateContent xmlns:mc="http://schemas.openxmlformats.org/markup-compatibility/2006">
-    <mc:Choice xmlns:p14="http://schemas.microsoft.com/office/powerpoint/2010/main" Requires="p14">
+  <mc:AlternateContent xmlns:mc="http://schemas.openxmlformats.org/markup-compatibility/2006" xmlns:p14="http://schemas.microsoft.com/office/powerpoint/2010/main">
+    <mc:Choice Requires="p14">
       <p:transition spd="med" p14:dur="700">
         <p:fade/>
       </p:transition>
     </mc:Choice>
-    <mc:Fallback>
+    <mc:Fallback xmlns="">
       <p:transition spd="med">
         <p:fade/>
       </p:transition>
@@ -13642,6 +13566,42 @@
           </a:prstGeom>
         </p:spPr>
       </p:pic>
+      <p:pic>
+        <p:nvPicPr>
+          <p:cNvPr id="13" name="Grafik 12">
+            <a:extLst>
+              <a:ext uri="{FF2B5EF4-FFF2-40B4-BE49-F238E27FC236}">
+                <a16:creationId xmlns:a16="http://schemas.microsoft.com/office/drawing/2014/main" id="{00453448-D0BE-BC4A-91C8-50E637D2FFD5}"/>
+              </a:ext>
+            </a:extLst>
+          </p:cNvPr>
+          <p:cNvPicPr>
+            <a:picLocks noChangeAspect="1"/>
+          </p:cNvPicPr>
+          <p:nvPr/>
+        </p:nvPicPr>
+        <p:blipFill>
+          <a:blip r:embed="rId3">
+            <a:extLst>
+              <a:ext uri="{28A0092B-C50C-407E-A947-70E740481C1C}">
+                <a14:useLocalDpi xmlns:a14="http://schemas.microsoft.com/office/drawing/2010/main" val="0"/>
+              </a:ext>
+            </a:extLst>
+          </a:blip>
+          <a:stretch>
+            <a:fillRect/>
+          </a:stretch>
+        </p:blipFill>
+        <p:spPr>
+          <a:xfrm>
+            <a:off x="0" y="-3571"/>
+            <a:ext cx="1066800" cy="406400"/>
+          </a:xfrm>
+          <a:prstGeom prst="rect">
+            <a:avLst/>
+          </a:prstGeom>
+        </p:spPr>
+      </p:pic>
     </p:spTree>
     <p:extLst>
       <p:ext uri="{BB962C8B-B14F-4D97-AF65-F5344CB8AC3E}">
@@ -13652,13 +13612,13 @@
   <p:clrMapOvr>
     <a:masterClrMapping/>
   </p:clrMapOvr>
-  <mc:AlternateContent xmlns:mc="http://schemas.openxmlformats.org/markup-compatibility/2006">
-    <mc:Choice xmlns:p14="http://schemas.microsoft.com/office/powerpoint/2010/main" Requires="p14">
+  <mc:AlternateContent xmlns:mc="http://schemas.openxmlformats.org/markup-compatibility/2006" xmlns:p14="http://schemas.microsoft.com/office/powerpoint/2010/main">
+    <mc:Choice Requires="p14">
       <p:transition spd="med" p14:dur="700">
         <p:fade/>
       </p:transition>
     </mc:Choice>
-    <mc:Fallback>
+    <mc:Fallback xmlns="">
       <p:transition spd="med">
         <p:fade/>
       </p:transition>
@@ -13688,7 +13648,7 @@
                             </p:stCondLst>
                             <p:childTnLst>
                               <p:par>
-                                <p:cTn id="5" presetID="9" presetClass="entr" presetSubtype="0" fill="hold" grpId="0" nodeType="afterEffect">
+                                <p:cTn id="5" presetID="1" presetClass="entr" presetSubtype="0" fill="hold" grpId="0" nodeType="afterEffect">
                                   <p:stCondLst>
                                     <p:cond delay="0"/>
                                   </p:stCondLst>
@@ -13715,18 +13675,6 @@
                                         <p:strVal val="visible"/>
                                       </p:to>
                                     </p:set>
-                                    <p:animEffect transition="in" filter="dissolve">
-                                      <p:cBhvr>
-                                        <p:cTn id="7" dur="500"/>
-                                        <p:tgtEl>
-                                          <p:spTgt spid="11">
-                                            <p:txEl>
-                                              <p:pRg st="0" end="0"/>
-                                            </p:txEl>
-                                          </p:spTgt>
-                                        </p:tgtEl>
-                                      </p:cBhvr>
-                                    </p:animEffect>
                                   </p:childTnLst>
                                 </p:cTn>
                               </p:par>
@@ -13737,26 +13685,26 @@
                     </p:cTn>
                   </p:par>
                   <p:par>
-                    <p:cTn id="8" fill="hold">
+                    <p:cTn id="7" fill="hold">
                       <p:stCondLst>
                         <p:cond delay="indefinite"/>
                       </p:stCondLst>
                       <p:childTnLst>
                         <p:par>
-                          <p:cTn id="9" fill="hold">
+                          <p:cTn id="8" fill="hold">
                             <p:stCondLst>
                               <p:cond delay="0"/>
                             </p:stCondLst>
                             <p:childTnLst>
                               <p:par>
-                                <p:cTn id="10" presetID="9" presetClass="entr" presetSubtype="0" fill="hold" grpId="0" nodeType="clickEffect">
+                                <p:cTn id="9" presetID="1" presetClass="entr" presetSubtype="0" fill="hold" grpId="0" nodeType="clickEffect">
                                   <p:stCondLst>
                                     <p:cond delay="500"/>
                                   </p:stCondLst>
                                   <p:childTnLst>
                                     <p:set>
                                       <p:cBhvr>
-                                        <p:cTn id="11" dur="1" fill="hold">
+                                        <p:cTn id="10" dur="1" fill="hold">
                                           <p:stCondLst>
                                             <p:cond delay="0"/>
                                           </p:stCondLst>
@@ -13776,18 +13724,6 @@
                                         <p:strVal val="visible"/>
                                       </p:to>
                                     </p:set>
-                                    <p:animEffect transition="in" filter="dissolve">
-                                      <p:cBhvr>
-                                        <p:cTn id="12" dur="500"/>
-                                        <p:tgtEl>
-                                          <p:spTgt spid="11">
-                                            <p:txEl>
-                                              <p:pRg st="1" end="1"/>
-                                            </p:txEl>
-                                          </p:spTgt>
-                                        </p:tgtEl>
-                                      </p:cBhvr>
-                                    </p:animEffect>
                                   </p:childTnLst>
                                 </p:cTn>
                               </p:par>
@@ -13798,26 +13734,26 @@
                     </p:cTn>
                   </p:par>
                   <p:par>
-                    <p:cTn id="13" fill="hold">
+                    <p:cTn id="11" fill="hold">
                       <p:stCondLst>
                         <p:cond delay="indefinite"/>
                       </p:stCondLst>
                       <p:childTnLst>
                         <p:par>
-                          <p:cTn id="14" fill="hold">
+                          <p:cTn id="12" fill="hold">
                             <p:stCondLst>
                               <p:cond delay="0"/>
                             </p:stCondLst>
                             <p:childTnLst>
                               <p:par>
-                                <p:cTn id="15" presetID="9" presetClass="entr" presetSubtype="0" fill="hold" grpId="0" nodeType="clickEffect">
+                                <p:cTn id="13" presetID="1" presetClass="entr" presetSubtype="0" fill="hold" grpId="0" nodeType="clickEffect">
                                   <p:stCondLst>
                                     <p:cond delay="500"/>
                                   </p:stCondLst>
                                   <p:childTnLst>
                                     <p:set>
                                       <p:cBhvr>
-                                        <p:cTn id="16" dur="1" fill="hold">
+                                        <p:cTn id="14" dur="1" fill="hold">
                                           <p:stCondLst>
                                             <p:cond delay="0"/>
                                           </p:stCondLst>
@@ -13837,18 +13773,6 @@
                                         <p:strVal val="visible"/>
                                       </p:to>
                                     </p:set>
-                                    <p:animEffect transition="in" filter="dissolve">
-                                      <p:cBhvr>
-                                        <p:cTn id="17" dur="500"/>
-                                        <p:tgtEl>
-                                          <p:spTgt spid="11">
-                                            <p:txEl>
-                                              <p:pRg st="2" end="2"/>
-                                            </p:txEl>
-                                          </p:spTgt>
-                                        </p:tgtEl>
-                                      </p:cBhvr>
-                                    </p:animEffect>
                                   </p:childTnLst>
                                 </p:cTn>
                               </p:par>
@@ -13859,26 +13783,26 @@
                     </p:cTn>
                   </p:par>
                   <p:par>
-                    <p:cTn id="18" fill="hold">
+                    <p:cTn id="15" fill="hold">
                       <p:stCondLst>
                         <p:cond delay="indefinite"/>
                       </p:stCondLst>
                       <p:childTnLst>
                         <p:par>
-                          <p:cTn id="19" fill="hold">
+                          <p:cTn id="16" fill="hold">
                             <p:stCondLst>
                               <p:cond delay="0"/>
                             </p:stCondLst>
                             <p:childTnLst>
                               <p:par>
-                                <p:cTn id="20" presetID="9" presetClass="entr" presetSubtype="0" fill="hold" grpId="0" nodeType="clickEffect">
+                                <p:cTn id="17" presetID="1" presetClass="entr" presetSubtype="0" fill="hold" grpId="0" nodeType="clickEffect">
                                   <p:stCondLst>
                                     <p:cond delay="500"/>
                                   </p:stCondLst>
                                   <p:childTnLst>
                                     <p:set>
                                       <p:cBhvr>
-                                        <p:cTn id="21" dur="1" fill="hold">
+                                        <p:cTn id="18" dur="1" fill="hold">
                                           <p:stCondLst>
                                             <p:cond delay="0"/>
                                           </p:stCondLst>
@@ -13898,18 +13822,55 @@
                                         <p:strVal val="visible"/>
                                       </p:to>
                                     </p:set>
-                                    <p:animEffect transition="in" filter="dissolve">
+                                  </p:childTnLst>
+                                </p:cTn>
+                              </p:par>
+                            </p:childTnLst>
+                          </p:cTn>
+                        </p:par>
+                      </p:childTnLst>
+                    </p:cTn>
+                  </p:par>
+                  <p:par>
+                    <p:cTn id="19" fill="hold">
+                      <p:stCondLst>
+                        <p:cond delay="indefinite"/>
+                      </p:stCondLst>
+                      <p:childTnLst>
+                        <p:par>
+                          <p:cTn id="20" fill="hold">
+                            <p:stCondLst>
+                              <p:cond delay="0"/>
+                            </p:stCondLst>
+                            <p:childTnLst>
+                              <p:par>
+                                <p:cTn id="21" presetID="1" presetClass="entr" presetSubtype="0" fill="hold" grpId="0" nodeType="clickEffect">
+                                  <p:stCondLst>
+                                    <p:cond delay="500"/>
+                                  </p:stCondLst>
+                                  <p:childTnLst>
+                                    <p:set>
                                       <p:cBhvr>
-                                        <p:cTn id="22" dur="500"/>
+                                        <p:cTn id="22" dur="1" fill="hold">
+                                          <p:stCondLst>
+                                            <p:cond delay="0"/>
+                                          </p:stCondLst>
+                                        </p:cTn>
                                         <p:tgtEl>
                                           <p:spTgt spid="11">
                                             <p:txEl>
-                                              <p:pRg st="3" end="3"/>
+                                              <p:pRg st="4" end="4"/>
                                             </p:txEl>
                                           </p:spTgt>
                                         </p:tgtEl>
+                                        <p:attrNameLst>
+                                          <p:attrName>style.visibility</p:attrName>
+                                        </p:attrNameLst>
                                       </p:cBhvr>
-                                    </p:animEffect>
+                                      <p:to>
+                                        <p:strVal val="visible"/>
+                                      </p:to>
+                                    </p:set>
                                   </p:childTnLst>
                                 </p:cTn>
                               </p:par>
@@ -13932,7 +13893,7 @@
                             </p:stCondLst>
                             <p:childTnLst>
                               <p:par>
-                                <p:cTn id="25" presetID="9" presetClass="entr" presetSubtype="0" fill="hold" grpId="0" nodeType="clickEffect">
+                                <p:cTn id="25" presetID="1" presetClass="entr" presetSubtype="0" fill="hold" grpId="0" nodeType="clickEffect">
                                   <p:stCondLst>
                                     <p:cond delay="500"/>
                                   </p:stCondLst>
@@ -13940,67 +13901,6 @@
                                     <p:set>
                                       <p:cBhvr>
                                         <p:cTn id="26" dur="1" fill="hold">
-                                          <p:stCondLst>
-                                            <p:cond delay="0"/>
-                                          </p:stCondLst>
-                                        </p:cTn>
-                                        <p:tgtEl>
-                                          <p:spTgt spid="11">
-                                            <p:txEl>
-                                              <p:pRg st="4" end="4"/>
-                                            </p:txEl>
-                                          </p:spTgt>
-                                        </p:tgtEl>
-                                        <p:attrNameLst>
-                                          <p:attrName>style.visibility</p:attrName>
-                                        </p:attrNameLst>
-                                      </p:cBhvr>
-                                      <p:to>
-                                        <p:strVal val="visible"/>
-                                      </p:to>
-                                    </p:set>
-                                    <p:animEffect transition="in" filter="dissolve">
-                                      <p:cBhvr>
-                                        <p:cTn id="27" dur="500"/>
-                                        <p:tgtEl>
-                                          <p:spTgt spid="11">
-                                            <p:txEl>
-                                              <p:pRg st="4" end="4"/>
-                                            </p:txEl>
-                                          </p:spTgt>
-                                        </p:tgtEl>
-                                      </p:cBhvr>
-                                    </p:animEffect>
-                                  </p:childTnLst>
-                                </p:cTn>
-                              </p:par>
-                            </p:childTnLst>
-                          </p:cTn>
-                        </p:par>
-                      </p:childTnLst>
-                    </p:cTn>
-                  </p:par>
-                  <p:par>
-                    <p:cTn id="28" fill="hold">
-                      <p:stCondLst>
-                        <p:cond delay="indefinite"/>
-                      </p:stCondLst>
-                      <p:childTnLst>
-                        <p:par>
-                          <p:cTn id="29" fill="hold">
-                            <p:stCondLst>
-                              <p:cond delay="0"/>
-                            </p:stCondLst>
-                            <p:childTnLst>
-                              <p:par>
-                                <p:cTn id="30" presetID="9" presetClass="entr" presetSubtype="0" fill="hold" grpId="0" nodeType="clickEffect">
-                                  <p:stCondLst>
-                                    <p:cond delay="500"/>
-                                  </p:stCondLst>
-                                  <p:childTnLst>
-                                    <p:set>
-                                      <p:cBhvr>
-                                        <p:cTn id="31" dur="1" fill="hold">
                                           <p:stCondLst>
                                             <p:cond delay="0"/>
                                           </p:stCondLst>
@@ -14020,18 +13920,6 @@
                                         <p:strVal val="visible"/>
                                       </p:to>
                                     </p:set>
-                                    <p:animEffect transition="in" filter="dissolve">
-                                      <p:cBhvr>
-                                        <p:cTn id="32" dur="500"/>
-                                        <p:tgtEl>
-                                          <p:spTgt spid="11">
-                                            <p:txEl>
-                                              <p:pRg st="5" end="5"/>
-                                            </p:txEl>
-                                          </p:spTgt>
-                                        </p:tgtEl>
-                                      </p:cBhvr>
-                                    </p:animEffect>
                                   </p:childTnLst>
                                 </p:cTn>
                               </p:par>
@@ -14042,26 +13930,26 @@
                     </p:cTn>
                   </p:par>
                   <p:par>
-                    <p:cTn id="33" fill="hold">
+                    <p:cTn id="27" fill="hold">
                       <p:stCondLst>
                         <p:cond delay="indefinite"/>
                       </p:stCondLst>
                       <p:childTnLst>
                         <p:par>
-                          <p:cTn id="34" fill="hold">
+                          <p:cTn id="28" fill="hold">
                             <p:stCondLst>
                               <p:cond delay="0"/>
                             </p:stCondLst>
                             <p:childTnLst>
                               <p:par>
-                                <p:cTn id="35" presetID="9" presetClass="entr" presetSubtype="0" fill="hold" grpId="0" nodeType="clickEffect">
+                                <p:cTn id="29" presetID="1" presetClass="entr" presetSubtype="0" fill="hold" grpId="0" nodeType="clickEffect">
                                   <p:stCondLst>
                                     <p:cond delay="500"/>
                                   </p:stCondLst>
                                   <p:childTnLst>
                                     <p:set>
                                       <p:cBhvr>
-                                        <p:cTn id="36" dur="1" fill="hold">
+                                        <p:cTn id="30" dur="1" fill="hold">
                                           <p:stCondLst>
                                             <p:cond delay="0"/>
                                           </p:stCondLst>
@@ -14081,18 +13969,6 @@
                                         <p:strVal val="visible"/>
                                       </p:to>
                                     </p:set>
-                                    <p:animEffect transition="in" filter="dissolve">
-                                      <p:cBhvr>
-                                        <p:cTn id="37" dur="500"/>
-                                        <p:tgtEl>
-                                          <p:spTgt spid="11">
-                                            <p:txEl>
-                                              <p:pRg st="6" end="6"/>
-                                            </p:txEl>
-                                          </p:spTgt>
-                                        </p:tgtEl>
-                                      </p:cBhvr>
-                                    </p:animEffect>
                                   </p:childTnLst>
                                 </p:cTn>
                               </p:par>
@@ -14820,6 +14696,42 @@
           </a:p>
         </p:txBody>
       </p:sp>
+      <p:pic>
+        <p:nvPicPr>
+          <p:cNvPr id="18" name="Grafik 17">
+            <a:extLst>
+              <a:ext uri="{FF2B5EF4-FFF2-40B4-BE49-F238E27FC236}">
+                <a16:creationId xmlns:a16="http://schemas.microsoft.com/office/drawing/2014/main" id="{AE3C1F54-BEF6-2841-8CC2-C5666D38B76F}"/>
+              </a:ext>
+            </a:extLst>
+          </p:cNvPr>
+          <p:cNvPicPr>
+            <a:picLocks noChangeAspect="1"/>
+          </p:cNvPicPr>
+          <p:nvPr/>
+        </p:nvPicPr>
+        <p:blipFill>
+          <a:blip r:embed="rId5">
+            <a:extLst>
+              <a:ext uri="{28A0092B-C50C-407E-A947-70E740481C1C}">
+                <a14:useLocalDpi xmlns:a14="http://schemas.microsoft.com/office/drawing/2010/main" val="0"/>
+              </a:ext>
+            </a:extLst>
+          </a:blip>
+          <a:stretch>
+            <a:fillRect/>
+          </a:stretch>
+        </p:blipFill>
+        <p:spPr>
+          <a:xfrm>
+            <a:off x="0" y="-3571"/>
+            <a:ext cx="1066800" cy="406400"/>
+          </a:xfrm>
+          <a:prstGeom prst="rect">
+            <a:avLst/>
+          </a:prstGeom>
+        </p:spPr>
+      </p:pic>
     </p:spTree>
     <p:extLst>
       <p:ext uri="{BB962C8B-B14F-4D97-AF65-F5344CB8AC3E}">
@@ -14830,13 +14742,13 @@
   <p:clrMapOvr>
     <a:masterClrMapping/>
   </p:clrMapOvr>
-  <mc:AlternateContent xmlns:mc="http://schemas.openxmlformats.org/markup-compatibility/2006">
-    <mc:Choice xmlns:p14="http://schemas.microsoft.com/office/powerpoint/2010/main" Requires="p14">
+  <mc:AlternateContent xmlns:mc="http://schemas.openxmlformats.org/markup-compatibility/2006" xmlns:p14="http://schemas.microsoft.com/office/powerpoint/2010/main">
+    <mc:Choice Requires="p14">
       <p:transition spd="med" p14:dur="700">
         <p:fade/>
       </p:transition>
     </mc:Choice>
-    <mc:Fallback>
+    <mc:Fallback xmlns="">
       <p:transition spd="med">
         <p:fade/>
       </p:transition>
@@ -14863,7 +14775,7 @@
                             </p:stCondLst>
                             <p:childTnLst>
                               <p:par>
-                                <p:cTn id="5" presetID="9" presetClass="entr" presetSubtype="0" fill="hold" grpId="0" nodeType="clickEffect">
+                                <p:cTn id="5" presetID="1" presetClass="entr" presetSubtype="0" fill="hold" grpId="0" nodeType="clickEffect">
                                   <p:stCondLst>
                                     <p:cond delay="0"/>
                                   </p:stCondLst>
@@ -14886,14 +14798,6 @@
                                         <p:strVal val="visible"/>
                                       </p:to>
                                     </p:set>
-                                    <p:animEffect transition="in" filter="dissolve">
-                                      <p:cBhvr>
-                                        <p:cTn id="7" dur="500"/>
-                                        <p:tgtEl>
-                                          <p:spTgt spid="17"/>
-                                        </p:tgtEl>
-                                      </p:cBhvr>
-                                    </p:animEffect>
                                   </p:childTnLst>
                                 </p:cTn>
                               </p:par>
@@ -14904,36 +14808,28 @@
                     </p:cTn>
                   </p:par>
                   <p:par>
-                    <p:cTn id="8" fill="hold">
+                    <p:cTn id="7" fill="hold">
                       <p:stCondLst>
                         <p:cond delay="indefinite"/>
                       </p:stCondLst>
                       <p:childTnLst>
                         <p:par>
-                          <p:cTn id="9" fill="hold">
+                          <p:cTn id="8" fill="hold">
                             <p:stCondLst>
                               <p:cond delay="0"/>
                             </p:stCondLst>
                             <p:childTnLst>
                               <p:par>
-                                <p:cTn id="10" presetID="9" presetClass="exit" presetSubtype="0" fill="hold" grpId="1" nodeType="clickEffect">
+                                <p:cTn id="9" presetID="1" presetClass="exit" presetSubtype="0" fill="hold" grpId="1" nodeType="clickEffect">
                                   <p:stCondLst>
                                     <p:cond delay="0"/>
                                   </p:stCondLst>
                                   <p:childTnLst>
-                                    <p:animEffect transition="out" filter="dissolve">
-                                      <p:cBhvr>
-                                        <p:cTn id="11" dur="500"/>
-                                        <p:tgtEl>
-                                          <p:spTgt spid="17"/>
-                                        </p:tgtEl>
-                                      </p:cBhvr>
-                                    </p:animEffect>
                                     <p:set>
                                       <p:cBhvr>
-                                        <p:cTn id="12" dur="1" fill="hold">
+                                        <p:cTn id="10" dur="1" fill="hold">
                                           <p:stCondLst>
-                                            <p:cond delay="499"/>
+                                            <p:cond delay="0"/>
                                           </p:stCondLst>
                                         </p:cTn>
                                         <p:tgtEl>
@@ -14951,14 +14847,14 @@
                                 </p:cTn>
                               </p:par>
                               <p:par>
-                                <p:cTn id="13" presetID="9" presetClass="entr" presetSubtype="0" fill="hold" grpId="0" nodeType="withEffect">
+                                <p:cTn id="11" presetID="1" presetClass="entr" presetSubtype="0" fill="hold" grpId="0" nodeType="withEffect">
                                   <p:stCondLst>
                                     <p:cond delay="0"/>
                                   </p:stCondLst>
                                   <p:childTnLst>
                                     <p:set>
                                       <p:cBhvr>
-                                        <p:cTn id="14" dur="1" fill="hold">
+                                        <p:cTn id="12" dur="1" fill="hold">
                                           <p:stCondLst>
                                             <p:cond delay="0"/>
                                           </p:stCondLst>
@@ -14974,14 +14870,6 @@
                                         <p:strVal val="visible"/>
                                       </p:to>
                                     </p:set>
-                                    <p:animEffect transition="in" filter="dissolve">
-                                      <p:cBhvr>
-                                        <p:cTn id="15" dur="500"/>
-                                        <p:tgtEl>
-                                          <p:spTgt spid="24"/>
-                                        </p:tgtEl>
-                                      </p:cBhvr>
-                                    </p:animEffect>
                                   </p:childTnLst>
                                 </p:cTn>
                               </p:par>
@@ -14992,36 +14880,28 @@
                     </p:cTn>
                   </p:par>
                   <p:par>
-                    <p:cTn id="16" fill="hold">
+                    <p:cTn id="13" fill="hold">
                       <p:stCondLst>
                         <p:cond delay="indefinite"/>
                       </p:stCondLst>
                       <p:childTnLst>
                         <p:par>
-                          <p:cTn id="17" fill="hold">
+                          <p:cTn id="14" fill="hold">
                             <p:stCondLst>
                               <p:cond delay="0"/>
                             </p:stCondLst>
                             <p:childTnLst>
                               <p:par>
-                                <p:cTn id="18" presetID="9" presetClass="exit" presetSubtype="0" fill="hold" grpId="1" nodeType="clickEffect">
+                                <p:cTn id="15" presetID="1" presetClass="exit" presetSubtype="0" fill="hold" grpId="1" nodeType="clickEffect">
                                   <p:stCondLst>
                                     <p:cond delay="0"/>
                                   </p:stCondLst>
                                   <p:childTnLst>
-                                    <p:animEffect transition="out" filter="dissolve">
-                                      <p:cBhvr>
-                                        <p:cTn id="19" dur="500"/>
-                                        <p:tgtEl>
-                                          <p:spTgt spid="24"/>
-                                        </p:tgtEl>
-                                      </p:cBhvr>
-                                    </p:animEffect>
                                     <p:set>
                                       <p:cBhvr>
-                                        <p:cTn id="20" dur="1" fill="hold">
+                                        <p:cTn id="16" dur="1" fill="hold">
                                           <p:stCondLst>
-                                            <p:cond delay="499"/>
+                                            <p:cond delay="0"/>
                                           </p:stCondLst>
                                         </p:cTn>
                                         <p:tgtEl>
@@ -15039,7 +14919,52 @@
                                 </p:cTn>
                               </p:par>
                               <p:par>
-                                <p:cTn id="21" presetID="9" presetClass="entr" presetSubtype="0" fill="hold" grpId="0" nodeType="withEffect">
+                                <p:cTn id="17" presetID="1" presetClass="entr" presetSubtype="0" fill="hold" grpId="0" nodeType="withEffect">
+                                  <p:stCondLst>
+                                    <p:cond delay="0"/>
+                                  </p:stCondLst>
+                                  <p:childTnLst>
+                                    <p:set>
+                                      <p:cBhvr>
+                                        <p:cTn id="18" dur="1" fill="hold">
+                                          <p:stCondLst>
+                                            <p:cond delay="0"/>
+                                          </p:stCondLst>
+                                        </p:cTn>
+                                        <p:tgtEl>
+                                          <p:spTgt spid="25"/>
+                                        </p:tgtEl>
+                                        <p:attrNameLst>
+                                          <p:attrName>style.visibility</p:attrName>
+                                        </p:attrNameLst>
+                                      </p:cBhvr>
+                                      <p:to>
+                                        <p:strVal val="visible"/>
+                                      </p:to>
+                                    </p:set>
+                                  </p:childTnLst>
+                                </p:cTn>
+                              </p:par>
+                            </p:childTnLst>
+                          </p:cTn>
+                        </p:par>
+                      </p:childTnLst>
+                    </p:cTn>
+                  </p:par>
+                  <p:par>
+                    <p:cTn id="19" fill="hold">
+                      <p:stCondLst>
+                        <p:cond delay="indefinite"/>
+                      </p:stCondLst>
+                      <p:childTnLst>
+                        <p:par>
+                          <p:cTn id="20" fill="hold">
+                            <p:stCondLst>
+                              <p:cond delay="0"/>
+                            </p:stCondLst>
+                            <p:childTnLst>
+                              <p:par>
+                                <p:cTn id="21" presetID="1" presetClass="exit" presetSubtype="0" fill="hold" grpId="1" nodeType="clickEffect">
                                   <p:stCondLst>
                                     <p:cond delay="0"/>
                                   </p:stCondLst>
@@ -15059,67 +14984,6 @@
                                         </p:attrNameLst>
                                       </p:cBhvr>
                                       <p:to>
-                                        <p:strVal val="visible"/>
-                                      </p:to>
-                                    </p:set>
-                                    <p:animEffect transition="in" filter="dissolve">
-                                      <p:cBhvr>
-                                        <p:cTn id="23" dur="500"/>
-                                        <p:tgtEl>
-                                          <p:spTgt spid="25"/>
-                                        </p:tgtEl>
-                                      </p:cBhvr>
-                                    </p:animEffect>
-                                  </p:childTnLst>
-                                </p:cTn>
-                              </p:par>
-                            </p:childTnLst>
-                          </p:cTn>
-                        </p:par>
-                      </p:childTnLst>
-                    </p:cTn>
-                  </p:par>
-                  <p:par>
-                    <p:cTn id="24" fill="hold">
-                      <p:stCondLst>
-                        <p:cond delay="indefinite"/>
-                      </p:stCondLst>
-                      <p:childTnLst>
-                        <p:par>
-                          <p:cTn id="25" fill="hold">
-                            <p:stCondLst>
-                              <p:cond delay="0"/>
-                            </p:stCondLst>
-                            <p:childTnLst>
-                              <p:par>
-                                <p:cTn id="26" presetID="9" presetClass="exit" presetSubtype="0" fill="hold" grpId="1" nodeType="clickEffect">
-                                  <p:stCondLst>
-                                    <p:cond delay="0"/>
-                                  </p:stCondLst>
-                                  <p:childTnLst>
-                                    <p:animEffect transition="out" filter="dissolve">
-                                      <p:cBhvr>
-                                        <p:cTn id="27" dur="500"/>
-                                        <p:tgtEl>
-                                          <p:spTgt spid="25"/>
-                                        </p:tgtEl>
-                                      </p:cBhvr>
-                                    </p:animEffect>
-                                    <p:set>
-                                      <p:cBhvr>
-                                        <p:cTn id="28" dur="1" fill="hold">
-                                          <p:stCondLst>
-                                            <p:cond delay="499"/>
-                                          </p:stCondLst>
-                                        </p:cTn>
-                                        <p:tgtEl>
-                                          <p:spTgt spid="25"/>
-                                        </p:tgtEl>
-                                        <p:attrNameLst>
-                                          <p:attrName>style.visibility</p:attrName>
-                                        </p:attrNameLst>
-                                      </p:cBhvr>
-                                      <p:to>
                                         <p:strVal val="hidden"/>
                                       </p:to>
                                     </p:set>
@@ -15127,14 +14991,14 @@
                                 </p:cTn>
                               </p:par>
                               <p:par>
-                                <p:cTn id="29" presetID="9" presetClass="entr" presetSubtype="0" fill="hold" grpId="0" nodeType="withEffect">
+                                <p:cTn id="23" presetID="1" presetClass="entr" presetSubtype="0" fill="hold" grpId="0" nodeType="withEffect">
                                   <p:stCondLst>
                                     <p:cond delay="0"/>
                                   </p:stCondLst>
                                   <p:childTnLst>
                                     <p:set>
                                       <p:cBhvr>
-                                        <p:cTn id="30" dur="1" fill="hold">
+                                        <p:cTn id="24" dur="1" fill="hold">
                                           <p:stCondLst>
                                             <p:cond delay="0"/>
                                           </p:stCondLst>
@@ -15150,14 +15014,6 @@
                                         <p:strVal val="visible"/>
                                       </p:to>
                                     </p:set>
-                                    <p:animEffect transition="in" filter="dissolve">
-                                      <p:cBhvr>
-                                        <p:cTn id="31" dur="500"/>
-                                        <p:tgtEl>
-                                          <p:spTgt spid="26"/>
-                                        </p:tgtEl>
-                                      </p:cBhvr>
-                                    </p:animEffect>
                                   </p:childTnLst>
                                 </p:cTn>
                               </p:par>
@@ -15168,36 +15024,28 @@
                     </p:cTn>
                   </p:par>
                   <p:par>
-                    <p:cTn id="32" fill="hold">
+                    <p:cTn id="25" fill="hold">
                       <p:stCondLst>
                         <p:cond delay="indefinite"/>
                       </p:stCondLst>
                       <p:childTnLst>
                         <p:par>
-                          <p:cTn id="33" fill="hold">
+                          <p:cTn id="26" fill="hold">
                             <p:stCondLst>
                               <p:cond delay="0"/>
                             </p:stCondLst>
                             <p:childTnLst>
                               <p:par>
-                                <p:cTn id="34" presetID="9" presetClass="exit" presetSubtype="0" fill="hold" grpId="1" nodeType="clickEffect">
+                                <p:cTn id="27" presetID="1" presetClass="exit" presetSubtype="0" fill="hold" grpId="1" nodeType="clickEffect">
                                   <p:stCondLst>
                                     <p:cond delay="0"/>
                                   </p:stCondLst>
                                   <p:childTnLst>
-                                    <p:animEffect transition="out" filter="dissolve">
-                                      <p:cBhvr>
-                                        <p:cTn id="35" dur="500"/>
-                                        <p:tgtEl>
-                                          <p:spTgt spid="26"/>
-                                        </p:tgtEl>
-                                      </p:cBhvr>
-                                    </p:animEffect>
                                     <p:set>
                                       <p:cBhvr>
-                                        <p:cTn id="36" dur="1" fill="hold">
+                                        <p:cTn id="28" dur="1" fill="hold">
                                           <p:stCondLst>
-                                            <p:cond delay="499"/>
+                                            <p:cond delay="0"/>
                                           </p:stCondLst>
                                         </p:cTn>
                                         <p:tgtEl>
@@ -15215,14 +15063,14 @@
                                 </p:cTn>
                               </p:par>
                               <p:par>
-                                <p:cTn id="37" presetID="9" presetClass="entr" presetSubtype="0" fill="hold" grpId="0" nodeType="withEffect">
+                                <p:cTn id="29" presetID="1" presetClass="entr" presetSubtype="0" fill="hold" grpId="0" nodeType="withEffect">
                                   <p:stCondLst>
                                     <p:cond delay="0"/>
                                   </p:stCondLst>
                                   <p:childTnLst>
                                     <p:set>
                                       <p:cBhvr>
-                                        <p:cTn id="38" dur="1" fill="hold">
+                                        <p:cTn id="30" dur="1" fill="hold">
                                           <p:stCondLst>
                                             <p:cond delay="0"/>
                                           </p:stCondLst>
@@ -15238,14 +15086,6 @@
                                         <p:strVal val="visible"/>
                                       </p:to>
                                     </p:set>
-                                    <p:animEffect transition="in" filter="dissolve">
-                                      <p:cBhvr>
-                                        <p:cTn id="39" dur="500"/>
-                                        <p:tgtEl>
-                                          <p:spTgt spid="28"/>
-                                        </p:tgtEl>
-                                      </p:cBhvr>
-                                    </p:animEffect>
                                   </p:childTnLst>
                                 </p:cTn>
                               </p:par>
@@ -15256,36 +15096,28 @@
                     </p:cTn>
                   </p:par>
                   <p:par>
-                    <p:cTn id="40" fill="hold">
+                    <p:cTn id="31" fill="hold">
                       <p:stCondLst>
                         <p:cond delay="indefinite"/>
                       </p:stCondLst>
                       <p:childTnLst>
                         <p:par>
-                          <p:cTn id="41" fill="hold">
+                          <p:cTn id="32" fill="hold">
                             <p:stCondLst>
                               <p:cond delay="0"/>
                             </p:stCondLst>
                             <p:childTnLst>
                               <p:par>
-                                <p:cTn id="42" presetID="9" presetClass="exit" presetSubtype="0" fill="hold" grpId="1" nodeType="clickEffect">
+                                <p:cTn id="33" presetID="1" presetClass="exit" presetSubtype="0" fill="hold" grpId="1" nodeType="clickEffect">
                                   <p:stCondLst>
                                     <p:cond delay="0"/>
                                   </p:stCondLst>
                                   <p:childTnLst>
-                                    <p:animEffect transition="out" filter="dissolve">
-                                      <p:cBhvr>
-                                        <p:cTn id="43" dur="500"/>
-                                        <p:tgtEl>
-                                          <p:spTgt spid="28"/>
-                                        </p:tgtEl>
-                                      </p:cBhvr>
-                                    </p:animEffect>
                                     <p:set>
                                       <p:cBhvr>
-                                        <p:cTn id="44" dur="1" fill="hold">
+                                        <p:cTn id="34" dur="1" fill="hold">
                                           <p:stCondLst>
-                                            <p:cond delay="499"/>
+                                            <p:cond delay="0"/>
                                           </p:stCondLst>
                                         </p:cTn>
                                         <p:tgtEl>
@@ -15303,14 +15135,14 @@
                                 </p:cTn>
                               </p:par>
                               <p:par>
-                                <p:cTn id="45" presetID="9" presetClass="entr" presetSubtype="0" fill="hold" grpId="0" nodeType="withEffect">
+                                <p:cTn id="35" presetID="1" presetClass="entr" presetSubtype="0" fill="hold" grpId="0" nodeType="withEffect">
                                   <p:stCondLst>
                                     <p:cond delay="0"/>
                                   </p:stCondLst>
                                   <p:childTnLst>
                                     <p:set>
                                       <p:cBhvr>
-                                        <p:cTn id="46" dur="1" fill="hold">
+                                        <p:cTn id="36" dur="1" fill="hold">
                                           <p:stCondLst>
                                             <p:cond delay="0"/>
                                           </p:stCondLst>
@@ -15326,14 +15158,6 @@
                                         <p:strVal val="visible"/>
                                       </p:to>
                                     </p:set>
-                                    <p:animEffect transition="in" filter="dissolve">
-                                      <p:cBhvr>
-                                        <p:cTn id="47" dur="500"/>
-                                        <p:tgtEl>
-                                          <p:spTgt spid="29"/>
-                                        </p:tgtEl>
-                                      </p:cBhvr>
-                                    </p:animEffect>
                                   </p:childTnLst>
                                 </p:cTn>
                               </p:par>
@@ -15344,36 +15168,28 @@
                     </p:cTn>
                   </p:par>
                   <p:par>
-                    <p:cTn id="48" fill="hold">
+                    <p:cTn id="37" fill="hold">
                       <p:stCondLst>
                         <p:cond delay="indefinite"/>
                       </p:stCondLst>
                       <p:childTnLst>
                         <p:par>
-                          <p:cTn id="49" fill="hold">
+                          <p:cTn id="38" fill="hold">
                             <p:stCondLst>
                               <p:cond delay="0"/>
                             </p:stCondLst>
                             <p:childTnLst>
                               <p:par>
-                                <p:cTn id="50" presetID="9" presetClass="exit" presetSubtype="0" fill="hold" grpId="1" nodeType="clickEffect">
+                                <p:cTn id="39" presetID="1" presetClass="exit" presetSubtype="0" fill="hold" grpId="1" nodeType="clickEffect">
                                   <p:stCondLst>
                                     <p:cond delay="0"/>
                                   </p:stCondLst>
                                   <p:childTnLst>
-                                    <p:animEffect transition="out" filter="dissolve">
-                                      <p:cBhvr>
-                                        <p:cTn id="51" dur="500"/>
-                                        <p:tgtEl>
-                                          <p:spTgt spid="29"/>
-                                        </p:tgtEl>
-                                      </p:cBhvr>
-                                    </p:animEffect>
                                     <p:set>
                                       <p:cBhvr>
-                                        <p:cTn id="52" dur="1" fill="hold">
+                                        <p:cTn id="40" dur="1" fill="hold">
                                           <p:stCondLst>
-                                            <p:cond delay="499"/>
+                                            <p:cond delay="0"/>
                                           </p:stCondLst>
                                         </p:cTn>
                                         <p:tgtEl>
@@ -15391,14 +15207,14 @@
                                 </p:cTn>
                               </p:par>
                               <p:par>
-                                <p:cTn id="53" presetID="9" presetClass="entr" presetSubtype="0" fill="hold" grpId="0" nodeType="withEffect">
+                                <p:cTn id="41" presetID="1" presetClass="entr" presetSubtype="0" fill="hold" grpId="0" nodeType="withEffect">
                                   <p:stCondLst>
                                     <p:cond delay="0"/>
                                   </p:stCondLst>
                                   <p:childTnLst>
                                     <p:set>
                                       <p:cBhvr>
-                                        <p:cTn id="54" dur="1" fill="hold">
+                                        <p:cTn id="42" dur="1" fill="hold">
                                           <p:stCondLst>
                                             <p:cond delay="0"/>
                                           </p:stCondLst>
@@ -15414,14 +15230,6 @@
                                         <p:strVal val="visible"/>
                                       </p:to>
                                     </p:set>
-                                    <p:animEffect transition="in" filter="dissolve">
-                                      <p:cBhvr>
-                                        <p:cTn id="55" dur="500"/>
-                                        <p:tgtEl>
-                                          <p:spTgt spid="30"/>
-                                        </p:tgtEl>
-                                      </p:cBhvr>
-                                    </p:animEffect>
                                   </p:childTnLst>
                                 </p:cTn>
                               </p:par>
@@ -15886,6 +15694,42 @@
           </a:prstGeom>
         </p:spPr>
       </p:pic>
+      <p:pic>
+        <p:nvPicPr>
+          <p:cNvPr id="13" name="Grafik 12">
+            <a:extLst>
+              <a:ext uri="{FF2B5EF4-FFF2-40B4-BE49-F238E27FC236}">
+                <a16:creationId xmlns:a16="http://schemas.microsoft.com/office/drawing/2014/main" id="{C6261C4A-6A73-A24E-AA9E-31946BC05F51}"/>
+              </a:ext>
+            </a:extLst>
+          </p:cNvPr>
+          <p:cNvPicPr>
+            <a:picLocks noChangeAspect="1"/>
+          </p:cNvPicPr>
+          <p:nvPr/>
+        </p:nvPicPr>
+        <p:blipFill>
+          <a:blip r:embed="rId3">
+            <a:extLst>
+              <a:ext uri="{28A0092B-C50C-407E-A947-70E740481C1C}">
+                <a14:useLocalDpi xmlns:a14="http://schemas.microsoft.com/office/drawing/2010/main" val="0"/>
+              </a:ext>
+            </a:extLst>
+          </a:blip>
+          <a:stretch>
+            <a:fillRect/>
+          </a:stretch>
+        </p:blipFill>
+        <p:spPr>
+          <a:xfrm>
+            <a:off x="0" y="-3571"/>
+            <a:ext cx="1066800" cy="406400"/>
+          </a:xfrm>
+          <a:prstGeom prst="rect">
+            <a:avLst/>
+          </a:prstGeom>
+        </p:spPr>
+      </p:pic>
     </p:spTree>
     <p:extLst>
       <p:ext uri="{BB962C8B-B14F-4D97-AF65-F5344CB8AC3E}">
@@ -15896,13 +15740,13 @@
   <p:clrMapOvr>
     <a:masterClrMapping/>
   </p:clrMapOvr>
-  <mc:AlternateContent xmlns:mc="http://schemas.openxmlformats.org/markup-compatibility/2006">
-    <mc:Choice xmlns:p14="http://schemas.microsoft.com/office/powerpoint/2010/main" Requires="p14">
+  <mc:AlternateContent xmlns:mc="http://schemas.openxmlformats.org/markup-compatibility/2006" xmlns:p14="http://schemas.microsoft.com/office/powerpoint/2010/main">
+    <mc:Choice Requires="p14">
       <p:transition spd="med" p14:dur="700">
         <p:fade/>
       </p:transition>
     </mc:Choice>
-    <mc:Fallback>
+    <mc:Fallback xmlns="">
       <p:transition spd="med">
         <p:fade/>
       </p:transition>
@@ -15932,7 +15776,7 @@
                             </p:stCondLst>
                             <p:childTnLst>
                               <p:par>
-                                <p:cTn id="5" presetID="9" presetClass="entr" presetSubtype="0" fill="hold" grpId="0" nodeType="afterEffect">
+                                <p:cTn id="5" presetID="1" presetClass="entr" presetSubtype="0" fill="hold" grpId="0" nodeType="afterEffect">
                                   <p:stCondLst>
                                     <p:cond delay="0"/>
                                   </p:stCondLst>
@@ -15959,18 +15803,6 @@
                                         <p:strVal val="visible"/>
                                       </p:to>
                                     </p:set>
-                                    <p:animEffect transition="in" filter="dissolve">
-                                      <p:cBhvr>
-                                        <p:cTn id="7" dur="500"/>
-                                        <p:tgtEl>
-                                          <p:spTgt spid="11">
-                                            <p:txEl>
-                                              <p:pRg st="0" end="0"/>
-                                            </p:txEl>
-                                          </p:spTgt>
-                                        </p:tgtEl>
-                                      </p:cBhvr>
-                                    </p:animEffect>
                                   </p:childTnLst>
                                 </p:cTn>
                               </p:par>
@@ -15978,20 +15810,20 @@
                           </p:cTn>
                         </p:par>
                         <p:par>
-                          <p:cTn id="8" fill="hold">
+                          <p:cTn id="7" fill="hold">
                             <p:stCondLst>
-                              <p:cond delay="500"/>
+                              <p:cond delay="0"/>
                             </p:stCondLst>
                             <p:childTnLst>
                               <p:par>
-                                <p:cTn id="9" presetID="9" presetClass="entr" presetSubtype="0" fill="hold" grpId="0" nodeType="afterEffect">
+                                <p:cTn id="8" presetID="1" presetClass="entr" presetSubtype="0" fill="hold" grpId="0" nodeType="afterEffect">
                                   <p:stCondLst>
                                     <p:cond delay="0"/>
                                   </p:stCondLst>
                                   <p:childTnLst>
                                     <p:set>
                                       <p:cBhvr>
-                                        <p:cTn id="10" dur="1" fill="hold">
+                                        <p:cTn id="9" dur="1" fill="hold">
                                           <p:stCondLst>
                                             <p:cond delay="0"/>
                                           </p:stCondLst>
@@ -16011,30 +15843,18 @@
                                         <p:strVal val="visible"/>
                                       </p:to>
                                     </p:set>
-                                    <p:animEffect transition="in" filter="dissolve">
-                                      <p:cBhvr>
-                                        <p:cTn id="11" dur="500"/>
-                                        <p:tgtEl>
-                                          <p:spTgt spid="11">
-                                            <p:txEl>
-                                              <p:pRg st="1" end="1"/>
-                                            </p:txEl>
-                                          </p:spTgt>
-                                        </p:tgtEl>
-                                      </p:cBhvr>
-                                    </p:animEffect>
                                   </p:childTnLst>
                                 </p:cTn>
                               </p:par>
                               <p:par>
-                                <p:cTn id="12" presetID="9" presetClass="entr" presetSubtype="0" fill="hold" grpId="0" nodeType="withEffect">
+                                <p:cTn id="10" presetID="1" presetClass="entr" presetSubtype="0" fill="hold" grpId="0" nodeType="withEffect">
                                   <p:stCondLst>
                                     <p:cond delay="0"/>
                                   </p:stCondLst>
                                   <p:childTnLst>
                                     <p:set>
                                       <p:cBhvr>
-                                        <p:cTn id="13" dur="1" fill="hold">
+                                        <p:cTn id="11" dur="1" fill="hold">
                                           <p:stCondLst>
                                             <p:cond delay="0"/>
                                           </p:stCondLst>
@@ -16054,18 +15874,6 @@
                                         <p:strVal val="visible"/>
                                       </p:to>
                                     </p:set>
-                                    <p:animEffect transition="in" filter="dissolve">
-                                      <p:cBhvr>
-                                        <p:cTn id="14" dur="500"/>
-                                        <p:tgtEl>
-                                          <p:spTgt spid="11">
-                                            <p:txEl>
-                                              <p:pRg st="2" end="2"/>
-                                            </p:txEl>
-                                          </p:spTgt>
-                                        </p:tgtEl>
-                                      </p:cBhvr>
-                                    </p:animEffect>
                                   </p:childTnLst>
                                 </p:cTn>
                               </p:par>
@@ -16076,26 +15884,26 @@
                     </p:cTn>
                   </p:par>
                   <p:par>
-                    <p:cTn id="15" fill="hold">
+                    <p:cTn id="12" fill="hold">
                       <p:stCondLst>
                         <p:cond delay="indefinite"/>
                       </p:stCondLst>
                       <p:childTnLst>
                         <p:par>
-                          <p:cTn id="16" fill="hold">
+                          <p:cTn id="13" fill="hold">
                             <p:stCondLst>
                               <p:cond delay="0"/>
                             </p:stCondLst>
                             <p:childTnLst>
                               <p:par>
-                                <p:cTn id="17" presetID="9" presetClass="entr" presetSubtype="0" fill="hold" grpId="0" nodeType="clickEffect">
+                                <p:cTn id="14" presetID="1" presetClass="entr" presetSubtype="0" fill="hold" grpId="0" nodeType="clickEffect">
                                   <p:stCondLst>
                                     <p:cond delay="0"/>
                                   </p:stCondLst>
                                   <p:childTnLst>
                                     <p:set>
                                       <p:cBhvr>
-                                        <p:cTn id="18" dur="1" fill="hold">
+                                        <p:cTn id="15" dur="1" fill="hold">
                                           <p:stCondLst>
                                             <p:cond delay="0"/>
                                           </p:stCondLst>
@@ -16115,18 +15923,6 @@
                                         <p:strVal val="visible"/>
                                       </p:to>
                                     </p:set>
-                                    <p:animEffect transition="in" filter="dissolve">
-                                      <p:cBhvr>
-                                        <p:cTn id="19" dur="500"/>
-                                        <p:tgtEl>
-                                          <p:spTgt spid="11">
-                                            <p:txEl>
-                                              <p:pRg st="3" end="3"/>
-                                            </p:txEl>
-                                          </p:spTgt>
-                                        </p:tgtEl>
-                                      </p:cBhvr>
-                                    </p:animEffect>
                                   </p:childTnLst>
                                 </p:cTn>
                               </p:par>
@@ -16137,26 +15933,26 @@
                     </p:cTn>
                   </p:par>
                   <p:par>
-                    <p:cTn id="20" fill="hold">
+                    <p:cTn id="16" fill="hold">
                       <p:stCondLst>
                         <p:cond delay="indefinite"/>
                       </p:stCondLst>
                       <p:childTnLst>
                         <p:par>
-                          <p:cTn id="21" fill="hold">
+                          <p:cTn id="17" fill="hold">
                             <p:stCondLst>
                               <p:cond delay="0"/>
                             </p:stCondLst>
                             <p:childTnLst>
                               <p:par>
-                                <p:cTn id="22" presetID="9" presetClass="entr" presetSubtype="0" fill="hold" grpId="0" nodeType="clickEffect">
+                                <p:cTn id="18" presetID="1" presetClass="entr" presetSubtype="0" fill="hold" grpId="0" nodeType="clickEffect">
                                   <p:stCondLst>
                                     <p:cond delay="0"/>
                                   </p:stCondLst>
                                   <p:childTnLst>
                                     <p:set>
                                       <p:cBhvr>
-                                        <p:cTn id="23" dur="1" fill="hold">
+                                        <p:cTn id="19" dur="1" fill="hold">
                                           <p:stCondLst>
                                             <p:cond delay="0"/>
                                           </p:stCondLst>
@@ -16176,18 +15972,6 @@
                                         <p:strVal val="visible"/>
                                       </p:to>
                                     </p:set>
-                                    <p:animEffect transition="in" filter="dissolve">
-                                      <p:cBhvr>
-                                        <p:cTn id="24" dur="500"/>
-                                        <p:tgtEl>
-                                          <p:spTgt spid="11">
-                                            <p:txEl>
-                                              <p:pRg st="4" end="4"/>
-                                            </p:txEl>
-                                          </p:spTgt>
-                                        </p:tgtEl>
-                                      </p:cBhvr>
-                                    </p:animEffect>
                                   </p:childTnLst>
                                 </p:cTn>
                               </p:par>
@@ -16675,6 +16459,42 @@
           </a:p>
         </p:txBody>
       </p:sp>
+      <p:pic>
+        <p:nvPicPr>
+          <p:cNvPr id="15" name="Grafik 14">
+            <a:extLst>
+              <a:ext uri="{FF2B5EF4-FFF2-40B4-BE49-F238E27FC236}">
+                <a16:creationId xmlns:a16="http://schemas.microsoft.com/office/drawing/2014/main" id="{89804EF6-1386-394D-B7F7-48F8B7008B0C}"/>
+              </a:ext>
+            </a:extLst>
+          </p:cNvPr>
+          <p:cNvPicPr>
+            <a:picLocks noChangeAspect="1"/>
+          </p:cNvPicPr>
+          <p:nvPr/>
+        </p:nvPicPr>
+        <p:blipFill>
+          <a:blip r:embed="rId7">
+            <a:extLst>
+              <a:ext uri="{28A0092B-C50C-407E-A947-70E740481C1C}">
+                <a14:useLocalDpi xmlns:a14="http://schemas.microsoft.com/office/drawing/2010/main" val="0"/>
+              </a:ext>
+            </a:extLst>
+          </a:blip>
+          <a:stretch>
+            <a:fillRect/>
+          </a:stretch>
+        </p:blipFill>
+        <p:spPr>
+          <a:xfrm>
+            <a:off x="0" y="-3571"/>
+            <a:ext cx="1066800" cy="406400"/>
+          </a:xfrm>
+          <a:prstGeom prst="rect">
+            <a:avLst/>
+          </a:prstGeom>
+        </p:spPr>
+      </p:pic>
     </p:spTree>
     <p:extLst>
       <p:ext uri="{BB962C8B-B14F-4D97-AF65-F5344CB8AC3E}">
@@ -16685,13 +16505,13 @@
   <p:clrMapOvr>
     <a:masterClrMapping/>
   </p:clrMapOvr>
-  <mc:AlternateContent xmlns:mc="http://schemas.openxmlformats.org/markup-compatibility/2006">
-    <mc:Choice xmlns:p14="http://schemas.microsoft.com/office/powerpoint/2010/main" Requires="p14">
+  <mc:AlternateContent xmlns:mc="http://schemas.openxmlformats.org/markup-compatibility/2006" xmlns:p14="http://schemas.microsoft.com/office/powerpoint/2010/main">
+    <mc:Choice Requires="p14">
       <p:transition spd="med" p14:dur="700">
         <p:fade/>
       </p:transition>
     </mc:Choice>
-    <mc:Fallback>
+    <mc:Fallback xmlns="">
       <p:transition spd="med">
         <p:fade/>
       </p:transition>
@@ -16718,24 +16538,16 @@
                             </p:stCondLst>
                             <p:childTnLst>
                               <p:par>
-                                <p:cTn id="5" presetID="9" presetClass="exit" presetSubtype="0" fill="hold" nodeType="clickEffect">
+                                <p:cTn id="5" presetID="1" presetClass="exit" presetSubtype="0" fill="hold" nodeType="clickEffect">
                                   <p:stCondLst>
                                     <p:cond delay="0"/>
                                   </p:stCondLst>
                                   <p:childTnLst>
-                                    <p:animEffect transition="out" filter="dissolve">
-                                      <p:cBhvr>
-                                        <p:cTn id="6" dur="500"/>
-                                        <p:tgtEl>
-                                          <p:spTgt spid="13"/>
-                                        </p:tgtEl>
-                                      </p:cBhvr>
-                                    </p:animEffect>
                                     <p:set>
                                       <p:cBhvr>
-                                        <p:cTn id="7" dur="1" fill="hold">
+                                        <p:cTn id="6" dur="1" fill="hold">
                                           <p:stCondLst>
-                                            <p:cond delay="499"/>
+                                            <p:cond delay="0"/>
                                           </p:stCondLst>
                                         </p:cTn>
                                         <p:tgtEl>
@@ -16753,24 +16565,16 @@
                                 </p:cTn>
                               </p:par>
                               <p:par>
-                                <p:cTn id="8" presetID="9" presetClass="exit" presetSubtype="0" fill="hold" nodeType="withEffect">
+                                <p:cTn id="7" presetID="1" presetClass="exit" presetSubtype="0" fill="hold" nodeType="withEffect">
                                   <p:stCondLst>
                                     <p:cond delay="0"/>
                                   </p:stCondLst>
                                   <p:childTnLst>
-                                    <p:animEffect transition="out" filter="dissolve">
-                                      <p:cBhvr>
-                                        <p:cTn id="9" dur="500"/>
-                                        <p:tgtEl>
-                                          <p:spTgt spid="4"/>
-                                        </p:tgtEl>
-                                      </p:cBhvr>
-                                    </p:animEffect>
                                     <p:set>
                                       <p:cBhvr>
-                                        <p:cTn id="10" dur="1" fill="hold">
+                                        <p:cTn id="8" dur="1" fill="hold">
                                           <p:stCondLst>
-                                            <p:cond delay="499"/>
+                                            <p:cond delay="0"/>
                                           </p:stCondLst>
                                         </p:cTn>
                                         <p:tgtEl>
@@ -16791,20 +16595,20 @@
                           </p:cTn>
                         </p:par>
                         <p:par>
-                          <p:cTn id="11" fill="hold">
+                          <p:cTn id="9" fill="hold">
                             <p:stCondLst>
-                              <p:cond delay="500"/>
+                              <p:cond delay="0"/>
                             </p:stCondLst>
                             <p:childTnLst>
                               <p:par>
-                                <p:cTn id="12" presetID="9" presetClass="entr" presetSubtype="0" fill="hold" nodeType="afterEffect">
+                                <p:cTn id="10" presetID="1" presetClass="entr" presetSubtype="0" fill="hold" nodeType="afterEffect">
                                   <p:stCondLst>
                                     <p:cond delay="0"/>
                                   </p:stCondLst>
                                   <p:childTnLst>
                                     <p:set>
                                       <p:cBhvr>
-                                        <p:cTn id="13" dur="1" fill="hold">
+                                        <p:cTn id="11" dur="1" fill="hold">
                                           <p:stCondLst>
                                             <p:cond delay="0"/>
                                           </p:stCondLst>
@@ -16820,26 +16624,18 @@
                                         <p:strVal val="visible"/>
                                       </p:to>
                                     </p:set>
-                                    <p:animEffect transition="in" filter="dissolve">
-                                      <p:cBhvr>
-                                        <p:cTn id="14" dur="500"/>
-                                        <p:tgtEl>
-                                          <p:spTgt spid="17"/>
-                                        </p:tgtEl>
-                                      </p:cBhvr>
-                                    </p:animEffect>
                                   </p:childTnLst>
                                 </p:cTn>
                               </p:par>
                               <p:par>
-                                <p:cTn id="15" presetID="9" presetClass="entr" presetSubtype="0" fill="hold" grpId="0" nodeType="withEffect">
+                                <p:cTn id="12" presetID="1" presetClass="entr" presetSubtype="0" fill="hold" grpId="0" nodeType="withEffect">
                                   <p:stCondLst>
                                     <p:cond delay="0"/>
                                   </p:stCondLst>
                                   <p:childTnLst>
                                     <p:set>
                                       <p:cBhvr>
-                                        <p:cTn id="16" dur="1" fill="hold">
+                                        <p:cTn id="13" dur="1" fill="hold">
                                           <p:stCondLst>
                                             <p:cond delay="0"/>
                                           </p:stCondLst>
@@ -16855,14 +16651,6 @@
                                         <p:strVal val="visible"/>
                                       </p:to>
                                     </p:set>
-                                    <p:animEffect transition="in" filter="dissolve">
-                                      <p:cBhvr>
-                                        <p:cTn id="17" dur="500"/>
-                                        <p:tgtEl>
-                                          <p:spTgt spid="19"/>
-                                        </p:tgtEl>
-                                      </p:cBhvr>
-                                    </p:animEffect>
                                   </p:childTnLst>
                                 </p:cTn>
                               </p:par>
@@ -17241,6 +17029,42 @@
           </a:prstGeom>
         </p:spPr>
       </p:pic>
+      <p:pic>
+        <p:nvPicPr>
+          <p:cNvPr id="12" name="Grafik 11">
+            <a:extLst>
+              <a:ext uri="{FF2B5EF4-FFF2-40B4-BE49-F238E27FC236}">
+                <a16:creationId xmlns:a16="http://schemas.microsoft.com/office/drawing/2014/main" id="{BFAE46A9-A958-E743-A397-1D1888F89C90}"/>
+              </a:ext>
+            </a:extLst>
+          </p:cNvPr>
+          <p:cNvPicPr>
+            <a:picLocks noChangeAspect="1"/>
+          </p:cNvPicPr>
+          <p:nvPr/>
+        </p:nvPicPr>
+        <p:blipFill>
+          <a:blip r:embed="rId4">
+            <a:extLst>
+              <a:ext uri="{28A0092B-C50C-407E-A947-70E740481C1C}">
+                <a14:useLocalDpi xmlns:a14="http://schemas.microsoft.com/office/drawing/2010/main" val="0"/>
+              </a:ext>
+            </a:extLst>
+          </a:blip>
+          <a:stretch>
+            <a:fillRect/>
+          </a:stretch>
+        </p:blipFill>
+        <p:spPr>
+          <a:xfrm>
+            <a:off x="0" y="-3571"/>
+            <a:ext cx="1066800" cy="406400"/>
+          </a:xfrm>
+          <a:prstGeom prst="rect">
+            <a:avLst/>
+          </a:prstGeom>
+        </p:spPr>
+      </p:pic>
     </p:spTree>
     <p:extLst>
       <p:ext uri="{BB962C8B-B14F-4D97-AF65-F5344CB8AC3E}">
@@ -17251,13 +17075,13 @@
   <p:clrMapOvr>
     <a:masterClrMapping/>
   </p:clrMapOvr>
-  <mc:AlternateContent xmlns:mc="http://schemas.openxmlformats.org/markup-compatibility/2006">
-    <mc:Choice xmlns:p14="http://schemas.microsoft.com/office/powerpoint/2010/main" Requires="p14">
+  <mc:AlternateContent xmlns:mc="http://schemas.openxmlformats.org/markup-compatibility/2006" xmlns:p14="http://schemas.microsoft.com/office/powerpoint/2010/main">
+    <mc:Choice Requires="p14">
       <p:transition spd="med" p14:dur="700">
         <p:fade/>
       </p:transition>
     </mc:Choice>
-    <mc:Fallback>
+    <mc:Fallback xmlns="">
       <p:transition spd="med">
         <p:fade/>
       </p:transition>
@@ -17654,6 +17478,42 @@
           </a:prstGeom>
         </p:spPr>
       </p:pic>
+      <p:pic>
+        <p:nvPicPr>
+          <p:cNvPr id="13" name="Grafik 12">
+            <a:extLst>
+              <a:ext uri="{FF2B5EF4-FFF2-40B4-BE49-F238E27FC236}">
+                <a16:creationId xmlns:a16="http://schemas.microsoft.com/office/drawing/2014/main" id="{4F1A507D-B5AA-224F-88E3-6C3C84ACE207}"/>
+              </a:ext>
+            </a:extLst>
+          </p:cNvPr>
+          <p:cNvPicPr>
+            <a:picLocks noChangeAspect="1"/>
+          </p:cNvPicPr>
+          <p:nvPr/>
+        </p:nvPicPr>
+        <p:blipFill>
+          <a:blip r:embed="rId4">
+            <a:extLst>
+              <a:ext uri="{28A0092B-C50C-407E-A947-70E740481C1C}">
+                <a14:useLocalDpi xmlns:a14="http://schemas.microsoft.com/office/drawing/2010/main" val="0"/>
+              </a:ext>
+            </a:extLst>
+          </a:blip>
+          <a:stretch>
+            <a:fillRect/>
+          </a:stretch>
+        </p:blipFill>
+        <p:spPr>
+          <a:xfrm>
+            <a:off x="0" y="-3571"/>
+            <a:ext cx="1066800" cy="406400"/>
+          </a:xfrm>
+          <a:prstGeom prst="rect">
+            <a:avLst/>
+          </a:prstGeom>
+        </p:spPr>
+      </p:pic>
     </p:spTree>
     <p:extLst>
       <p:ext uri="{BB962C8B-B14F-4D97-AF65-F5344CB8AC3E}">
@@ -17664,13 +17524,13 @@
   <p:clrMapOvr>
     <a:masterClrMapping/>
   </p:clrMapOvr>
-  <mc:AlternateContent xmlns:mc="http://schemas.openxmlformats.org/markup-compatibility/2006">
-    <mc:Choice xmlns:p14="http://schemas.microsoft.com/office/powerpoint/2010/main" Requires="p14">
+  <mc:AlternateContent xmlns:mc="http://schemas.openxmlformats.org/markup-compatibility/2006" xmlns:p14="http://schemas.microsoft.com/office/powerpoint/2010/main">
+    <mc:Choice Requires="p14">
       <p:transition spd="med" p14:dur="700">
         <p:fade/>
       </p:transition>
     </mc:Choice>
-    <mc:Fallback>
+    <mc:Fallback xmlns="">
       <p:transition spd="med">
         <p:fade/>
       </p:transition>
@@ -17700,7 +17560,7 @@
                             </p:stCondLst>
                             <p:childTnLst>
                               <p:par>
-                                <p:cTn id="5" presetID="9" presetClass="entr" presetSubtype="0" fill="hold" nodeType="afterEffect">
+                                <p:cTn id="5" presetID="1" presetClass="entr" presetSubtype="0" fill="hold" grpId="0" nodeType="afterEffect">
                                   <p:stCondLst>
                                     <p:cond delay="0"/>
                                   </p:stCondLst>
@@ -17708,50 +17568,6 @@
                                     <p:set>
                                       <p:cBhvr>
                                         <p:cTn id="6" dur="1" fill="hold">
-                                          <p:stCondLst>
-                                            <p:cond delay="0"/>
-                                          </p:stCondLst>
-                                        </p:cTn>
-                                        <p:tgtEl>
-                                          <p:spTgt spid="3"/>
-                                        </p:tgtEl>
-                                        <p:attrNameLst>
-                                          <p:attrName>style.visibility</p:attrName>
-                                        </p:attrNameLst>
-                                      </p:cBhvr>
-                                      <p:to>
-                                        <p:strVal val="visible"/>
-                                      </p:to>
-                                    </p:set>
-                                    <p:animEffect transition="in" filter="dissolve">
-                                      <p:cBhvr>
-                                        <p:cTn id="7" dur="500"/>
-                                        <p:tgtEl>
-                                          <p:spTgt spid="3"/>
-                                        </p:tgtEl>
-                                      </p:cBhvr>
-                                    </p:animEffect>
-                                  </p:childTnLst>
-                                </p:cTn>
-                              </p:par>
-                            </p:childTnLst>
-                          </p:cTn>
-                        </p:par>
-                        <p:par>
-                          <p:cTn id="8" fill="hold">
-                            <p:stCondLst>
-                              <p:cond delay="500"/>
-                            </p:stCondLst>
-                            <p:childTnLst>
-                              <p:par>
-                                <p:cTn id="9" presetID="9" presetClass="entr" presetSubtype="0" fill="hold" grpId="0" nodeType="afterEffect">
-                                  <p:stCondLst>
-                                    <p:cond delay="0"/>
-                                  </p:stCondLst>
-                                  <p:childTnLst>
-                                    <p:set>
-                                      <p:cBhvr>
-                                        <p:cTn id="10" dur="1" fill="hold">
                                           <p:stCondLst>
                                             <p:cond delay="0"/>
                                           </p:stCondLst>
@@ -17771,18 +17587,6 @@
                                         <p:strVal val="visible"/>
                                       </p:to>
                                     </p:set>
-                                    <p:animEffect transition="in" filter="dissolve">
-                                      <p:cBhvr>
-                                        <p:cTn id="11" dur="500"/>
-                                        <p:tgtEl>
-                                          <p:spTgt spid="15">
-                                            <p:txEl>
-                                              <p:pRg st="0" end="0"/>
-                                            </p:txEl>
-                                          </p:spTgt>
-                                        </p:tgtEl>
-                                      </p:cBhvr>
-                                    </p:animEffect>
                                   </p:childTnLst>
                                 </p:cTn>
                               </p:par>
@@ -17790,20 +17594,20 @@
                           </p:cTn>
                         </p:par>
                         <p:par>
-                          <p:cTn id="12" fill="hold">
+                          <p:cTn id="7" fill="hold">
                             <p:stCondLst>
-                              <p:cond delay="1000"/>
+                              <p:cond delay="0"/>
                             </p:stCondLst>
                             <p:childTnLst>
                               <p:par>
-                                <p:cTn id="13" presetID="9" presetClass="entr" presetSubtype="0" fill="hold" grpId="0" nodeType="afterEffect">
+                                <p:cTn id="8" presetID="1" presetClass="entr" presetSubtype="0" fill="hold" grpId="0" nodeType="afterEffect">
                                   <p:stCondLst>
                                     <p:cond delay="0"/>
                                   </p:stCondLst>
                                   <p:childTnLst>
                                     <p:set>
                                       <p:cBhvr>
-                                        <p:cTn id="14" dur="1" fill="hold">
+                                        <p:cTn id="9" dur="1" fill="hold">
                                           <p:stCondLst>
                                             <p:cond delay="0"/>
                                           </p:stCondLst>
@@ -17823,18 +17627,6 @@
                                         <p:strVal val="visible"/>
                                       </p:to>
                                     </p:set>
-                                    <p:animEffect transition="in" filter="dissolve">
-                                      <p:cBhvr>
-                                        <p:cTn id="15" dur="500"/>
-                                        <p:tgtEl>
-                                          <p:spTgt spid="15">
-                                            <p:txEl>
-                                              <p:pRg st="1" end="1"/>
-                                            </p:txEl>
-                                          </p:spTgt>
-                                        </p:tgtEl>
-                                      </p:cBhvr>
-                                    </p:animEffect>
                                   </p:childTnLst>
                                 </p:cTn>
                               </p:par>

--- a/01_Organisation/02_Meilensteine/m1c/Praesentation_m1c.pptx
+++ b/01_Organisation/02_Meilensteine/m1c/Praesentation_m1c.pptx
@@ -9833,35 +9833,27 @@
         </p:spPr>
         <p:txBody>
           <a:bodyPr>
-            <a:normAutofit/>
+            <a:normAutofit fontScale="90000"/>
           </a:bodyPr>
           <a:lstStyle/>
           <a:p>
-            <a:pPr algn="ctr"/>
             <a:r>
               <a:rPr lang="de-CH" sz="6600" b="1" dirty="0">
                 <a:solidFill>
                   <a:schemeClr val="tx1"/>
                 </a:solidFill>
               </a:rPr>
-              <a:t>Klaus der </a:t>
+              <a:t>Klaus </a:t>
             </a:r>
             <a:r>
-              <a:rPr lang="de-CH" sz="6600" b="1" dirty="0" err="1">
-                <a:solidFill>
-                  <a:schemeClr val="tx1"/>
-                </a:solidFill>
-              </a:rPr>
-              <a:t>Leutturmbauer</a:t>
+              <a:rPr lang="de-CH" sz="6600" b="1" dirty="0"/>
+              <a:t>der Leuchtturmbauer </a:t>
             </a:r>
-            <a:r>
-              <a:rPr lang="de-CH" sz="6600" b="1" dirty="0">
-                <a:solidFill>
-                  <a:schemeClr val="tx1"/>
-                </a:solidFill>
-              </a:rPr>
-              <a:t> </a:t>
-            </a:r>
+            <a:endParaRPr lang="de-CH" sz="6600" b="1" dirty="0">
+              <a:solidFill>
+                <a:schemeClr val="tx1"/>
+              </a:solidFill>
+            </a:endParaRPr>
           </a:p>
         </p:txBody>
       </p:sp>

--- a/01_Organisation/02_Meilensteine/m1c/Praesentation_m1c.pptx
+++ b/01_Organisation/02_Meilensteine/m1c/Praesentation_m1c.pptx
@@ -2,7 +2,7 @@
 <file path=ppt/presentation.xml><?xml version="1.0" encoding="utf-8"?>
 <p:presentation xmlns:a="http://schemas.openxmlformats.org/drawingml/2006/main" xmlns:r="http://schemas.openxmlformats.org/officeDocument/2006/relationships" xmlns:p="http://schemas.openxmlformats.org/presentationml/2006/main" saveSubsetFonts="1">
   <p:sldMasterIdLst>
-    <p:sldMasterId id="2147483888" r:id="rId1"/>
+    <p:sldMasterId id="2147484208" r:id="rId1"/>
   </p:sldMasterIdLst>
   <p:notesMasterIdLst>
     <p:notesMasterId r:id="rId14"/>
@@ -6809,7 +6809,7 @@
       </p:grpSpPr>
       <p:sp>
         <p:nvSpPr>
-          <p:cNvPr id="2" name="Titel 1"/>
+          <p:cNvPr id="2" name="Title 1"/>
           <p:cNvSpPr>
             <a:spLocks noGrp="1"/>
           </p:cNvSpPr>
@@ -6819,29 +6819,29 @@
         </p:nvSpPr>
         <p:spPr>
           <a:xfrm>
-            <a:off x="1143000" y="1122363"/>
-            <a:ext cx="6858000" cy="2387600"/>
+            <a:off x="685800" y="1122363"/>
+            <a:ext cx="7772400" cy="2387600"/>
           </a:xfrm>
         </p:spPr>
         <p:txBody>
           <a:bodyPr anchor="b"/>
           <a:lstStyle>
             <a:lvl1pPr algn="ctr">
-              <a:defRPr sz="4500"/>
+              <a:defRPr sz="6000"/>
             </a:lvl1pPr>
           </a:lstStyle>
           <a:p>
             <a:r>
-              <a:rPr lang="de-DE" dirty="0"/>
-              <a:t>Titelmasterformat durch Klicken bearbeiten</a:t>
+              <a:rPr lang="de-DE"/>
+              <a:t>Mastertitelformat bearbeiten</a:t>
             </a:r>
-            <a:endParaRPr lang="de-CH" dirty="0"/>
+            <a:endParaRPr lang="en-US" dirty="0"/>
           </a:p>
         </p:txBody>
       </p:sp>
       <p:sp>
         <p:nvSpPr>
-          <p:cNvPr id="3" name="Untertitel 2"/>
+          <p:cNvPr id="3" name="Subtitle 2"/>
           <p:cNvSpPr>
             <a:spLocks noGrp="1"/>
           </p:cNvSpPr>
@@ -6860,39 +6860,39 @@
           <a:lstStyle>
             <a:lvl1pPr marL="0" indent="0" algn="ctr">
               <a:buNone/>
+              <a:defRPr sz="2400"/>
+            </a:lvl1pPr>
+            <a:lvl2pPr marL="457200" indent="0" algn="ctr">
+              <a:buNone/>
+              <a:defRPr sz="2000"/>
+            </a:lvl2pPr>
+            <a:lvl3pPr marL="914400" indent="0" algn="ctr">
+              <a:buNone/>
               <a:defRPr sz="1800"/>
-            </a:lvl1pPr>
-            <a:lvl2pPr marL="342900" indent="0" algn="ctr">
+            </a:lvl3pPr>
+            <a:lvl4pPr marL="1371600" indent="0" algn="ctr">
               <a:buNone/>
-              <a:defRPr sz="1500"/>
-            </a:lvl2pPr>
-            <a:lvl3pPr marL="685800" indent="0" algn="ctr">
+              <a:defRPr sz="1600"/>
+            </a:lvl4pPr>
+            <a:lvl5pPr marL="1828800" indent="0" algn="ctr">
               <a:buNone/>
-              <a:defRPr sz="1350"/>
-            </a:lvl3pPr>
-            <a:lvl4pPr marL="1028700" indent="0" algn="ctr">
+              <a:defRPr sz="1600"/>
+            </a:lvl5pPr>
+            <a:lvl6pPr marL="2286000" indent="0" algn="ctr">
               <a:buNone/>
-              <a:defRPr sz="1200"/>
-            </a:lvl4pPr>
-            <a:lvl5pPr marL="1371600" indent="0" algn="ctr">
+              <a:defRPr sz="1600"/>
+            </a:lvl6pPr>
+            <a:lvl7pPr marL="2743200" indent="0" algn="ctr">
               <a:buNone/>
-              <a:defRPr sz="1200"/>
-            </a:lvl5pPr>
-            <a:lvl6pPr marL="1714500" indent="0" algn="ctr">
+              <a:defRPr sz="1600"/>
+            </a:lvl7pPr>
+            <a:lvl8pPr marL="3200400" indent="0" algn="ctr">
               <a:buNone/>
-              <a:defRPr sz="1200"/>
-            </a:lvl6pPr>
-            <a:lvl7pPr marL="2057400" indent="0" algn="ctr">
+              <a:defRPr sz="1600"/>
+            </a:lvl8pPr>
+            <a:lvl9pPr marL="3657600" indent="0" algn="ctr">
               <a:buNone/>
-              <a:defRPr sz="1200"/>
-            </a:lvl7pPr>
-            <a:lvl8pPr marL="2400300" indent="0" algn="ctr">
-              <a:buNone/>
-              <a:defRPr sz="1200"/>
-            </a:lvl8pPr>
-            <a:lvl9pPr marL="2743200" indent="0" algn="ctr">
-              <a:buNone/>
-              <a:defRPr sz="1200"/>
+              <a:defRPr sz="1600"/>
             </a:lvl9pPr>
           </a:lstStyle>
           <a:p>
@@ -6900,13 +6900,13 @@
               <a:rPr lang="de-DE"/>
               <a:t>Formatvorlage des Untertitelmasters durch Klicken bearbeiten</a:t>
             </a:r>
-            <a:endParaRPr lang="de-CH"/>
+            <a:endParaRPr lang="en-US" dirty="0"/>
           </a:p>
         </p:txBody>
       </p:sp>
       <p:sp>
         <p:nvSpPr>
-          <p:cNvPr id="4" name="Datumsplatzhalter 3"/>
+          <p:cNvPr id="4" name="Date Placeholder 3"/>
           <p:cNvSpPr>
             <a:spLocks noGrp="1"/>
           </p:cNvSpPr>
@@ -6929,7 +6929,7 @@
       </p:sp>
       <p:sp>
         <p:nvSpPr>
-          <p:cNvPr id="5" name="Fußzeilenplatzhalter 4"/>
+          <p:cNvPr id="5" name="Footer Placeholder 4"/>
           <p:cNvSpPr>
             <a:spLocks noGrp="1"/>
           </p:cNvSpPr>
@@ -6948,7 +6948,7 @@
       </p:sp>
       <p:sp>
         <p:nvSpPr>
-          <p:cNvPr id="6" name="Foliennummernplatzhalter 5"/>
+          <p:cNvPr id="6" name="Slide Number Placeholder 5"/>
           <p:cNvSpPr>
             <a:spLocks noGrp="1"/>
           </p:cNvSpPr>
@@ -6972,25 +6972,13 @@
     </p:spTree>
     <p:extLst>
       <p:ext uri="{BB962C8B-B14F-4D97-AF65-F5344CB8AC3E}">
-        <p14:creationId xmlns:p14="http://schemas.microsoft.com/office/powerpoint/2010/main" val="3873216232"/>
+        <p14:creationId xmlns:p14="http://schemas.microsoft.com/office/powerpoint/2010/main" val="2376423288"/>
       </p:ext>
     </p:extLst>
   </p:cSld>
   <p:clrMapOvr>
     <a:masterClrMapping/>
   </p:clrMapOvr>
-  <mc:AlternateContent xmlns:mc="http://schemas.openxmlformats.org/markup-compatibility/2006" xmlns:p14="http://schemas.microsoft.com/office/powerpoint/2010/main">
-    <mc:Choice Requires="p14">
-      <p:transition spd="med" p14:dur="700">
-        <p:fade/>
-      </p:transition>
-    </mc:Choice>
-    <mc:Fallback xmlns="">
-      <p:transition spd="med">
-        <p:fade/>
-      </p:transition>
-    </mc:Fallback>
-  </mc:AlternateContent>
 </p:sldLayout>
 </file>
 
@@ -7013,7 +7001,7 @@
       </p:grpSpPr>
       <p:sp>
         <p:nvSpPr>
-          <p:cNvPr id="2" name="Titel 1"/>
+          <p:cNvPr id="2" name="Title 1"/>
           <p:cNvSpPr>
             <a:spLocks noGrp="1"/>
           </p:cNvSpPr>
@@ -7028,15 +7016,15 @@
           <a:p>
             <a:r>
               <a:rPr lang="de-DE"/>
-              <a:t>Titelmasterformat durch Klicken bearbeiten</a:t>
+              <a:t>Mastertitelformat bearbeiten</a:t>
             </a:r>
-            <a:endParaRPr lang="de-CH"/>
+            <a:endParaRPr lang="en-US" dirty="0"/>
           </a:p>
         </p:txBody>
       </p:sp>
       <p:sp>
         <p:nvSpPr>
-          <p:cNvPr id="3" name="Vertikaler Textplatzhalter 2"/>
+          <p:cNvPr id="3" name="Vertical Text Placeholder 2"/>
           <p:cNvSpPr>
             <a:spLocks noGrp="1"/>
           </p:cNvSpPr>
@@ -7082,13 +7070,13 @@
               <a:rPr lang="de-DE"/>
               <a:t>Fünfte Ebene</a:t>
             </a:r>
-            <a:endParaRPr lang="de-CH"/>
+            <a:endParaRPr lang="en-US" dirty="0"/>
           </a:p>
         </p:txBody>
       </p:sp>
       <p:sp>
         <p:nvSpPr>
-          <p:cNvPr id="4" name="Datumsplatzhalter 3"/>
+          <p:cNvPr id="4" name="Date Placeholder 3"/>
           <p:cNvSpPr>
             <a:spLocks noGrp="1"/>
           </p:cNvSpPr>
@@ -7111,7 +7099,7 @@
       </p:sp>
       <p:sp>
         <p:nvSpPr>
-          <p:cNvPr id="5" name="Fußzeilenplatzhalter 4"/>
+          <p:cNvPr id="5" name="Footer Placeholder 4"/>
           <p:cNvSpPr>
             <a:spLocks noGrp="1"/>
           </p:cNvSpPr>
@@ -7130,7 +7118,7 @@
       </p:sp>
       <p:sp>
         <p:nvSpPr>
-          <p:cNvPr id="6" name="Foliennummernplatzhalter 5"/>
+          <p:cNvPr id="6" name="Slide Number Placeholder 5"/>
           <p:cNvSpPr>
             <a:spLocks noGrp="1"/>
           </p:cNvSpPr>
@@ -7154,25 +7142,13 @@
     </p:spTree>
     <p:extLst>
       <p:ext uri="{BB962C8B-B14F-4D97-AF65-F5344CB8AC3E}">
-        <p14:creationId xmlns:p14="http://schemas.microsoft.com/office/powerpoint/2010/main" val="2995832741"/>
+        <p14:creationId xmlns:p14="http://schemas.microsoft.com/office/powerpoint/2010/main" val="1609962957"/>
       </p:ext>
     </p:extLst>
   </p:cSld>
   <p:clrMapOvr>
     <a:masterClrMapping/>
   </p:clrMapOvr>
-  <mc:AlternateContent xmlns:mc="http://schemas.openxmlformats.org/markup-compatibility/2006" xmlns:p14="http://schemas.microsoft.com/office/powerpoint/2010/main">
-    <mc:Choice Requires="p14">
-      <p:transition spd="med" p14:dur="700">
-        <p:fade/>
-      </p:transition>
-    </mc:Choice>
-    <mc:Fallback xmlns="">
-      <p:transition spd="med">
-        <p:fade/>
-      </p:transition>
-    </mc:Fallback>
-  </mc:AlternateContent>
 </p:sldLayout>
 </file>
 
@@ -7195,7 +7171,7 @@
       </p:grpSpPr>
       <p:sp>
         <p:nvSpPr>
-          <p:cNvPr id="2" name="Vertikaler Titel 1"/>
+          <p:cNvPr id="2" name="Vertical Title 1"/>
           <p:cNvSpPr>
             <a:spLocks noGrp="1"/>
           </p:cNvSpPr>
@@ -7215,15 +7191,15 @@
           <a:p>
             <a:r>
               <a:rPr lang="de-DE"/>
-              <a:t>Titelmasterformat durch Klicken bearbeiten</a:t>
+              <a:t>Mastertitelformat bearbeiten</a:t>
             </a:r>
-            <a:endParaRPr lang="de-CH"/>
+            <a:endParaRPr lang="en-US" dirty="0"/>
           </a:p>
         </p:txBody>
       </p:sp>
       <p:sp>
         <p:nvSpPr>
-          <p:cNvPr id="3" name="Vertikaler Textplatzhalter 2"/>
+          <p:cNvPr id="3" name="Vertical Text Placeholder 2"/>
           <p:cNvSpPr>
             <a:spLocks noGrp="1"/>
           </p:cNvSpPr>
@@ -7274,13 +7250,13 @@
               <a:rPr lang="de-DE"/>
               <a:t>Fünfte Ebene</a:t>
             </a:r>
-            <a:endParaRPr lang="de-CH"/>
+            <a:endParaRPr lang="en-US" dirty="0"/>
           </a:p>
         </p:txBody>
       </p:sp>
       <p:sp>
         <p:nvSpPr>
-          <p:cNvPr id="4" name="Datumsplatzhalter 3"/>
+          <p:cNvPr id="4" name="Date Placeholder 3"/>
           <p:cNvSpPr>
             <a:spLocks noGrp="1"/>
           </p:cNvSpPr>
@@ -7303,7 +7279,7 @@
       </p:sp>
       <p:sp>
         <p:nvSpPr>
-          <p:cNvPr id="5" name="Fußzeilenplatzhalter 4"/>
+          <p:cNvPr id="5" name="Footer Placeholder 4"/>
           <p:cNvSpPr>
             <a:spLocks noGrp="1"/>
           </p:cNvSpPr>
@@ -7322,7 +7298,7 @@
       </p:sp>
       <p:sp>
         <p:nvSpPr>
-          <p:cNvPr id="6" name="Foliennummernplatzhalter 5"/>
+          <p:cNvPr id="6" name="Slide Number Placeholder 5"/>
           <p:cNvSpPr>
             <a:spLocks noGrp="1"/>
           </p:cNvSpPr>
@@ -7346,25 +7322,13 @@
     </p:spTree>
     <p:extLst>
       <p:ext uri="{BB962C8B-B14F-4D97-AF65-F5344CB8AC3E}">
-        <p14:creationId xmlns:p14="http://schemas.microsoft.com/office/powerpoint/2010/main" val="2679155459"/>
+        <p14:creationId xmlns:p14="http://schemas.microsoft.com/office/powerpoint/2010/main" val="3434431299"/>
       </p:ext>
     </p:extLst>
   </p:cSld>
   <p:clrMapOvr>
     <a:masterClrMapping/>
   </p:clrMapOvr>
-  <mc:AlternateContent xmlns:mc="http://schemas.openxmlformats.org/markup-compatibility/2006" xmlns:p14="http://schemas.microsoft.com/office/powerpoint/2010/main">
-    <mc:Choice Requires="p14">
-      <p:transition spd="med" p14:dur="700">
-        <p:fade/>
-      </p:transition>
-    </mc:Choice>
-    <mc:Fallback xmlns="">
-      <p:transition spd="med">
-        <p:fade/>
-      </p:transition>
-    </mc:Fallback>
-  </mc:AlternateContent>
 </p:sldLayout>
 </file>
 
@@ -7387,7 +7351,7 @@
       </p:grpSpPr>
       <p:sp>
         <p:nvSpPr>
-          <p:cNvPr id="2" name="Titel 1"/>
+          <p:cNvPr id="2" name="Title 1"/>
           <p:cNvSpPr>
             <a:spLocks noGrp="1"/>
           </p:cNvSpPr>
@@ -7402,15 +7366,15 @@
           <a:p>
             <a:r>
               <a:rPr lang="de-DE"/>
-              <a:t>Titelmasterformat durch Klicken bearbeiten</a:t>
+              <a:t>Mastertitelformat bearbeiten</a:t>
             </a:r>
-            <a:endParaRPr lang="de-CH"/>
+            <a:endParaRPr lang="en-US" dirty="0"/>
           </a:p>
         </p:txBody>
       </p:sp>
       <p:sp>
         <p:nvSpPr>
-          <p:cNvPr id="3" name="Inhaltsplatzhalter 2"/>
+          <p:cNvPr id="3" name="Content Placeholder 2"/>
           <p:cNvSpPr>
             <a:spLocks noGrp="1"/>
           </p:cNvSpPr>
@@ -7456,13 +7420,13 @@
               <a:rPr lang="de-DE"/>
               <a:t>Fünfte Ebene</a:t>
             </a:r>
-            <a:endParaRPr lang="de-CH"/>
+            <a:endParaRPr lang="en-US" dirty="0"/>
           </a:p>
         </p:txBody>
       </p:sp>
       <p:sp>
         <p:nvSpPr>
-          <p:cNvPr id="4" name="Datumsplatzhalter 3"/>
+          <p:cNvPr id="4" name="Date Placeholder 3"/>
           <p:cNvSpPr>
             <a:spLocks noGrp="1"/>
           </p:cNvSpPr>
@@ -7485,7 +7449,7 @@
       </p:sp>
       <p:sp>
         <p:nvSpPr>
-          <p:cNvPr id="5" name="Fußzeilenplatzhalter 4"/>
+          <p:cNvPr id="5" name="Footer Placeholder 4"/>
           <p:cNvSpPr>
             <a:spLocks noGrp="1"/>
           </p:cNvSpPr>
@@ -7504,7 +7468,7 @@
       </p:sp>
       <p:sp>
         <p:nvSpPr>
-          <p:cNvPr id="6" name="Foliennummernplatzhalter 5"/>
+          <p:cNvPr id="6" name="Slide Number Placeholder 5"/>
           <p:cNvSpPr>
             <a:spLocks noGrp="1"/>
           </p:cNvSpPr>
@@ -7528,31 +7492,19 @@
     </p:spTree>
     <p:extLst>
       <p:ext uri="{BB962C8B-B14F-4D97-AF65-F5344CB8AC3E}">
-        <p14:creationId xmlns:p14="http://schemas.microsoft.com/office/powerpoint/2010/main" val="4233464087"/>
+        <p14:creationId xmlns:p14="http://schemas.microsoft.com/office/powerpoint/2010/main" val="661998239"/>
       </p:ext>
     </p:extLst>
   </p:cSld>
   <p:clrMapOvr>
     <a:masterClrMapping/>
   </p:clrMapOvr>
-  <mc:AlternateContent xmlns:mc="http://schemas.openxmlformats.org/markup-compatibility/2006" xmlns:p14="http://schemas.microsoft.com/office/powerpoint/2010/main">
-    <mc:Choice Requires="p14">
-      <p:transition spd="med" p14:dur="700">
-        <p:fade/>
-      </p:transition>
-    </mc:Choice>
-    <mc:Fallback xmlns="">
-      <p:transition spd="med">
-        <p:fade/>
-      </p:transition>
-    </mc:Fallback>
-  </mc:AlternateContent>
 </p:sldLayout>
 </file>
 
 <file path=ppt/slideLayouts/slideLayout3.xml><?xml version="1.0" encoding="utf-8"?>
 <p:sldLayout xmlns:a="http://schemas.openxmlformats.org/drawingml/2006/main" xmlns:r="http://schemas.openxmlformats.org/officeDocument/2006/relationships" xmlns:p="http://schemas.openxmlformats.org/presentationml/2006/main" type="secHead" preserve="1">
-  <p:cSld name="Abschnitts-&#10;überschrift">
+  <p:cSld name="Abschnittsüberschrift">
     <p:spTree>
       <p:nvGrpSpPr>
         <p:cNvPr id="1" name=""/>
@@ -7569,7 +7521,7 @@
       </p:grpSpPr>
       <p:sp>
         <p:nvSpPr>
-          <p:cNvPr id="2" name="Titel 1"/>
+          <p:cNvPr id="2" name="Title 1"/>
           <p:cNvSpPr>
             <a:spLocks noGrp="1"/>
           </p:cNvSpPr>
@@ -7587,21 +7539,21 @@
           <a:bodyPr anchor="b"/>
           <a:lstStyle>
             <a:lvl1pPr>
-              <a:defRPr sz="4500"/>
+              <a:defRPr sz="6000"/>
             </a:lvl1pPr>
           </a:lstStyle>
           <a:p>
             <a:r>
               <a:rPr lang="de-DE"/>
-              <a:t>Titelmasterformat durch Klicken bearbeiten</a:t>
+              <a:t>Mastertitelformat bearbeiten</a:t>
             </a:r>
-            <a:endParaRPr lang="de-CH"/>
+            <a:endParaRPr lang="en-US" dirty="0"/>
           </a:p>
         </p:txBody>
       </p:sp>
       <p:sp>
         <p:nvSpPr>
-          <p:cNvPr id="3" name="Textplatzhalter 2"/>
+          <p:cNvPr id="3" name="Text Placeholder 2"/>
           <p:cNvSpPr>
             <a:spLocks noGrp="1"/>
           </p:cNvSpPr>
@@ -7620,6 +7572,24 @@
           <a:lstStyle>
             <a:lvl1pPr marL="0" indent="0">
               <a:buNone/>
+              <a:defRPr sz="2400">
+                <a:solidFill>
+                  <a:schemeClr val="tx1"/>
+                </a:solidFill>
+              </a:defRPr>
+            </a:lvl1pPr>
+            <a:lvl2pPr marL="457200" indent="0">
+              <a:buNone/>
+              <a:defRPr sz="2000">
+                <a:solidFill>
+                  <a:schemeClr val="tx1">
+                    <a:tint val="75000"/>
+                  </a:schemeClr>
+                </a:solidFill>
+              </a:defRPr>
+            </a:lvl2pPr>
+            <a:lvl3pPr marL="914400" indent="0">
+              <a:buNone/>
               <a:defRPr sz="1800">
                 <a:solidFill>
                   <a:schemeClr val="tx1">
@@ -7627,30 +7597,10 @@
                   </a:schemeClr>
                 </a:solidFill>
               </a:defRPr>
-            </a:lvl1pPr>
-            <a:lvl2pPr marL="342900" indent="0">
+            </a:lvl3pPr>
+            <a:lvl4pPr marL="1371600" indent="0">
               <a:buNone/>
-              <a:defRPr sz="1500">
-                <a:solidFill>
-                  <a:schemeClr val="tx1">
-                    <a:tint val="75000"/>
-                  </a:schemeClr>
-                </a:solidFill>
-              </a:defRPr>
-            </a:lvl2pPr>
-            <a:lvl3pPr marL="685800" indent="0">
-              <a:buNone/>
-              <a:defRPr sz="1350">
-                <a:solidFill>
-                  <a:schemeClr val="tx1">
-                    <a:tint val="75000"/>
-                  </a:schemeClr>
-                </a:solidFill>
-              </a:defRPr>
-            </a:lvl3pPr>
-            <a:lvl4pPr marL="1028700" indent="0">
-              <a:buNone/>
-              <a:defRPr sz="1200">
+              <a:defRPr sz="1600">
                 <a:solidFill>
                   <a:schemeClr val="tx1">
                     <a:tint val="75000"/>
@@ -7658,9 +7608,9 @@
                 </a:solidFill>
               </a:defRPr>
             </a:lvl4pPr>
-            <a:lvl5pPr marL="1371600" indent="0">
+            <a:lvl5pPr marL="1828800" indent="0">
               <a:buNone/>
-              <a:defRPr sz="1200">
+              <a:defRPr sz="1600">
                 <a:solidFill>
                   <a:schemeClr val="tx1">
                     <a:tint val="75000"/>
@@ -7668,9 +7618,9 @@
                 </a:solidFill>
               </a:defRPr>
             </a:lvl5pPr>
-            <a:lvl6pPr marL="1714500" indent="0">
+            <a:lvl6pPr marL="2286000" indent="0">
               <a:buNone/>
-              <a:defRPr sz="1200">
+              <a:defRPr sz="1600">
                 <a:solidFill>
                   <a:schemeClr val="tx1">
                     <a:tint val="75000"/>
@@ -7678,9 +7628,9 @@
                 </a:solidFill>
               </a:defRPr>
             </a:lvl6pPr>
-            <a:lvl7pPr marL="2057400" indent="0">
+            <a:lvl7pPr marL="2743200" indent="0">
               <a:buNone/>
-              <a:defRPr sz="1200">
+              <a:defRPr sz="1600">
                 <a:solidFill>
                   <a:schemeClr val="tx1">
                     <a:tint val="75000"/>
@@ -7688,9 +7638,9 @@
                 </a:solidFill>
               </a:defRPr>
             </a:lvl7pPr>
-            <a:lvl8pPr marL="2400300" indent="0">
+            <a:lvl8pPr marL="3200400" indent="0">
               <a:buNone/>
-              <a:defRPr sz="1200">
+              <a:defRPr sz="1600">
                 <a:solidFill>
                   <a:schemeClr val="tx1">
                     <a:tint val="75000"/>
@@ -7698,9 +7648,9 @@
                 </a:solidFill>
               </a:defRPr>
             </a:lvl8pPr>
-            <a:lvl9pPr marL="2743200" indent="0">
+            <a:lvl9pPr marL="3657600" indent="0">
               <a:buNone/>
-              <a:defRPr sz="1200">
+              <a:defRPr sz="1600">
                 <a:solidFill>
                   <a:schemeClr val="tx1">
                     <a:tint val="75000"/>
@@ -7720,7 +7670,7 @@
       </p:sp>
       <p:sp>
         <p:nvSpPr>
-          <p:cNvPr id="4" name="Datumsplatzhalter 3"/>
+          <p:cNvPr id="4" name="Date Placeholder 3"/>
           <p:cNvSpPr>
             <a:spLocks noGrp="1"/>
           </p:cNvSpPr>
@@ -7743,7 +7693,7 @@
       </p:sp>
       <p:sp>
         <p:nvSpPr>
-          <p:cNvPr id="5" name="Fußzeilenplatzhalter 4"/>
+          <p:cNvPr id="5" name="Footer Placeholder 4"/>
           <p:cNvSpPr>
             <a:spLocks noGrp="1"/>
           </p:cNvSpPr>
@@ -7762,7 +7712,7 @@
       </p:sp>
       <p:sp>
         <p:nvSpPr>
-          <p:cNvPr id="6" name="Foliennummernplatzhalter 5"/>
+          <p:cNvPr id="6" name="Slide Number Placeholder 5"/>
           <p:cNvSpPr>
             <a:spLocks noGrp="1"/>
           </p:cNvSpPr>
@@ -7786,25 +7736,13 @@
     </p:spTree>
     <p:extLst>
       <p:ext uri="{BB962C8B-B14F-4D97-AF65-F5344CB8AC3E}">
-        <p14:creationId xmlns:p14="http://schemas.microsoft.com/office/powerpoint/2010/main" val="3485196309"/>
+        <p14:creationId xmlns:p14="http://schemas.microsoft.com/office/powerpoint/2010/main" val="2550327773"/>
       </p:ext>
     </p:extLst>
   </p:cSld>
   <p:clrMapOvr>
     <a:masterClrMapping/>
   </p:clrMapOvr>
-  <mc:AlternateContent xmlns:mc="http://schemas.openxmlformats.org/markup-compatibility/2006" xmlns:p14="http://schemas.microsoft.com/office/powerpoint/2010/main">
-    <mc:Choice Requires="p14">
-      <p:transition spd="med" p14:dur="700">
-        <p:fade/>
-      </p:transition>
-    </mc:Choice>
-    <mc:Fallback xmlns="">
-      <p:transition spd="med">
-        <p:fade/>
-      </p:transition>
-    </mc:Fallback>
-  </mc:AlternateContent>
 </p:sldLayout>
 </file>
 
@@ -7827,7 +7765,7 @@
       </p:grpSpPr>
       <p:sp>
         <p:nvSpPr>
-          <p:cNvPr id="2" name="Titel 1"/>
+          <p:cNvPr id="2" name="Title 1"/>
           <p:cNvSpPr>
             <a:spLocks noGrp="1"/>
           </p:cNvSpPr>
@@ -7842,15 +7780,15 @@
           <a:p>
             <a:r>
               <a:rPr lang="de-DE"/>
-              <a:t>Titelmasterformat durch Klicken bearbeiten</a:t>
+              <a:t>Mastertitelformat bearbeiten</a:t>
             </a:r>
-            <a:endParaRPr lang="de-CH"/>
+            <a:endParaRPr lang="en-US" dirty="0"/>
           </a:p>
         </p:txBody>
       </p:sp>
       <p:sp>
         <p:nvSpPr>
-          <p:cNvPr id="3" name="Inhaltsplatzhalter 2"/>
+          <p:cNvPr id="3" name="Content Placeholder 2"/>
           <p:cNvSpPr>
             <a:spLocks noGrp="1"/>
           </p:cNvSpPr>
@@ -7901,13 +7839,13 @@
               <a:rPr lang="de-DE"/>
               <a:t>Fünfte Ebene</a:t>
             </a:r>
-            <a:endParaRPr lang="de-CH"/>
+            <a:endParaRPr lang="en-US" dirty="0"/>
           </a:p>
         </p:txBody>
       </p:sp>
       <p:sp>
         <p:nvSpPr>
-          <p:cNvPr id="4" name="Inhaltsplatzhalter 3"/>
+          <p:cNvPr id="4" name="Content Placeholder 3"/>
           <p:cNvSpPr>
             <a:spLocks noGrp="1"/>
           </p:cNvSpPr>
@@ -7958,13 +7896,13 @@
               <a:rPr lang="de-DE"/>
               <a:t>Fünfte Ebene</a:t>
             </a:r>
-            <a:endParaRPr lang="de-CH"/>
+            <a:endParaRPr lang="en-US" dirty="0"/>
           </a:p>
         </p:txBody>
       </p:sp>
       <p:sp>
         <p:nvSpPr>
-          <p:cNvPr id="5" name="Datumsplatzhalter 4"/>
+          <p:cNvPr id="5" name="Date Placeholder 4"/>
           <p:cNvSpPr>
             <a:spLocks noGrp="1"/>
           </p:cNvSpPr>
@@ -7987,7 +7925,7 @@
       </p:sp>
       <p:sp>
         <p:nvSpPr>
-          <p:cNvPr id="6" name="Fußzeilenplatzhalter 5"/>
+          <p:cNvPr id="6" name="Footer Placeholder 5"/>
           <p:cNvSpPr>
             <a:spLocks noGrp="1"/>
           </p:cNvSpPr>
@@ -8006,7 +7944,7 @@
       </p:sp>
       <p:sp>
         <p:nvSpPr>
-          <p:cNvPr id="7" name="Foliennummernplatzhalter 6"/>
+          <p:cNvPr id="7" name="Slide Number Placeholder 6"/>
           <p:cNvSpPr>
             <a:spLocks noGrp="1"/>
           </p:cNvSpPr>
@@ -8030,25 +7968,13 @@
     </p:spTree>
     <p:extLst>
       <p:ext uri="{BB962C8B-B14F-4D97-AF65-F5344CB8AC3E}">
-        <p14:creationId xmlns:p14="http://schemas.microsoft.com/office/powerpoint/2010/main" val="1138405970"/>
+        <p14:creationId xmlns:p14="http://schemas.microsoft.com/office/powerpoint/2010/main" val="4156882034"/>
       </p:ext>
     </p:extLst>
   </p:cSld>
   <p:clrMapOvr>
     <a:masterClrMapping/>
   </p:clrMapOvr>
-  <mc:AlternateContent xmlns:mc="http://schemas.openxmlformats.org/markup-compatibility/2006" xmlns:p14="http://schemas.microsoft.com/office/powerpoint/2010/main">
-    <mc:Choice Requires="p14">
-      <p:transition spd="med" p14:dur="700">
-        <p:fade/>
-      </p:transition>
-    </mc:Choice>
-    <mc:Fallback xmlns="">
-      <p:transition spd="med">
-        <p:fade/>
-      </p:transition>
-    </mc:Fallback>
-  </mc:AlternateContent>
 </p:sldLayout>
 </file>
 
@@ -8071,7 +7997,7 @@
       </p:grpSpPr>
       <p:sp>
         <p:nvSpPr>
-          <p:cNvPr id="2" name="Titel 1"/>
+          <p:cNvPr id="2" name="Title 1"/>
           <p:cNvSpPr>
             <a:spLocks noGrp="1"/>
           </p:cNvSpPr>
@@ -8091,15 +8017,15 @@
           <a:p>
             <a:r>
               <a:rPr lang="de-DE"/>
-              <a:t>Titelmasterformat durch Klicken bearbeiten</a:t>
+              <a:t>Mastertitelformat bearbeiten</a:t>
             </a:r>
-            <a:endParaRPr lang="de-CH"/>
+            <a:endParaRPr lang="en-US" dirty="0"/>
           </a:p>
         </p:txBody>
       </p:sp>
       <p:sp>
         <p:nvSpPr>
-          <p:cNvPr id="3" name="Textplatzhalter 2"/>
+          <p:cNvPr id="3" name="Text Placeholder 2"/>
           <p:cNvSpPr>
             <a:spLocks noGrp="1"/>
           </p:cNvSpPr>
@@ -8118,39 +8044,39 @@
           <a:lstStyle>
             <a:lvl1pPr marL="0" indent="0">
               <a:buNone/>
+              <a:defRPr sz="2400" b="1"/>
+            </a:lvl1pPr>
+            <a:lvl2pPr marL="457200" indent="0">
+              <a:buNone/>
+              <a:defRPr sz="2000" b="1"/>
+            </a:lvl2pPr>
+            <a:lvl3pPr marL="914400" indent="0">
+              <a:buNone/>
               <a:defRPr sz="1800" b="1"/>
-            </a:lvl1pPr>
-            <a:lvl2pPr marL="342900" indent="0">
+            </a:lvl3pPr>
+            <a:lvl4pPr marL="1371600" indent="0">
               <a:buNone/>
-              <a:defRPr sz="1500" b="1"/>
-            </a:lvl2pPr>
-            <a:lvl3pPr marL="685800" indent="0">
+              <a:defRPr sz="1600" b="1"/>
+            </a:lvl4pPr>
+            <a:lvl5pPr marL="1828800" indent="0">
               <a:buNone/>
-              <a:defRPr sz="1350" b="1"/>
-            </a:lvl3pPr>
-            <a:lvl4pPr marL="1028700" indent="0">
+              <a:defRPr sz="1600" b="1"/>
+            </a:lvl5pPr>
+            <a:lvl6pPr marL="2286000" indent="0">
               <a:buNone/>
-              <a:defRPr sz="1200" b="1"/>
-            </a:lvl4pPr>
-            <a:lvl5pPr marL="1371600" indent="0">
+              <a:defRPr sz="1600" b="1"/>
+            </a:lvl6pPr>
+            <a:lvl7pPr marL="2743200" indent="0">
               <a:buNone/>
-              <a:defRPr sz="1200" b="1"/>
-            </a:lvl5pPr>
-            <a:lvl6pPr marL="1714500" indent="0">
+              <a:defRPr sz="1600" b="1"/>
+            </a:lvl7pPr>
+            <a:lvl8pPr marL="3200400" indent="0">
               <a:buNone/>
-              <a:defRPr sz="1200" b="1"/>
-            </a:lvl6pPr>
-            <a:lvl7pPr marL="2057400" indent="0">
+              <a:defRPr sz="1600" b="1"/>
+            </a:lvl8pPr>
+            <a:lvl9pPr marL="3657600" indent="0">
               <a:buNone/>
-              <a:defRPr sz="1200" b="1"/>
-            </a:lvl7pPr>
-            <a:lvl8pPr marL="2400300" indent="0">
-              <a:buNone/>
-              <a:defRPr sz="1200" b="1"/>
-            </a:lvl8pPr>
-            <a:lvl9pPr marL="2743200" indent="0">
-              <a:buNone/>
-              <a:defRPr sz="1200" b="1"/>
+              <a:defRPr sz="1600" b="1"/>
             </a:lvl9pPr>
           </a:lstStyle>
           <a:p>
@@ -8164,7 +8090,7 @@
       </p:sp>
       <p:sp>
         <p:nvSpPr>
-          <p:cNvPr id="4" name="Inhaltsplatzhalter 3"/>
+          <p:cNvPr id="4" name="Content Placeholder 3"/>
           <p:cNvSpPr>
             <a:spLocks noGrp="1"/>
           </p:cNvSpPr>
@@ -8215,13 +8141,13 @@
               <a:rPr lang="de-DE"/>
               <a:t>Fünfte Ebene</a:t>
             </a:r>
-            <a:endParaRPr lang="de-CH"/>
+            <a:endParaRPr lang="en-US" dirty="0"/>
           </a:p>
         </p:txBody>
       </p:sp>
       <p:sp>
         <p:nvSpPr>
-          <p:cNvPr id="5" name="Textplatzhalter 4"/>
+          <p:cNvPr id="5" name="Text Placeholder 4"/>
           <p:cNvSpPr>
             <a:spLocks noGrp="1"/>
           </p:cNvSpPr>
@@ -8240,39 +8166,39 @@
           <a:lstStyle>
             <a:lvl1pPr marL="0" indent="0">
               <a:buNone/>
+              <a:defRPr sz="2400" b="1"/>
+            </a:lvl1pPr>
+            <a:lvl2pPr marL="457200" indent="0">
+              <a:buNone/>
+              <a:defRPr sz="2000" b="1"/>
+            </a:lvl2pPr>
+            <a:lvl3pPr marL="914400" indent="0">
+              <a:buNone/>
               <a:defRPr sz="1800" b="1"/>
-            </a:lvl1pPr>
-            <a:lvl2pPr marL="342900" indent="0">
+            </a:lvl3pPr>
+            <a:lvl4pPr marL="1371600" indent="0">
               <a:buNone/>
-              <a:defRPr sz="1500" b="1"/>
-            </a:lvl2pPr>
-            <a:lvl3pPr marL="685800" indent="0">
+              <a:defRPr sz="1600" b="1"/>
+            </a:lvl4pPr>
+            <a:lvl5pPr marL="1828800" indent="0">
               <a:buNone/>
-              <a:defRPr sz="1350" b="1"/>
-            </a:lvl3pPr>
-            <a:lvl4pPr marL="1028700" indent="0">
+              <a:defRPr sz="1600" b="1"/>
+            </a:lvl5pPr>
+            <a:lvl6pPr marL="2286000" indent="0">
               <a:buNone/>
-              <a:defRPr sz="1200" b="1"/>
-            </a:lvl4pPr>
-            <a:lvl5pPr marL="1371600" indent="0">
+              <a:defRPr sz="1600" b="1"/>
+            </a:lvl6pPr>
+            <a:lvl7pPr marL="2743200" indent="0">
               <a:buNone/>
-              <a:defRPr sz="1200" b="1"/>
-            </a:lvl5pPr>
-            <a:lvl6pPr marL="1714500" indent="0">
+              <a:defRPr sz="1600" b="1"/>
+            </a:lvl7pPr>
+            <a:lvl8pPr marL="3200400" indent="0">
               <a:buNone/>
-              <a:defRPr sz="1200" b="1"/>
-            </a:lvl6pPr>
-            <a:lvl7pPr marL="2057400" indent="0">
+              <a:defRPr sz="1600" b="1"/>
+            </a:lvl8pPr>
+            <a:lvl9pPr marL="3657600" indent="0">
               <a:buNone/>
-              <a:defRPr sz="1200" b="1"/>
-            </a:lvl7pPr>
-            <a:lvl8pPr marL="2400300" indent="0">
-              <a:buNone/>
-              <a:defRPr sz="1200" b="1"/>
-            </a:lvl8pPr>
-            <a:lvl9pPr marL="2743200" indent="0">
-              <a:buNone/>
-              <a:defRPr sz="1200" b="1"/>
+              <a:defRPr sz="1600" b="1"/>
             </a:lvl9pPr>
           </a:lstStyle>
           <a:p>
@@ -8286,7 +8212,7 @@
       </p:sp>
       <p:sp>
         <p:nvSpPr>
-          <p:cNvPr id="6" name="Inhaltsplatzhalter 5"/>
+          <p:cNvPr id="6" name="Content Placeholder 5"/>
           <p:cNvSpPr>
             <a:spLocks noGrp="1"/>
           </p:cNvSpPr>
@@ -8337,13 +8263,13 @@
               <a:rPr lang="de-DE"/>
               <a:t>Fünfte Ebene</a:t>
             </a:r>
-            <a:endParaRPr lang="de-CH"/>
+            <a:endParaRPr lang="en-US" dirty="0"/>
           </a:p>
         </p:txBody>
       </p:sp>
       <p:sp>
         <p:nvSpPr>
-          <p:cNvPr id="7" name="Datumsplatzhalter 6"/>
+          <p:cNvPr id="7" name="Date Placeholder 6"/>
           <p:cNvSpPr>
             <a:spLocks noGrp="1"/>
           </p:cNvSpPr>
@@ -8366,7 +8292,7 @@
       </p:sp>
       <p:sp>
         <p:nvSpPr>
-          <p:cNvPr id="8" name="Fußzeilenplatzhalter 7"/>
+          <p:cNvPr id="8" name="Footer Placeholder 7"/>
           <p:cNvSpPr>
             <a:spLocks noGrp="1"/>
           </p:cNvSpPr>
@@ -8385,7 +8311,7 @@
       </p:sp>
       <p:sp>
         <p:nvSpPr>
-          <p:cNvPr id="9" name="Foliennummernplatzhalter 8"/>
+          <p:cNvPr id="9" name="Slide Number Placeholder 8"/>
           <p:cNvSpPr>
             <a:spLocks noGrp="1"/>
           </p:cNvSpPr>
@@ -8409,25 +8335,13 @@
     </p:spTree>
     <p:extLst>
       <p:ext uri="{BB962C8B-B14F-4D97-AF65-F5344CB8AC3E}">
-        <p14:creationId xmlns:p14="http://schemas.microsoft.com/office/powerpoint/2010/main" val="1086221040"/>
+        <p14:creationId xmlns:p14="http://schemas.microsoft.com/office/powerpoint/2010/main" val="890612254"/>
       </p:ext>
     </p:extLst>
   </p:cSld>
   <p:clrMapOvr>
     <a:masterClrMapping/>
   </p:clrMapOvr>
-  <mc:AlternateContent xmlns:mc="http://schemas.openxmlformats.org/markup-compatibility/2006" xmlns:p14="http://schemas.microsoft.com/office/powerpoint/2010/main">
-    <mc:Choice Requires="p14">
-      <p:transition spd="med" p14:dur="700">
-        <p:fade/>
-      </p:transition>
-    </mc:Choice>
-    <mc:Fallback xmlns="">
-      <p:transition spd="med">
-        <p:fade/>
-      </p:transition>
-    </mc:Fallback>
-  </mc:AlternateContent>
 </p:sldLayout>
 </file>
 
@@ -8450,7 +8364,7 @@
       </p:grpSpPr>
       <p:sp>
         <p:nvSpPr>
-          <p:cNvPr id="2" name="Titel 1"/>
+          <p:cNvPr id="2" name="Title 1"/>
           <p:cNvSpPr>
             <a:spLocks noGrp="1"/>
           </p:cNvSpPr>
@@ -8465,15 +8379,15 @@
           <a:p>
             <a:r>
               <a:rPr lang="de-DE"/>
-              <a:t>Titelmasterformat durch Klicken bearbeiten</a:t>
+              <a:t>Mastertitelformat bearbeiten</a:t>
             </a:r>
-            <a:endParaRPr lang="de-CH"/>
+            <a:endParaRPr lang="en-US" dirty="0"/>
           </a:p>
         </p:txBody>
       </p:sp>
       <p:sp>
         <p:nvSpPr>
-          <p:cNvPr id="3" name="Datumsplatzhalter 2"/>
+          <p:cNvPr id="3" name="Date Placeholder 2"/>
           <p:cNvSpPr>
             <a:spLocks noGrp="1"/>
           </p:cNvSpPr>
@@ -8496,7 +8410,7 @@
       </p:sp>
       <p:sp>
         <p:nvSpPr>
-          <p:cNvPr id="4" name="Fußzeilenplatzhalter 3"/>
+          <p:cNvPr id="4" name="Footer Placeholder 3"/>
           <p:cNvSpPr>
             <a:spLocks noGrp="1"/>
           </p:cNvSpPr>
@@ -8515,7 +8429,7 @@
       </p:sp>
       <p:sp>
         <p:nvSpPr>
-          <p:cNvPr id="5" name="Foliennummernplatzhalter 4"/>
+          <p:cNvPr id="5" name="Slide Number Placeholder 4"/>
           <p:cNvSpPr>
             <a:spLocks noGrp="1"/>
           </p:cNvSpPr>
@@ -8539,25 +8453,13 @@
     </p:spTree>
     <p:extLst>
       <p:ext uri="{BB962C8B-B14F-4D97-AF65-F5344CB8AC3E}">
-        <p14:creationId xmlns:p14="http://schemas.microsoft.com/office/powerpoint/2010/main" val="3711890538"/>
+        <p14:creationId xmlns:p14="http://schemas.microsoft.com/office/powerpoint/2010/main" val="3108412166"/>
       </p:ext>
     </p:extLst>
   </p:cSld>
   <p:clrMapOvr>
     <a:masterClrMapping/>
   </p:clrMapOvr>
-  <mc:AlternateContent xmlns:mc="http://schemas.openxmlformats.org/markup-compatibility/2006" xmlns:p14="http://schemas.microsoft.com/office/powerpoint/2010/main">
-    <mc:Choice Requires="p14">
-      <p:transition spd="med" p14:dur="700">
-        <p:fade/>
-      </p:transition>
-    </mc:Choice>
-    <mc:Fallback xmlns="">
-      <p:transition spd="med">
-        <p:fade/>
-      </p:transition>
-    </mc:Fallback>
-  </mc:AlternateContent>
 </p:sldLayout>
 </file>
 
@@ -8580,7 +8482,7 @@
       </p:grpSpPr>
       <p:sp>
         <p:nvSpPr>
-          <p:cNvPr id="2" name="Datumsplatzhalter 1"/>
+          <p:cNvPr id="2" name="Date Placeholder 1"/>
           <p:cNvSpPr>
             <a:spLocks noGrp="1"/>
           </p:cNvSpPr>
@@ -8603,7 +8505,7 @@
       </p:sp>
       <p:sp>
         <p:nvSpPr>
-          <p:cNvPr id="3" name="Fußzeilenplatzhalter 2"/>
+          <p:cNvPr id="3" name="Footer Placeholder 2"/>
           <p:cNvSpPr>
             <a:spLocks noGrp="1"/>
           </p:cNvSpPr>
@@ -8622,7 +8524,7 @@
       </p:sp>
       <p:sp>
         <p:nvSpPr>
-          <p:cNvPr id="4" name="Foliennummernplatzhalter 3"/>
+          <p:cNvPr id="4" name="Slide Number Placeholder 3"/>
           <p:cNvSpPr>
             <a:spLocks noGrp="1"/>
           </p:cNvSpPr>
@@ -8646,25 +8548,13 @@
     </p:spTree>
     <p:extLst>
       <p:ext uri="{BB962C8B-B14F-4D97-AF65-F5344CB8AC3E}">
-        <p14:creationId xmlns:p14="http://schemas.microsoft.com/office/powerpoint/2010/main" val="2032260944"/>
+        <p14:creationId xmlns:p14="http://schemas.microsoft.com/office/powerpoint/2010/main" val="2795973790"/>
       </p:ext>
     </p:extLst>
   </p:cSld>
   <p:clrMapOvr>
     <a:masterClrMapping/>
   </p:clrMapOvr>
-  <mc:AlternateContent xmlns:mc="http://schemas.openxmlformats.org/markup-compatibility/2006" xmlns:p14="http://schemas.microsoft.com/office/powerpoint/2010/main">
-    <mc:Choice Requires="p14">
-      <p:transition spd="med" p14:dur="700">
-        <p:fade/>
-      </p:transition>
-    </mc:Choice>
-    <mc:Fallback xmlns="">
-      <p:transition spd="med">
-        <p:fade/>
-      </p:transition>
-    </mc:Fallback>
-  </mc:AlternateContent>
 </p:sldLayout>
 </file>
 
@@ -8687,7 +8577,7 @@
       </p:grpSpPr>
       <p:sp>
         <p:nvSpPr>
-          <p:cNvPr id="2" name="Titel 1"/>
+          <p:cNvPr id="2" name="Title 1"/>
           <p:cNvSpPr>
             <a:spLocks noGrp="1"/>
           </p:cNvSpPr>
@@ -8705,21 +8595,21 @@
           <a:bodyPr anchor="b"/>
           <a:lstStyle>
             <a:lvl1pPr>
-              <a:defRPr sz="2400"/>
+              <a:defRPr sz="3200"/>
             </a:lvl1pPr>
           </a:lstStyle>
           <a:p>
             <a:r>
               <a:rPr lang="de-DE"/>
-              <a:t>Titelmasterformat durch Klicken bearbeiten</a:t>
+              <a:t>Mastertitelformat bearbeiten</a:t>
             </a:r>
-            <a:endParaRPr lang="de-CH"/>
+            <a:endParaRPr lang="en-US" dirty="0"/>
           </a:p>
         </p:txBody>
       </p:sp>
       <p:sp>
         <p:nvSpPr>
-          <p:cNvPr id="3" name="Inhaltsplatzhalter 2"/>
+          <p:cNvPr id="3" name="Content Placeholder 2"/>
           <p:cNvSpPr>
             <a:spLocks noGrp="1"/>
           </p:cNvSpPr>
@@ -8737,31 +8627,31 @@
           <a:bodyPr/>
           <a:lstStyle>
             <a:lvl1pPr>
-              <a:defRPr sz="2400"/>
+              <a:defRPr sz="3200"/>
             </a:lvl1pPr>
             <a:lvl2pPr>
-              <a:defRPr sz="2100"/>
+              <a:defRPr sz="2800"/>
             </a:lvl2pPr>
             <a:lvl3pPr>
-              <a:defRPr sz="1800"/>
+              <a:defRPr sz="2400"/>
             </a:lvl3pPr>
             <a:lvl4pPr>
-              <a:defRPr sz="1500"/>
+              <a:defRPr sz="2000"/>
             </a:lvl4pPr>
             <a:lvl5pPr>
-              <a:defRPr sz="1500"/>
+              <a:defRPr sz="2000"/>
             </a:lvl5pPr>
             <a:lvl6pPr>
-              <a:defRPr sz="1500"/>
+              <a:defRPr sz="2000"/>
             </a:lvl6pPr>
             <a:lvl7pPr>
-              <a:defRPr sz="1500"/>
+              <a:defRPr sz="2000"/>
             </a:lvl7pPr>
             <a:lvl8pPr>
-              <a:defRPr sz="1500"/>
+              <a:defRPr sz="2000"/>
             </a:lvl8pPr>
             <a:lvl9pPr>
-              <a:defRPr sz="1500"/>
+              <a:defRPr sz="2000"/>
             </a:lvl9pPr>
           </a:lstStyle>
           <a:p>
@@ -8798,13 +8688,13 @@
               <a:rPr lang="de-DE"/>
               <a:t>Fünfte Ebene</a:t>
             </a:r>
-            <a:endParaRPr lang="de-CH"/>
+            <a:endParaRPr lang="en-US" dirty="0"/>
           </a:p>
         </p:txBody>
       </p:sp>
       <p:sp>
         <p:nvSpPr>
-          <p:cNvPr id="4" name="Textplatzhalter 3"/>
+          <p:cNvPr id="4" name="Text Placeholder 3"/>
           <p:cNvSpPr>
             <a:spLocks noGrp="1"/>
           </p:cNvSpPr>
@@ -8823,39 +8713,39 @@
           <a:lstStyle>
             <a:lvl1pPr marL="0" indent="0">
               <a:buNone/>
+              <a:defRPr sz="1600"/>
+            </a:lvl1pPr>
+            <a:lvl2pPr marL="457200" indent="0">
+              <a:buNone/>
+              <a:defRPr sz="1400"/>
+            </a:lvl2pPr>
+            <a:lvl3pPr marL="914400" indent="0">
+              <a:buNone/>
               <a:defRPr sz="1200"/>
-            </a:lvl1pPr>
-            <a:lvl2pPr marL="342900" indent="0">
+            </a:lvl3pPr>
+            <a:lvl4pPr marL="1371600" indent="0">
               <a:buNone/>
-              <a:defRPr sz="1050"/>
-            </a:lvl2pPr>
-            <a:lvl3pPr marL="685800" indent="0">
+              <a:defRPr sz="1000"/>
+            </a:lvl4pPr>
+            <a:lvl5pPr marL="1828800" indent="0">
               <a:buNone/>
-              <a:defRPr sz="900"/>
-            </a:lvl3pPr>
-            <a:lvl4pPr marL="1028700" indent="0">
+              <a:defRPr sz="1000"/>
+            </a:lvl5pPr>
+            <a:lvl6pPr marL="2286000" indent="0">
               <a:buNone/>
-              <a:defRPr sz="750"/>
-            </a:lvl4pPr>
-            <a:lvl5pPr marL="1371600" indent="0">
+              <a:defRPr sz="1000"/>
+            </a:lvl6pPr>
+            <a:lvl7pPr marL="2743200" indent="0">
               <a:buNone/>
-              <a:defRPr sz="750"/>
-            </a:lvl5pPr>
-            <a:lvl6pPr marL="1714500" indent="0">
+              <a:defRPr sz="1000"/>
+            </a:lvl7pPr>
+            <a:lvl8pPr marL="3200400" indent="0">
               <a:buNone/>
-              <a:defRPr sz="750"/>
-            </a:lvl6pPr>
-            <a:lvl7pPr marL="2057400" indent="0">
+              <a:defRPr sz="1000"/>
+            </a:lvl8pPr>
+            <a:lvl9pPr marL="3657600" indent="0">
               <a:buNone/>
-              <a:defRPr sz="750"/>
-            </a:lvl7pPr>
-            <a:lvl8pPr marL="2400300" indent="0">
-              <a:buNone/>
-              <a:defRPr sz="750"/>
-            </a:lvl8pPr>
-            <a:lvl9pPr marL="2743200" indent="0">
-              <a:buNone/>
-              <a:defRPr sz="750"/>
+              <a:defRPr sz="1000"/>
             </a:lvl9pPr>
           </a:lstStyle>
           <a:p>
@@ -8869,7 +8759,7 @@
       </p:sp>
       <p:sp>
         <p:nvSpPr>
-          <p:cNvPr id="5" name="Datumsplatzhalter 4"/>
+          <p:cNvPr id="5" name="Date Placeholder 4"/>
           <p:cNvSpPr>
             <a:spLocks noGrp="1"/>
           </p:cNvSpPr>
@@ -8892,7 +8782,7 @@
       </p:sp>
       <p:sp>
         <p:nvSpPr>
-          <p:cNvPr id="6" name="Fußzeilenplatzhalter 5"/>
+          <p:cNvPr id="6" name="Footer Placeholder 5"/>
           <p:cNvSpPr>
             <a:spLocks noGrp="1"/>
           </p:cNvSpPr>
@@ -8911,7 +8801,7 @@
       </p:sp>
       <p:sp>
         <p:nvSpPr>
-          <p:cNvPr id="7" name="Foliennummernplatzhalter 6"/>
+          <p:cNvPr id="7" name="Slide Number Placeholder 6"/>
           <p:cNvSpPr>
             <a:spLocks noGrp="1"/>
           </p:cNvSpPr>
@@ -8935,25 +8825,13 @@
     </p:spTree>
     <p:extLst>
       <p:ext uri="{BB962C8B-B14F-4D97-AF65-F5344CB8AC3E}">
-        <p14:creationId xmlns:p14="http://schemas.microsoft.com/office/powerpoint/2010/main" val="3109740118"/>
+        <p14:creationId xmlns:p14="http://schemas.microsoft.com/office/powerpoint/2010/main" val="2273459480"/>
       </p:ext>
     </p:extLst>
   </p:cSld>
   <p:clrMapOvr>
     <a:masterClrMapping/>
   </p:clrMapOvr>
-  <mc:AlternateContent xmlns:mc="http://schemas.openxmlformats.org/markup-compatibility/2006" xmlns:p14="http://schemas.microsoft.com/office/powerpoint/2010/main">
-    <mc:Choice Requires="p14">
-      <p:transition spd="med" p14:dur="700">
-        <p:fade/>
-      </p:transition>
-    </mc:Choice>
-    <mc:Fallback xmlns="">
-      <p:transition spd="med">
-        <p:fade/>
-      </p:transition>
-    </mc:Fallback>
-  </mc:AlternateContent>
 </p:sldLayout>
 </file>
 
@@ -8976,7 +8854,7 @@
       </p:grpSpPr>
       <p:sp>
         <p:nvSpPr>
-          <p:cNvPr id="2" name="Titel 1"/>
+          <p:cNvPr id="2" name="Title 1"/>
           <p:cNvSpPr>
             <a:spLocks noGrp="1"/>
           </p:cNvSpPr>
@@ -8994,23 +8872,23 @@
           <a:bodyPr anchor="b"/>
           <a:lstStyle>
             <a:lvl1pPr>
-              <a:defRPr sz="2400"/>
+              <a:defRPr sz="3200"/>
             </a:lvl1pPr>
           </a:lstStyle>
           <a:p>
             <a:r>
               <a:rPr lang="de-DE"/>
-              <a:t>Titelmasterformat durch Klicken bearbeiten</a:t>
+              <a:t>Mastertitelformat bearbeiten</a:t>
             </a:r>
-            <a:endParaRPr lang="de-CH"/>
+            <a:endParaRPr lang="en-US" dirty="0"/>
           </a:p>
         </p:txBody>
       </p:sp>
       <p:sp>
         <p:nvSpPr>
-          <p:cNvPr id="3" name="Bildplatzhalter 2"/>
+          <p:cNvPr id="3" name="Picture Placeholder 2"/>
           <p:cNvSpPr>
-            <a:spLocks noGrp="1"/>
+            <a:spLocks noGrp="1" noChangeAspect="1"/>
           </p:cNvSpPr>
           <p:nvPr>
             <p:ph type="pic" idx="1"/>
@@ -9023,53 +8901,57 @@
           </a:xfrm>
         </p:spPr>
         <p:txBody>
-          <a:bodyPr/>
+          <a:bodyPr anchor="t"/>
           <a:lstStyle>
             <a:lvl1pPr marL="0" indent="0">
               <a:buNone/>
+              <a:defRPr sz="3200"/>
+            </a:lvl1pPr>
+            <a:lvl2pPr marL="457200" indent="0">
+              <a:buNone/>
+              <a:defRPr sz="2800"/>
+            </a:lvl2pPr>
+            <a:lvl3pPr marL="914400" indent="0">
+              <a:buNone/>
               <a:defRPr sz="2400"/>
-            </a:lvl1pPr>
-            <a:lvl2pPr marL="342900" indent="0">
+            </a:lvl3pPr>
+            <a:lvl4pPr marL="1371600" indent="0">
               <a:buNone/>
-              <a:defRPr sz="2100"/>
-            </a:lvl2pPr>
-            <a:lvl3pPr marL="685800" indent="0">
+              <a:defRPr sz="2000"/>
+            </a:lvl4pPr>
+            <a:lvl5pPr marL="1828800" indent="0">
               <a:buNone/>
-              <a:defRPr sz="1800"/>
-            </a:lvl3pPr>
-            <a:lvl4pPr marL="1028700" indent="0">
+              <a:defRPr sz="2000"/>
+            </a:lvl5pPr>
+            <a:lvl6pPr marL="2286000" indent="0">
               <a:buNone/>
-              <a:defRPr sz="1500"/>
-            </a:lvl4pPr>
-            <a:lvl5pPr marL="1371600" indent="0">
+              <a:defRPr sz="2000"/>
+            </a:lvl6pPr>
+            <a:lvl7pPr marL="2743200" indent="0">
               <a:buNone/>
-              <a:defRPr sz="1500"/>
-            </a:lvl5pPr>
-            <a:lvl6pPr marL="1714500" indent="0">
+              <a:defRPr sz="2000"/>
+            </a:lvl7pPr>
+            <a:lvl8pPr marL="3200400" indent="0">
               <a:buNone/>
-              <a:defRPr sz="1500"/>
-            </a:lvl6pPr>
-            <a:lvl7pPr marL="2057400" indent="0">
+              <a:defRPr sz="2000"/>
+            </a:lvl8pPr>
+            <a:lvl9pPr marL="3657600" indent="0">
               <a:buNone/>
-              <a:defRPr sz="1500"/>
-            </a:lvl7pPr>
-            <a:lvl8pPr marL="2400300" indent="0">
-              <a:buNone/>
-              <a:defRPr sz="1500"/>
-            </a:lvl8pPr>
-            <a:lvl9pPr marL="2743200" indent="0">
-              <a:buNone/>
-              <a:defRPr sz="1500"/>
+              <a:defRPr sz="2000"/>
             </a:lvl9pPr>
           </a:lstStyle>
           <a:p>
-            <a:endParaRPr lang="de-CH"/>
+            <a:r>
+              <a:rPr lang="de-DE"/>
+              <a:t>Bild durch Klicken auf Symbol hinzufügen</a:t>
+            </a:r>
+            <a:endParaRPr lang="en-US" dirty="0"/>
           </a:p>
         </p:txBody>
       </p:sp>
       <p:sp>
         <p:nvSpPr>
-          <p:cNvPr id="4" name="Textplatzhalter 3"/>
+          <p:cNvPr id="4" name="Text Placeholder 3"/>
           <p:cNvSpPr>
             <a:spLocks noGrp="1"/>
           </p:cNvSpPr>
@@ -9088,39 +8970,39 @@
           <a:lstStyle>
             <a:lvl1pPr marL="0" indent="0">
               <a:buNone/>
+              <a:defRPr sz="1600"/>
+            </a:lvl1pPr>
+            <a:lvl2pPr marL="457200" indent="0">
+              <a:buNone/>
+              <a:defRPr sz="1400"/>
+            </a:lvl2pPr>
+            <a:lvl3pPr marL="914400" indent="0">
+              <a:buNone/>
               <a:defRPr sz="1200"/>
-            </a:lvl1pPr>
-            <a:lvl2pPr marL="342900" indent="0">
+            </a:lvl3pPr>
+            <a:lvl4pPr marL="1371600" indent="0">
               <a:buNone/>
-              <a:defRPr sz="1050"/>
-            </a:lvl2pPr>
-            <a:lvl3pPr marL="685800" indent="0">
+              <a:defRPr sz="1000"/>
+            </a:lvl4pPr>
+            <a:lvl5pPr marL="1828800" indent="0">
               <a:buNone/>
-              <a:defRPr sz="900"/>
-            </a:lvl3pPr>
-            <a:lvl4pPr marL="1028700" indent="0">
+              <a:defRPr sz="1000"/>
+            </a:lvl5pPr>
+            <a:lvl6pPr marL="2286000" indent="0">
               <a:buNone/>
-              <a:defRPr sz="750"/>
-            </a:lvl4pPr>
-            <a:lvl5pPr marL="1371600" indent="0">
+              <a:defRPr sz="1000"/>
+            </a:lvl6pPr>
+            <a:lvl7pPr marL="2743200" indent="0">
               <a:buNone/>
-              <a:defRPr sz="750"/>
-            </a:lvl5pPr>
-            <a:lvl6pPr marL="1714500" indent="0">
+              <a:defRPr sz="1000"/>
+            </a:lvl7pPr>
+            <a:lvl8pPr marL="3200400" indent="0">
               <a:buNone/>
-              <a:defRPr sz="750"/>
-            </a:lvl6pPr>
-            <a:lvl7pPr marL="2057400" indent="0">
+              <a:defRPr sz="1000"/>
+            </a:lvl8pPr>
+            <a:lvl9pPr marL="3657600" indent="0">
               <a:buNone/>
-              <a:defRPr sz="750"/>
-            </a:lvl7pPr>
-            <a:lvl8pPr marL="2400300" indent="0">
-              <a:buNone/>
-              <a:defRPr sz="750"/>
-            </a:lvl8pPr>
-            <a:lvl9pPr marL="2743200" indent="0">
-              <a:buNone/>
-              <a:defRPr sz="750"/>
+              <a:defRPr sz="1000"/>
             </a:lvl9pPr>
           </a:lstStyle>
           <a:p>
@@ -9134,7 +9016,7 @@
       </p:sp>
       <p:sp>
         <p:nvSpPr>
-          <p:cNvPr id="5" name="Datumsplatzhalter 4"/>
+          <p:cNvPr id="5" name="Date Placeholder 4"/>
           <p:cNvSpPr>
             <a:spLocks noGrp="1"/>
           </p:cNvSpPr>
@@ -9157,7 +9039,7 @@
       </p:sp>
       <p:sp>
         <p:nvSpPr>
-          <p:cNvPr id="6" name="Fußzeilenplatzhalter 5"/>
+          <p:cNvPr id="6" name="Footer Placeholder 5"/>
           <p:cNvSpPr>
             <a:spLocks noGrp="1"/>
           </p:cNvSpPr>
@@ -9170,13 +9052,13 @@
           <a:bodyPr/>
           <a:lstStyle/>
           <a:p>
-            <a:endParaRPr lang="de-CH"/>
+            <a:endParaRPr lang="en-US" dirty="0"/>
           </a:p>
         </p:txBody>
       </p:sp>
       <p:sp>
         <p:nvSpPr>
-          <p:cNvPr id="7" name="Foliennummernplatzhalter 6"/>
+          <p:cNvPr id="7" name="Slide Number Placeholder 6"/>
           <p:cNvSpPr>
             <a:spLocks noGrp="1"/>
           </p:cNvSpPr>
@@ -9200,25 +9082,13 @@
     </p:spTree>
     <p:extLst>
       <p:ext uri="{BB962C8B-B14F-4D97-AF65-F5344CB8AC3E}">
-        <p14:creationId xmlns:p14="http://schemas.microsoft.com/office/powerpoint/2010/main" val="3767503351"/>
+        <p14:creationId xmlns:p14="http://schemas.microsoft.com/office/powerpoint/2010/main" val="2796807657"/>
       </p:ext>
     </p:extLst>
   </p:cSld>
   <p:clrMapOvr>
     <a:masterClrMapping/>
   </p:clrMapOvr>
-  <mc:AlternateContent xmlns:mc="http://schemas.openxmlformats.org/markup-compatibility/2006" xmlns:p14="http://schemas.microsoft.com/office/powerpoint/2010/main">
-    <mc:Choice Requires="p14">
-      <p:transition spd="med" p14:dur="700">
-        <p:fade/>
-      </p:transition>
-    </mc:Choice>
-    <mc:Fallback xmlns="">
-      <p:transition spd="med">
-        <p:fade/>
-      </p:transition>
-    </mc:Fallback>
-  </mc:AlternateContent>
 </p:sldLayout>
 </file>
 
@@ -9226,8 +9096,8 @@
 <p:sldMaster xmlns:a="http://schemas.openxmlformats.org/drawingml/2006/main" xmlns:r="http://schemas.openxmlformats.org/officeDocument/2006/relationships" xmlns:p="http://schemas.openxmlformats.org/presentationml/2006/main">
   <p:cSld>
     <p:bg>
-      <p:bgRef idx="1001">
-        <a:schemeClr val="bg1"/>
+      <p:bgRef idx="1003">
+        <a:schemeClr val="bg2"/>
       </p:bgRef>
     </p:bg>
     <p:spTree>
@@ -9246,7 +9116,7 @@
       </p:grpSpPr>
       <p:sp>
         <p:nvSpPr>
-          <p:cNvPr id="2" name="Titelplatzhalter 1"/>
+          <p:cNvPr id="2" name="Title Placeholder 1"/>
           <p:cNvSpPr>
             <a:spLocks noGrp="1"/>
           </p:cNvSpPr>
@@ -9271,15 +9141,15 @@
           <a:p>
             <a:r>
               <a:rPr lang="de-DE"/>
-              <a:t>Titelmasterformat durch Klicken bearbeiten</a:t>
+              <a:t>Mastertitelformat bearbeiten</a:t>
             </a:r>
-            <a:endParaRPr lang="de-CH"/>
+            <a:endParaRPr lang="en-US" dirty="0"/>
           </a:p>
         </p:txBody>
       </p:sp>
       <p:sp>
         <p:nvSpPr>
-          <p:cNvPr id="3" name="Textplatzhalter 2"/>
+          <p:cNvPr id="3" name="Text Placeholder 2"/>
           <p:cNvSpPr>
             <a:spLocks noGrp="1"/>
           </p:cNvSpPr>
@@ -9335,13 +9205,13 @@
               <a:rPr lang="de-DE"/>
               <a:t>Fünfte Ebene</a:t>
             </a:r>
-            <a:endParaRPr lang="de-CH"/>
+            <a:endParaRPr lang="en-US" dirty="0"/>
           </a:p>
         </p:txBody>
       </p:sp>
       <p:sp>
         <p:nvSpPr>
-          <p:cNvPr id="4" name="Datumsplatzhalter 3"/>
+          <p:cNvPr id="4" name="Date Placeholder 3"/>
           <p:cNvSpPr>
             <a:spLocks noGrp="1"/>
           </p:cNvSpPr>
@@ -9362,7 +9232,7 @@
           <a:bodyPr vert="horz" lIns="91440" tIns="45720" rIns="91440" bIns="45720" rtlCol="0" anchor="ctr"/>
           <a:lstStyle>
             <a:lvl1pPr algn="l">
-              <a:defRPr sz="900">
+              <a:defRPr sz="1200">
                 <a:solidFill>
                   <a:schemeClr val="tx1">
                     <a:tint val="75000"/>
@@ -9382,7 +9252,7 @@
       </p:sp>
       <p:sp>
         <p:nvSpPr>
-          <p:cNvPr id="5" name="Fußzeilenplatzhalter 4"/>
+          <p:cNvPr id="5" name="Footer Placeholder 4"/>
           <p:cNvSpPr>
             <a:spLocks noGrp="1"/>
           </p:cNvSpPr>
@@ -9403,7 +9273,7 @@
           <a:bodyPr vert="horz" lIns="91440" tIns="45720" rIns="91440" bIns="45720" rtlCol="0" anchor="ctr"/>
           <a:lstStyle>
             <a:lvl1pPr algn="ctr">
-              <a:defRPr sz="900">
+              <a:defRPr sz="1200">
                 <a:solidFill>
                   <a:schemeClr val="tx1">
                     <a:tint val="75000"/>
@@ -9419,7 +9289,7 @@
       </p:sp>
       <p:sp>
         <p:nvSpPr>
-          <p:cNvPr id="6" name="Foliennummernplatzhalter 5"/>
+          <p:cNvPr id="6" name="Slide Number Placeholder 5"/>
           <p:cNvSpPr>
             <a:spLocks noGrp="1"/>
           </p:cNvSpPr>
@@ -9440,7 +9310,7 @@
           <a:bodyPr vert="horz" lIns="91440" tIns="45720" rIns="91440" bIns="45720" rtlCol="0" anchor="ctr"/>
           <a:lstStyle>
             <a:lvl1pPr algn="r">
-              <a:defRPr sz="900">
+              <a:defRPr sz="1200">
                 <a:solidFill>
                   <a:schemeClr val="tx1">
                     <a:tint val="75000"/>
@@ -9461,39 +9331,27 @@
     </p:spTree>
     <p:extLst>
       <p:ext uri="{BB962C8B-B14F-4D97-AF65-F5344CB8AC3E}">
-        <p14:creationId xmlns:p14="http://schemas.microsoft.com/office/powerpoint/2010/main" val="2787873297"/>
+        <p14:creationId xmlns:p14="http://schemas.microsoft.com/office/powerpoint/2010/main" val="3465503606"/>
       </p:ext>
     </p:extLst>
   </p:cSld>
   <p:clrMap bg1="lt1" tx1="dk1" bg2="lt2" tx2="dk2" accent1="accent1" accent2="accent2" accent3="accent3" accent4="accent4" accent5="accent5" accent6="accent6" hlink="hlink" folHlink="folHlink"/>
   <p:sldLayoutIdLst>
-    <p:sldLayoutId id="2147483889" r:id="rId1"/>
-    <p:sldLayoutId id="2147483890" r:id="rId2"/>
-    <p:sldLayoutId id="2147483891" r:id="rId3"/>
-    <p:sldLayoutId id="2147483892" r:id="rId4"/>
-    <p:sldLayoutId id="2147483893" r:id="rId5"/>
-    <p:sldLayoutId id="2147483894" r:id="rId6"/>
-    <p:sldLayoutId id="2147483895" r:id="rId7"/>
-    <p:sldLayoutId id="2147483896" r:id="rId8"/>
-    <p:sldLayoutId id="2147483897" r:id="rId9"/>
-    <p:sldLayoutId id="2147483898" r:id="rId10"/>
-    <p:sldLayoutId id="2147483899" r:id="rId11"/>
+    <p:sldLayoutId id="2147484209" r:id="rId1"/>
+    <p:sldLayoutId id="2147484210" r:id="rId2"/>
+    <p:sldLayoutId id="2147484211" r:id="rId3"/>
+    <p:sldLayoutId id="2147484212" r:id="rId4"/>
+    <p:sldLayoutId id="2147484213" r:id="rId5"/>
+    <p:sldLayoutId id="2147484214" r:id="rId6"/>
+    <p:sldLayoutId id="2147484215" r:id="rId7"/>
+    <p:sldLayoutId id="2147484216" r:id="rId8"/>
+    <p:sldLayoutId id="2147484217" r:id="rId9"/>
+    <p:sldLayoutId id="2147484218" r:id="rId10"/>
+    <p:sldLayoutId id="2147484219" r:id="rId11"/>
   </p:sldLayoutIdLst>
-  <mc:AlternateContent xmlns:mc="http://schemas.openxmlformats.org/markup-compatibility/2006" xmlns:p14="http://schemas.microsoft.com/office/powerpoint/2010/main">
-    <mc:Choice Requires="p14">
-      <p:transition spd="med" p14:dur="700">
-        <p:fade/>
-      </p:transition>
-    </mc:Choice>
-    <mc:Fallback xmlns="">
-      <p:transition spd="med">
-        <p:fade/>
-      </p:transition>
-    </mc:Fallback>
-  </mc:AlternateContent>
   <p:txStyles>
     <p:titleStyle>
-      <a:lvl1pPr algn="l" defTabSz="685800" rtl="0" eaLnBrk="1" latinLnBrk="0" hangingPunct="1">
+      <a:lvl1pPr algn="l" defTabSz="914400" rtl="0" eaLnBrk="1" latinLnBrk="0" hangingPunct="1">
         <a:lnSpc>
           <a:spcPct val="90000"/>
         </a:lnSpc>
@@ -9501,7 +9359,7 @@
           <a:spcPct val="0"/>
         </a:spcBef>
         <a:buNone/>
-        <a:defRPr sz="3300" kern="1200">
+        <a:defRPr sz="4400" kern="1200">
           <a:solidFill>
             <a:schemeClr val="tx1"/>
           </a:solidFill>
@@ -9512,16 +9370,16 @@
       </a:lvl1pPr>
     </p:titleStyle>
     <p:bodyStyle>
-      <a:lvl1pPr marL="171450" indent="-171450" algn="l" defTabSz="685800" rtl="0" eaLnBrk="1" latinLnBrk="0" hangingPunct="1">
+      <a:lvl1pPr marL="228600" indent="-228600" algn="l" defTabSz="914400" rtl="0" eaLnBrk="1" latinLnBrk="0" hangingPunct="1">
         <a:lnSpc>
           <a:spcPct val="90000"/>
         </a:lnSpc>
         <a:spcBef>
-          <a:spcPts val="750"/>
+          <a:spcPts val="1000"/>
         </a:spcBef>
         <a:buFont typeface="Arial" panose="020B0604020202020204" pitchFamily="34" charset="0"/>
         <a:buChar char="•"/>
-        <a:defRPr sz="2100" kern="1200">
+        <a:defRPr sz="2800" kern="1200">
           <a:solidFill>
             <a:schemeClr val="tx1"/>
           </a:solidFill>
@@ -9530,12 +9388,48 @@
           <a:cs typeface="+mn-cs"/>
         </a:defRPr>
       </a:lvl1pPr>
-      <a:lvl2pPr marL="514350" indent="-171450" algn="l" defTabSz="685800" rtl="0" eaLnBrk="1" latinLnBrk="0" hangingPunct="1">
+      <a:lvl2pPr marL="685800" indent="-228600" algn="l" defTabSz="914400" rtl="0" eaLnBrk="1" latinLnBrk="0" hangingPunct="1">
         <a:lnSpc>
           <a:spcPct val="90000"/>
         </a:lnSpc>
         <a:spcBef>
-          <a:spcPts val="375"/>
+          <a:spcPts val="500"/>
+        </a:spcBef>
+        <a:buFont typeface="Arial" panose="020B0604020202020204" pitchFamily="34" charset="0"/>
+        <a:buChar char="•"/>
+        <a:defRPr sz="2400" kern="1200">
+          <a:solidFill>
+            <a:schemeClr val="tx1"/>
+          </a:solidFill>
+          <a:latin typeface="+mn-lt"/>
+          <a:ea typeface="+mn-ea"/>
+          <a:cs typeface="+mn-cs"/>
+        </a:defRPr>
+      </a:lvl2pPr>
+      <a:lvl3pPr marL="1143000" indent="-228600" algn="l" defTabSz="914400" rtl="0" eaLnBrk="1" latinLnBrk="0" hangingPunct="1">
+        <a:lnSpc>
+          <a:spcPct val="90000"/>
+        </a:lnSpc>
+        <a:spcBef>
+          <a:spcPts val="500"/>
+        </a:spcBef>
+        <a:buFont typeface="Arial" panose="020B0604020202020204" pitchFamily="34" charset="0"/>
+        <a:buChar char="•"/>
+        <a:defRPr sz="2000" kern="1200">
+          <a:solidFill>
+            <a:schemeClr val="tx1"/>
+          </a:solidFill>
+          <a:latin typeface="+mn-lt"/>
+          <a:ea typeface="+mn-ea"/>
+          <a:cs typeface="+mn-cs"/>
+        </a:defRPr>
+      </a:lvl3pPr>
+      <a:lvl4pPr marL="1600200" indent="-228600" algn="l" defTabSz="914400" rtl="0" eaLnBrk="1" latinLnBrk="0" hangingPunct="1">
+        <a:lnSpc>
+          <a:spcPct val="90000"/>
+        </a:lnSpc>
+        <a:spcBef>
+          <a:spcPts val="500"/>
         </a:spcBef>
         <a:buFont typeface="Arial" panose="020B0604020202020204" pitchFamily="34" charset="0"/>
         <a:buChar char="•"/>
@@ -9547,53 +9441,17 @@
           <a:ea typeface="+mn-ea"/>
           <a:cs typeface="+mn-cs"/>
         </a:defRPr>
-      </a:lvl2pPr>
-      <a:lvl3pPr marL="857250" indent="-171450" algn="l" defTabSz="685800" rtl="0" eaLnBrk="1" latinLnBrk="0" hangingPunct="1">
+      </a:lvl4pPr>
+      <a:lvl5pPr marL="2057400" indent="-228600" algn="l" defTabSz="914400" rtl="0" eaLnBrk="1" latinLnBrk="0" hangingPunct="1">
         <a:lnSpc>
           <a:spcPct val="90000"/>
         </a:lnSpc>
         <a:spcBef>
-          <a:spcPts val="375"/>
+          <a:spcPts val="500"/>
         </a:spcBef>
         <a:buFont typeface="Arial" panose="020B0604020202020204" pitchFamily="34" charset="0"/>
         <a:buChar char="•"/>
-        <a:defRPr sz="1500" kern="1200">
-          <a:solidFill>
-            <a:schemeClr val="tx1"/>
-          </a:solidFill>
-          <a:latin typeface="+mn-lt"/>
-          <a:ea typeface="+mn-ea"/>
-          <a:cs typeface="+mn-cs"/>
-        </a:defRPr>
-      </a:lvl3pPr>
-      <a:lvl4pPr marL="1200150" indent="-171450" algn="l" defTabSz="685800" rtl="0" eaLnBrk="1" latinLnBrk="0" hangingPunct="1">
-        <a:lnSpc>
-          <a:spcPct val="90000"/>
-        </a:lnSpc>
-        <a:spcBef>
-          <a:spcPts val="375"/>
-        </a:spcBef>
-        <a:buFont typeface="Arial" panose="020B0604020202020204" pitchFamily="34" charset="0"/>
-        <a:buChar char="•"/>
-        <a:defRPr sz="1350" kern="1200">
-          <a:solidFill>
-            <a:schemeClr val="tx1"/>
-          </a:solidFill>
-          <a:latin typeface="+mn-lt"/>
-          <a:ea typeface="+mn-ea"/>
-          <a:cs typeface="+mn-cs"/>
-        </a:defRPr>
-      </a:lvl4pPr>
-      <a:lvl5pPr marL="1543050" indent="-171450" algn="l" defTabSz="685800" rtl="0" eaLnBrk="1" latinLnBrk="0" hangingPunct="1">
-        <a:lnSpc>
-          <a:spcPct val="90000"/>
-        </a:lnSpc>
-        <a:spcBef>
-          <a:spcPts val="375"/>
-        </a:spcBef>
-        <a:buFont typeface="Arial" panose="020B0604020202020204" pitchFamily="34" charset="0"/>
-        <a:buChar char="•"/>
-        <a:defRPr sz="1350" kern="1200">
+        <a:defRPr sz="1800" kern="1200">
           <a:solidFill>
             <a:schemeClr val="tx1"/>
           </a:solidFill>
@@ -9602,16 +9460,16 @@
           <a:cs typeface="+mn-cs"/>
         </a:defRPr>
       </a:lvl5pPr>
-      <a:lvl6pPr marL="1885950" indent="-171450" algn="l" defTabSz="685800" rtl="0" eaLnBrk="1" latinLnBrk="0" hangingPunct="1">
+      <a:lvl6pPr marL="2514600" indent="-228600" algn="l" defTabSz="914400" rtl="0" eaLnBrk="1" latinLnBrk="0" hangingPunct="1">
         <a:lnSpc>
           <a:spcPct val="90000"/>
         </a:lnSpc>
         <a:spcBef>
-          <a:spcPts val="375"/>
+          <a:spcPts val="500"/>
         </a:spcBef>
         <a:buFont typeface="Arial" panose="020B0604020202020204" pitchFamily="34" charset="0"/>
         <a:buChar char="•"/>
-        <a:defRPr sz="1350" kern="1200">
+        <a:defRPr sz="1800" kern="1200">
           <a:solidFill>
             <a:schemeClr val="tx1"/>
           </a:solidFill>
@@ -9620,16 +9478,16 @@
           <a:cs typeface="+mn-cs"/>
         </a:defRPr>
       </a:lvl6pPr>
-      <a:lvl7pPr marL="2228850" indent="-171450" algn="l" defTabSz="685800" rtl="0" eaLnBrk="1" latinLnBrk="0" hangingPunct="1">
+      <a:lvl7pPr marL="2971800" indent="-228600" algn="l" defTabSz="914400" rtl="0" eaLnBrk="1" latinLnBrk="0" hangingPunct="1">
         <a:lnSpc>
           <a:spcPct val="90000"/>
         </a:lnSpc>
         <a:spcBef>
-          <a:spcPts val="375"/>
+          <a:spcPts val="500"/>
         </a:spcBef>
         <a:buFont typeface="Arial" panose="020B0604020202020204" pitchFamily="34" charset="0"/>
         <a:buChar char="•"/>
-        <a:defRPr sz="1350" kern="1200">
+        <a:defRPr sz="1800" kern="1200">
           <a:solidFill>
             <a:schemeClr val="tx1"/>
           </a:solidFill>
@@ -9638,16 +9496,16 @@
           <a:cs typeface="+mn-cs"/>
         </a:defRPr>
       </a:lvl7pPr>
-      <a:lvl8pPr marL="2571750" indent="-171450" algn="l" defTabSz="685800" rtl="0" eaLnBrk="1" latinLnBrk="0" hangingPunct="1">
+      <a:lvl8pPr marL="3429000" indent="-228600" algn="l" defTabSz="914400" rtl="0" eaLnBrk="1" latinLnBrk="0" hangingPunct="1">
         <a:lnSpc>
           <a:spcPct val="90000"/>
         </a:lnSpc>
         <a:spcBef>
-          <a:spcPts val="375"/>
+          <a:spcPts val="500"/>
         </a:spcBef>
         <a:buFont typeface="Arial" panose="020B0604020202020204" pitchFamily="34" charset="0"/>
         <a:buChar char="•"/>
-        <a:defRPr sz="1350" kern="1200">
+        <a:defRPr sz="1800" kern="1200">
           <a:solidFill>
             <a:schemeClr val="tx1"/>
           </a:solidFill>
@@ -9656,16 +9514,16 @@
           <a:cs typeface="+mn-cs"/>
         </a:defRPr>
       </a:lvl8pPr>
-      <a:lvl9pPr marL="2914650" indent="-171450" algn="l" defTabSz="685800" rtl="0" eaLnBrk="1" latinLnBrk="0" hangingPunct="1">
+      <a:lvl9pPr marL="3886200" indent="-228600" algn="l" defTabSz="914400" rtl="0" eaLnBrk="1" latinLnBrk="0" hangingPunct="1">
         <a:lnSpc>
           <a:spcPct val="90000"/>
         </a:lnSpc>
         <a:spcBef>
-          <a:spcPts val="375"/>
+          <a:spcPts val="500"/>
         </a:spcBef>
         <a:buFont typeface="Arial" panose="020B0604020202020204" pitchFamily="34" charset="0"/>
         <a:buChar char="•"/>
-        <a:defRPr sz="1350" kern="1200">
+        <a:defRPr sz="1800" kern="1200">
           <a:solidFill>
             <a:schemeClr val="tx1"/>
           </a:solidFill>
@@ -9677,10 +9535,10 @@
     </p:bodyStyle>
     <p:otherStyle>
       <a:defPPr>
-        <a:defRPr lang="de-DE"/>
+        <a:defRPr lang="en-US"/>
       </a:defPPr>
-      <a:lvl1pPr marL="0" algn="l" defTabSz="685800" rtl="0" eaLnBrk="1" latinLnBrk="0" hangingPunct="1">
-        <a:defRPr sz="1350" kern="1200">
+      <a:lvl1pPr marL="0" algn="l" defTabSz="914400" rtl="0" eaLnBrk="1" latinLnBrk="0" hangingPunct="1">
+        <a:defRPr sz="1800" kern="1200">
           <a:solidFill>
             <a:schemeClr val="tx1"/>
           </a:solidFill>
@@ -9689,8 +9547,8 @@
           <a:cs typeface="+mn-cs"/>
         </a:defRPr>
       </a:lvl1pPr>
-      <a:lvl2pPr marL="342900" algn="l" defTabSz="685800" rtl="0" eaLnBrk="1" latinLnBrk="0" hangingPunct="1">
-        <a:defRPr sz="1350" kern="1200">
+      <a:lvl2pPr marL="457200" algn="l" defTabSz="914400" rtl="0" eaLnBrk="1" latinLnBrk="0" hangingPunct="1">
+        <a:defRPr sz="1800" kern="1200">
           <a:solidFill>
             <a:schemeClr val="tx1"/>
           </a:solidFill>
@@ -9699,8 +9557,8 @@
           <a:cs typeface="+mn-cs"/>
         </a:defRPr>
       </a:lvl2pPr>
-      <a:lvl3pPr marL="685800" algn="l" defTabSz="685800" rtl="0" eaLnBrk="1" latinLnBrk="0" hangingPunct="1">
-        <a:defRPr sz="1350" kern="1200">
+      <a:lvl3pPr marL="914400" algn="l" defTabSz="914400" rtl="0" eaLnBrk="1" latinLnBrk="0" hangingPunct="1">
+        <a:defRPr sz="1800" kern="1200">
           <a:solidFill>
             <a:schemeClr val="tx1"/>
           </a:solidFill>
@@ -9709,8 +9567,8 @@
           <a:cs typeface="+mn-cs"/>
         </a:defRPr>
       </a:lvl3pPr>
-      <a:lvl4pPr marL="1028700" algn="l" defTabSz="685800" rtl="0" eaLnBrk="1" latinLnBrk="0" hangingPunct="1">
-        <a:defRPr sz="1350" kern="1200">
+      <a:lvl4pPr marL="1371600" algn="l" defTabSz="914400" rtl="0" eaLnBrk="1" latinLnBrk="0" hangingPunct="1">
+        <a:defRPr sz="1800" kern="1200">
           <a:solidFill>
             <a:schemeClr val="tx1"/>
           </a:solidFill>
@@ -9719,8 +9577,8 @@
           <a:cs typeface="+mn-cs"/>
         </a:defRPr>
       </a:lvl4pPr>
-      <a:lvl5pPr marL="1371600" algn="l" defTabSz="685800" rtl="0" eaLnBrk="1" latinLnBrk="0" hangingPunct="1">
-        <a:defRPr sz="1350" kern="1200">
+      <a:lvl5pPr marL="1828800" algn="l" defTabSz="914400" rtl="0" eaLnBrk="1" latinLnBrk="0" hangingPunct="1">
+        <a:defRPr sz="1800" kern="1200">
           <a:solidFill>
             <a:schemeClr val="tx1"/>
           </a:solidFill>
@@ -9729,8 +9587,8 @@
           <a:cs typeface="+mn-cs"/>
         </a:defRPr>
       </a:lvl5pPr>
-      <a:lvl6pPr marL="1714500" algn="l" defTabSz="685800" rtl="0" eaLnBrk="1" latinLnBrk="0" hangingPunct="1">
-        <a:defRPr sz="1350" kern="1200">
+      <a:lvl6pPr marL="2286000" algn="l" defTabSz="914400" rtl="0" eaLnBrk="1" latinLnBrk="0" hangingPunct="1">
+        <a:defRPr sz="1800" kern="1200">
           <a:solidFill>
             <a:schemeClr val="tx1"/>
           </a:solidFill>
@@ -9739,8 +9597,8 @@
           <a:cs typeface="+mn-cs"/>
         </a:defRPr>
       </a:lvl6pPr>
-      <a:lvl7pPr marL="2057400" algn="l" defTabSz="685800" rtl="0" eaLnBrk="1" latinLnBrk="0" hangingPunct="1">
-        <a:defRPr sz="1350" kern="1200">
+      <a:lvl7pPr marL="2743200" algn="l" defTabSz="914400" rtl="0" eaLnBrk="1" latinLnBrk="0" hangingPunct="1">
+        <a:defRPr sz="1800" kern="1200">
           <a:solidFill>
             <a:schemeClr val="tx1"/>
           </a:solidFill>
@@ -9749,8 +9607,8 @@
           <a:cs typeface="+mn-cs"/>
         </a:defRPr>
       </a:lvl7pPr>
-      <a:lvl8pPr marL="2400300" algn="l" defTabSz="685800" rtl="0" eaLnBrk="1" latinLnBrk="0" hangingPunct="1">
-        <a:defRPr sz="1350" kern="1200">
+      <a:lvl8pPr marL="3200400" algn="l" defTabSz="914400" rtl="0" eaLnBrk="1" latinLnBrk="0" hangingPunct="1">
+        <a:defRPr sz="1800" kern="1200">
           <a:solidFill>
             <a:schemeClr val="tx1"/>
           </a:solidFill>
@@ -9759,8 +9617,8 @@
           <a:cs typeface="+mn-cs"/>
         </a:defRPr>
       </a:lvl8pPr>
-      <a:lvl9pPr marL="2743200" algn="l" defTabSz="685800" rtl="0" eaLnBrk="1" latinLnBrk="0" hangingPunct="1">
-        <a:defRPr sz="1350" kern="1200">
+      <a:lvl9pPr marL="3657600" algn="l" defTabSz="914400" rtl="0" eaLnBrk="1" latinLnBrk="0" hangingPunct="1">
+        <a:defRPr sz="1800" kern="1200">
           <a:solidFill>
             <a:schemeClr val="tx1"/>
           </a:solidFill>
@@ -9777,30 +9635,6 @@
 <file path=ppt/slides/slide1.xml><?xml version="1.0" encoding="utf-8"?>
 <p:sld xmlns:a="http://schemas.openxmlformats.org/drawingml/2006/main" xmlns:r="http://schemas.openxmlformats.org/officeDocument/2006/relationships" xmlns:p="http://schemas.openxmlformats.org/presentationml/2006/main">
   <p:cSld>
-    <p:bg>
-      <p:bgPr>
-        <a:gradFill flip="none" rotWithShape="1">
-          <a:gsLst>
-            <a:gs pos="0">
-              <a:schemeClr val="bg2">
-                <a:tint val="83000"/>
-                <a:satMod val="320000"/>
-                <a:lumMod val="92000"/>
-              </a:schemeClr>
-            </a:gs>
-            <a:gs pos="82000">
-              <a:schemeClr val="bg2">
-                <a:shade val="15000"/>
-                <a:satMod val="320000"/>
-              </a:schemeClr>
-            </a:gs>
-          </a:gsLst>
-          <a:lin ang="14400000" scaled="0"/>
-          <a:tileRect/>
-        </a:gradFill>
-        <a:effectLst/>
-      </p:bgPr>
-    </p:bg>
     <p:spTree>
       <p:nvGrpSpPr>
         <p:cNvPr id="1" name=""/>
@@ -10109,48 +9943,12 @@
   <p:clrMapOvr>
     <a:masterClrMapping/>
   </p:clrMapOvr>
-  <mc:AlternateContent xmlns:mc="http://schemas.openxmlformats.org/markup-compatibility/2006" xmlns:p14="http://schemas.microsoft.com/office/powerpoint/2010/main">
-    <mc:Choice Requires="p14">
-      <p:transition spd="med" p14:dur="700">
-        <p:fade/>
-      </p:transition>
-    </mc:Choice>
-    <mc:Fallback xmlns="">
-      <p:transition spd="med">
-        <p:fade/>
-      </p:transition>
-    </mc:Fallback>
-  </mc:AlternateContent>
 </p:sld>
 </file>
 
 <file path=ppt/slides/slide10.xml><?xml version="1.0" encoding="utf-8"?>
 <p:sld xmlns:a="http://schemas.openxmlformats.org/drawingml/2006/main" xmlns:r="http://schemas.openxmlformats.org/officeDocument/2006/relationships" xmlns:p="http://schemas.openxmlformats.org/presentationml/2006/main">
   <p:cSld>
-    <p:bg>
-      <p:bgPr>
-        <a:gradFill flip="none" rotWithShape="1">
-          <a:gsLst>
-            <a:gs pos="0">
-              <a:schemeClr val="bg2">
-                <a:tint val="83000"/>
-                <a:satMod val="320000"/>
-                <a:lumMod val="92000"/>
-              </a:schemeClr>
-            </a:gs>
-            <a:gs pos="82000">
-              <a:schemeClr val="bg2">
-                <a:shade val="15000"/>
-                <a:satMod val="320000"/>
-              </a:schemeClr>
-            </a:gs>
-          </a:gsLst>
-          <a:lin ang="14400000" scaled="0"/>
-          <a:tileRect/>
-        </a:gradFill>
-        <a:effectLst/>
-      </p:bgPr>
-    </p:bg>
     <p:spTree>
       <p:nvGrpSpPr>
         <p:cNvPr id="1" name=""/>
@@ -10598,18 +10396,6 @@
   <p:clrMapOvr>
     <a:masterClrMapping/>
   </p:clrMapOvr>
-  <mc:AlternateContent xmlns:mc="http://schemas.openxmlformats.org/markup-compatibility/2006" xmlns:p14="http://schemas.microsoft.com/office/powerpoint/2010/main">
-    <mc:Choice Requires="p14">
-      <p:transition spd="med" p14:dur="700">
-        <p:fade/>
-      </p:transition>
-    </mc:Choice>
-    <mc:Fallback xmlns="">
-      <p:transition spd="med">
-        <p:fade/>
-      </p:transition>
-    </mc:Fallback>
-  </mc:AlternateContent>
   <p:timing>
     <p:tnLst>
       <p:par>
@@ -10636,7 +10422,7 @@
                               <p:par>
                                 <p:cTn id="5" presetID="1" presetClass="entr" presetSubtype="0" fill="hold" grpId="0" nodeType="afterEffect">
                                   <p:stCondLst>
-                                    <p:cond delay="0"/>
+                                    <p:cond delay="500"/>
                                   </p:stCondLst>
                                   <p:childTnLst>
                                     <p:set>
@@ -10670,13 +10456,13 @@
                         <p:par>
                           <p:cTn id="7" fill="hold">
                             <p:stCondLst>
-                              <p:cond delay="0"/>
+                              <p:cond delay="500"/>
                             </p:stCondLst>
                             <p:childTnLst>
                               <p:par>
                                 <p:cTn id="8" presetID="1" presetClass="entr" presetSubtype="0" fill="hold" grpId="0" nodeType="afterEffect">
                                   <p:stCondLst>
-                                    <p:cond delay="0"/>
+                                    <p:cond delay="500"/>
                                   </p:stCondLst>
                                   <p:childTnLst>
                                     <p:set>
@@ -10707,30 +10493,21 @@
                             </p:childTnLst>
                           </p:cTn>
                         </p:par>
-                      </p:childTnLst>
-                    </p:cTn>
-                  </p:par>
-                  <p:par>
-                    <p:cTn id="10" fill="hold">
-                      <p:stCondLst>
-                        <p:cond delay="indefinite"/>
-                      </p:stCondLst>
-                      <p:childTnLst>
                         <p:par>
-                          <p:cTn id="11" fill="hold">
+                          <p:cTn id="10" fill="hold">
                             <p:stCondLst>
-                              <p:cond delay="0"/>
+                              <p:cond delay="1000"/>
                             </p:stCondLst>
                             <p:childTnLst>
                               <p:par>
-                                <p:cTn id="12" presetID="1" presetClass="entr" presetSubtype="0" fill="hold" grpId="0" nodeType="clickEffect">
+                                <p:cTn id="11" presetID="1" presetClass="entr" presetSubtype="0" fill="hold" grpId="0" nodeType="afterEffect">
                                   <p:stCondLst>
-                                    <p:cond delay="0"/>
+                                    <p:cond delay="500"/>
                                   </p:stCondLst>
                                   <p:childTnLst>
                                     <p:set>
                                       <p:cBhvr>
-                                        <p:cTn id="13" dur="1" fill="hold">
+                                        <p:cTn id="12" dur="1" fill="hold">
                                           <p:stCondLst>
                                             <p:cond delay="0"/>
                                           </p:stCondLst>
@@ -10756,30 +10533,21 @@
                             </p:childTnLst>
                           </p:cTn>
                         </p:par>
-                      </p:childTnLst>
-                    </p:cTn>
-                  </p:par>
-                  <p:par>
-                    <p:cTn id="14" fill="hold">
-                      <p:stCondLst>
-                        <p:cond delay="indefinite"/>
-                      </p:stCondLst>
-                      <p:childTnLst>
                         <p:par>
-                          <p:cTn id="15" fill="hold">
+                          <p:cTn id="13" fill="hold">
                             <p:stCondLst>
-                              <p:cond delay="0"/>
+                              <p:cond delay="1500"/>
                             </p:stCondLst>
                             <p:childTnLst>
                               <p:par>
-                                <p:cTn id="16" presetID="1" presetClass="entr" presetSubtype="0" fill="hold" grpId="0" nodeType="clickEffect">
+                                <p:cTn id="14" presetID="1" presetClass="entr" presetSubtype="0" fill="hold" grpId="0" nodeType="afterEffect">
                                   <p:stCondLst>
-                                    <p:cond delay="0"/>
+                                    <p:cond delay="500"/>
                                   </p:stCondLst>
                                   <p:childTnLst>
                                     <p:set>
                                       <p:cBhvr>
-                                        <p:cTn id="17" dur="1" fill="hold">
+                                        <p:cTn id="15" dur="1" fill="hold">
                                           <p:stCondLst>
                                             <p:cond delay="0"/>
                                           </p:stCondLst>
@@ -10839,30 +10607,6 @@
 <file path=ppt/slides/slide11.xml><?xml version="1.0" encoding="utf-8"?>
 <p:sld xmlns:a="http://schemas.openxmlformats.org/drawingml/2006/main" xmlns:r="http://schemas.openxmlformats.org/officeDocument/2006/relationships" xmlns:p="http://schemas.openxmlformats.org/presentationml/2006/main">
   <p:cSld>
-    <p:bg>
-      <p:bgPr>
-        <a:gradFill flip="none" rotWithShape="1">
-          <a:gsLst>
-            <a:gs pos="0">
-              <a:schemeClr val="bg2">
-                <a:tint val="83000"/>
-                <a:satMod val="320000"/>
-                <a:lumMod val="92000"/>
-              </a:schemeClr>
-            </a:gs>
-            <a:gs pos="82000">
-              <a:schemeClr val="bg2">
-                <a:shade val="15000"/>
-                <a:satMod val="320000"/>
-              </a:schemeClr>
-            </a:gs>
-          </a:gsLst>
-          <a:lin ang="14400000" scaled="0"/>
-          <a:tileRect/>
-        </a:gradFill>
-        <a:effectLst/>
-      </p:bgPr>
-    </p:bg>
     <p:spTree>
       <p:nvGrpSpPr>
         <p:cNvPr id="1" name=""/>
@@ -11289,18 +11033,6 @@
   <p:clrMapOvr>
     <a:masterClrMapping/>
   </p:clrMapOvr>
-  <mc:AlternateContent xmlns:mc="http://schemas.openxmlformats.org/markup-compatibility/2006" xmlns:p14="http://schemas.microsoft.com/office/powerpoint/2010/main">
-    <mc:Choice Requires="p14">
-      <p:transition spd="med" p14:dur="700">
-        <p:fade/>
-      </p:transition>
-    </mc:Choice>
-    <mc:Fallback xmlns="">
-      <p:transition spd="med">
-        <p:fade/>
-      </p:transition>
-    </mc:Fallback>
-  </mc:AlternateContent>
   <p:timing>
     <p:tnLst>
       <p:par>
@@ -11327,7 +11059,7 @@
                               <p:par>
                                 <p:cTn id="5" presetID="1" presetClass="entr" presetSubtype="0" fill="hold" grpId="0" nodeType="afterEffect">
                                   <p:stCondLst>
-                                    <p:cond delay="0"/>
+                                    <p:cond delay="500"/>
                                   </p:stCondLst>
                                   <p:childTnLst>
                                     <p:set>
@@ -11361,13 +11093,13 @@
                         <p:par>
                           <p:cTn id="7" fill="hold">
                             <p:stCondLst>
-                              <p:cond delay="0"/>
+                              <p:cond delay="500"/>
                             </p:stCondLst>
                             <p:childTnLst>
                               <p:par>
                                 <p:cTn id="8" presetID="1" presetClass="entr" presetSubtype="0" fill="hold" grpId="0" nodeType="afterEffect">
                                   <p:stCondLst>
-                                    <p:cond delay="0"/>
+                                    <p:cond delay="500"/>
                                   </p:stCondLst>
                                   <p:childTnLst>
                                     <p:set>
@@ -11481,30 +11213,6 @@
 <file path=ppt/slides/slide12.xml><?xml version="1.0" encoding="utf-8"?>
 <p:sld xmlns:a="http://schemas.openxmlformats.org/drawingml/2006/main" xmlns:r="http://schemas.openxmlformats.org/officeDocument/2006/relationships" xmlns:p="http://schemas.openxmlformats.org/presentationml/2006/main">
   <p:cSld>
-    <p:bg>
-      <p:bgPr>
-        <a:gradFill flip="none" rotWithShape="1">
-          <a:gsLst>
-            <a:gs pos="0">
-              <a:schemeClr val="bg2">
-                <a:tint val="83000"/>
-                <a:satMod val="320000"/>
-                <a:lumMod val="92000"/>
-              </a:schemeClr>
-            </a:gs>
-            <a:gs pos="82000">
-              <a:schemeClr val="bg2">
-                <a:shade val="15000"/>
-                <a:satMod val="320000"/>
-              </a:schemeClr>
-            </a:gs>
-          </a:gsLst>
-          <a:lin ang="14400000" scaled="0"/>
-          <a:tileRect/>
-        </a:gradFill>
-        <a:effectLst/>
-      </p:bgPr>
-    </p:bg>
     <p:spTree>
       <p:nvGrpSpPr>
         <p:cNvPr id="1" name=""/>
@@ -11844,44 +11552,12 @@
   <p:clrMapOvr>
     <a:masterClrMapping/>
   </p:clrMapOvr>
-  <mc:AlternateContent xmlns:mc="http://schemas.openxmlformats.org/markup-compatibility/2006">
-    <mc:Choice xmlns:p14="http://schemas.microsoft.com/office/powerpoint/2010/main" Requires="p14">
-      <p:transition p14:dur="0"/>
-    </mc:Choice>
-    <mc:Fallback>
-      <p:transition/>
-    </mc:Fallback>
-  </mc:AlternateContent>
 </p:sld>
 </file>
 
 <file path=ppt/slides/slide2.xml><?xml version="1.0" encoding="utf-8"?>
 <p:sld xmlns:a="http://schemas.openxmlformats.org/drawingml/2006/main" xmlns:r="http://schemas.openxmlformats.org/officeDocument/2006/relationships" xmlns:p="http://schemas.openxmlformats.org/presentationml/2006/main">
   <p:cSld>
-    <p:bg>
-      <p:bgPr>
-        <a:gradFill flip="none" rotWithShape="1">
-          <a:gsLst>
-            <a:gs pos="0">
-              <a:schemeClr val="bg2">
-                <a:tint val="83000"/>
-                <a:satMod val="320000"/>
-                <a:lumMod val="92000"/>
-              </a:schemeClr>
-            </a:gs>
-            <a:gs pos="82000">
-              <a:schemeClr val="bg2">
-                <a:shade val="15000"/>
-                <a:satMod val="320000"/>
-              </a:schemeClr>
-            </a:gs>
-          </a:gsLst>
-          <a:lin ang="14400000" scaled="0"/>
-          <a:tileRect/>
-        </a:gradFill>
-        <a:effectLst/>
-      </p:bgPr>
-    </p:bg>
     <p:spTree>
       <p:nvGrpSpPr>
         <p:cNvPr id="1" name=""/>
@@ -12355,18 +12031,6 @@
   <p:clrMapOvr>
     <a:masterClrMapping/>
   </p:clrMapOvr>
-  <mc:AlternateContent xmlns:mc="http://schemas.openxmlformats.org/markup-compatibility/2006" xmlns:p14="http://schemas.microsoft.com/office/powerpoint/2010/main">
-    <mc:Choice Requires="p14">
-      <p:transition spd="med" p14:dur="700">
-        <p:fade/>
-      </p:transition>
-    </mc:Choice>
-    <mc:Fallback xmlns="">
-      <p:transition spd="med">
-        <p:fade/>
-      </p:transition>
-    </mc:Fallback>
-  </mc:AlternateContent>
   <p:timing>
     <p:tnLst>
       <p:par>
@@ -12738,30 +12402,6 @@
 <file path=ppt/slides/slide3.xml><?xml version="1.0" encoding="utf-8"?>
 <p:sld xmlns:a="http://schemas.openxmlformats.org/drawingml/2006/main" xmlns:r="http://schemas.openxmlformats.org/officeDocument/2006/relationships" xmlns:p="http://schemas.openxmlformats.org/presentationml/2006/main">
   <p:cSld>
-    <p:bg>
-      <p:bgPr>
-        <a:gradFill flip="none" rotWithShape="1">
-          <a:gsLst>
-            <a:gs pos="0">
-              <a:schemeClr val="bg2">
-                <a:tint val="83000"/>
-                <a:satMod val="320000"/>
-                <a:lumMod val="92000"/>
-              </a:schemeClr>
-            </a:gs>
-            <a:gs pos="82000">
-              <a:schemeClr val="bg2">
-                <a:shade val="15000"/>
-                <a:satMod val="320000"/>
-              </a:schemeClr>
-            </a:gs>
-          </a:gsLst>
-          <a:lin ang="14400000" scaled="0"/>
-          <a:tileRect/>
-        </a:gradFill>
-        <a:effectLst/>
-      </p:bgPr>
-    </p:bg>
     <p:spTree>
       <p:nvGrpSpPr>
         <p:cNvPr id="1" name=""/>
@@ -13108,48 +12748,12 @@
   <p:clrMapOvr>
     <a:masterClrMapping/>
   </p:clrMapOvr>
-  <mc:AlternateContent xmlns:mc="http://schemas.openxmlformats.org/markup-compatibility/2006" xmlns:p14="http://schemas.microsoft.com/office/powerpoint/2010/main">
-    <mc:Choice Requires="p14">
-      <p:transition spd="med" p14:dur="700">
-        <p:fade/>
-      </p:transition>
-    </mc:Choice>
-    <mc:Fallback xmlns="">
-      <p:transition spd="med">
-        <p:fade/>
-      </p:transition>
-    </mc:Fallback>
-  </mc:AlternateContent>
 </p:sld>
 </file>
 
 <file path=ppt/slides/slide4.xml><?xml version="1.0" encoding="utf-8"?>
 <p:sld xmlns:a="http://schemas.openxmlformats.org/drawingml/2006/main" xmlns:r="http://schemas.openxmlformats.org/officeDocument/2006/relationships" xmlns:p="http://schemas.openxmlformats.org/presentationml/2006/main">
   <p:cSld>
-    <p:bg>
-      <p:bgPr>
-        <a:gradFill flip="none" rotWithShape="1">
-          <a:gsLst>
-            <a:gs pos="0">
-              <a:schemeClr val="bg2">
-                <a:tint val="83000"/>
-                <a:satMod val="320000"/>
-                <a:lumMod val="92000"/>
-              </a:schemeClr>
-            </a:gs>
-            <a:gs pos="82000">
-              <a:schemeClr val="bg2">
-                <a:shade val="15000"/>
-                <a:satMod val="320000"/>
-              </a:schemeClr>
-            </a:gs>
-          </a:gsLst>
-          <a:lin ang="14400000" scaled="0"/>
-          <a:tileRect/>
-        </a:gradFill>
-        <a:effectLst/>
-      </p:bgPr>
-    </p:bg>
     <p:spTree>
       <p:nvGrpSpPr>
         <p:cNvPr id="1" name=""/>
@@ -13173,7 +12777,7 @@
         <p:spPr>
           <a:xfrm>
             <a:off x="633368" y="1623458"/>
-            <a:ext cx="6264696" cy="3785652"/>
+            <a:ext cx="6264696" cy="3046988"/>
           </a:xfrm>
           <a:prstGeom prst="rect">
             <a:avLst/>
@@ -13225,30 +12829,6 @@
                 <a:latin typeface="Calibri" panose="020F0502020204030204" pitchFamily="34" charset="0"/>
               </a:rPr>
               <a:t>Brainstorming </a:t>
-            </a:r>
-          </a:p>
-          <a:p>
-            <a:pPr marL="342900" indent="-342900">
-              <a:buFont typeface="Arial" panose="020B0604020202020204" pitchFamily="34" charset="0"/>
-              <a:buChar char="•"/>
-            </a:pPr>
-            <a:r>
-              <a:rPr lang="de-CH" sz="2400" dirty="0">
-                <a:latin typeface="Calibri" panose="020F0502020204030204" pitchFamily="34" charset="0"/>
-              </a:rPr>
-              <a:t>Diskussion</a:t>
-            </a:r>
-          </a:p>
-          <a:p>
-            <a:pPr marL="342900" indent="-342900">
-              <a:buFont typeface="Arial" panose="020B0604020202020204" pitchFamily="34" charset="0"/>
-              <a:buChar char="•"/>
-            </a:pPr>
-            <a:r>
-              <a:rPr lang="de-CH" sz="2400" dirty="0">
-                <a:latin typeface="Calibri" panose="020F0502020204030204" pitchFamily="34" charset="0"/>
-              </a:rPr>
-              <a:t>Killerkriterien</a:t>
             </a:r>
           </a:p>
           <a:p>
@@ -13594,6 +13174,41 @@
           </a:prstGeom>
         </p:spPr>
       </p:pic>
+      <p:pic>
+        <p:nvPicPr>
+          <p:cNvPr id="15" name="Grafik 14">
+            <a:extLst>
+              <a:ext uri="{FF2B5EF4-FFF2-40B4-BE49-F238E27FC236}">
+                <a16:creationId xmlns:a16="http://schemas.microsoft.com/office/drawing/2014/main" id="{10B6CB4E-4D7B-E041-90A2-3B77D1DAA90C}"/>
+              </a:ext>
+            </a:extLst>
+          </p:cNvPr>
+          <p:cNvPicPr>
+            <a:picLocks noChangeAspect="1"/>
+          </p:cNvPicPr>
+          <p:nvPr/>
+        </p:nvPicPr>
+        <p:blipFill rotWithShape="1">
+          <a:blip r:embed="rId4">
+            <a:extLst>
+              <a:ext uri="{28A0092B-C50C-407E-A947-70E740481C1C}">
+                <a14:useLocalDpi xmlns:a14="http://schemas.microsoft.com/office/drawing/2010/main" val="0"/>
+              </a:ext>
+            </a:extLst>
+          </a:blip>
+          <a:srcRect l="9329" t="4184" r="20096" b="4182"/>
+          <a:stretch/>
+        </p:blipFill>
+        <p:spPr>
+          <a:xfrm>
+            <a:off x="4369999" y="1638480"/>
+            <a:ext cx="3983915" cy="4321535"/>
+          </a:xfrm>
+          <a:prstGeom prst="rect">
+            <a:avLst/>
+          </a:prstGeom>
+        </p:spPr>
+      </p:pic>
     </p:spTree>
     <p:extLst>
       <p:ext uri="{BB962C8B-B14F-4D97-AF65-F5344CB8AC3E}">
@@ -13604,18 +13219,6 @@
   <p:clrMapOvr>
     <a:masterClrMapping/>
   </p:clrMapOvr>
-  <mc:AlternateContent xmlns:mc="http://schemas.openxmlformats.org/markup-compatibility/2006" xmlns:p14="http://schemas.microsoft.com/office/powerpoint/2010/main">
-    <mc:Choice Requires="p14">
-      <p:transition spd="med" p14:dur="700">
-        <p:fade/>
-      </p:transition>
-    </mc:Choice>
-    <mc:Fallback xmlns="">
-      <p:transition spd="med">
-        <p:fade/>
-      </p:transition>
-    </mc:Fallback>
-  </mc:AlternateContent>
   <p:timing>
     <p:tnLst>
       <p:par>
@@ -13642,7 +13245,7 @@
                               <p:par>
                                 <p:cTn id="5" presetID="1" presetClass="entr" presetSubtype="0" fill="hold" grpId="0" nodeType="afterEffect">
                                   <p:stCondLst>
-                                    <p:cond delay="0"/>
+                                    <p:cond delay="500"/>
                                   </p:stCondLst>
                                   <p:childTnLst>
                                     <p:set>
@@ -13673,30 +13276,21 @@
                             </p:childTnLst>
                           </p:cTn>
                         </p:par>
-                      </p:childTnLst>
-                    </p:cTn>
-                  </p:par>
-                  <p:par>
-                    <p:cTn id="7" fill="hold">
-                      <p:stCondLst>
-                        <p:cond delay="indefinite"/>
-                      </p:stCondLst>
-                      <p:childTnLst>
                         <p:par>
-                          <p:cTn id="8" fill="hold">
+                          <p:cTn id="7" fill="hold">
                             <p:stCondLst>
-                              <p:cond delay="0"/>
+                              <p:cond delay="500"/>
                             </p:stCondLst>
                             <p:childTnLst>
                               <p:par>
-                                <p:cTn id="9" presetID="1" presetClass="entr" presetSubtype="0" fill="hold" grpId="0" nodeType="clickEffect">
+                                <p:cTn id="8" presetID="1" presetClass="entr" presetSubtype="0" fill="hold" grpId="0" nodeType="afterEffect">
                                   <p:stCondLst>
                                     <p:cond delay="500"/>
                                   </p:stCondLst>
                                   <p:childTnLst>
                                     <p:set>
                                       <p:cBhvr>
-                                        <p:cTn id="10" dur="1" fill="hold">
+                                        <p:cTn id="9" dur="1" fill="hold">
                                           <p:stCondLst>
                                             <p:cond delay="0"/>
                                           </p:stCondLst>
@@ -13722,30 +13316,21 @@
                             </p:childTnLst>
                           </p:cTn>
                         </p:par>
-                      </p:childTnLst>
-                    </p:cTn>
-                  </p:par>
-                  <p:par>
-                    <p:cTn id="11" fill="hold">
-                      <p:stCondLst>
-                        <p:cond delay="indefinite"/>
-                      </p:stCondLst>
-                      <p:childTnLst>
                         <p:par>
-                          <p:cTn id="12" fill="hold">
+                          <p:cTn id="10" fill="hold">
                             <p:stCondLst>
-                              <p:cond delay="0"/>
+                              <p:cond delay="1000"/>
                             </p:stCondLst>
                             <p:childTnLst>
                               <p:par>
-                                <p:cTn id="13" presetID="1" presetClass="entr" presetSubtype="0" fill="hold" grpId="0" nodeType="clickEffect">
+                                <p:cTn id="11" presetID="1" presetClass="entr" presetSubtype="0" fill="hold" grpId="0" nodeType="afterEffect">
                                   <p:stCondLst>
                                     <p:cond delay="500"/>
                                   </p:stCondLst>
                                   <p:childTnLst>
                                     <p:set>
                                       <p:cBhvr>
-                                        <p:cTn id="14" dur="1" fill="hold">
+                                        <p:cTn id="12" dur="1" fill="hold">
                                           <p:stCondLst>
                                             <p:cond delay="0"/>
                                           </p:stCondLst>
@@ -13771,30 +13356,21 @@
                             </p:childTnLst>
                           </p:cTn>
                         </p:par>
-                      </p:childTnLst>
-                    </p:cTn>
-                  </p:par>
-                  <p:par>
-                    <p:cTn id="15" fill="hold">
-                      <p:stCondLst>
-                        <p:cond delay="indefinite"/>
-                      </p:stCondLst>
-                      <p:childTnLst>
                         <p:par>
-                          <p:cTn id="16" fill="hold">
+                          <p:cTn id="13" fill="hold">
                             <p:stCondLst>
-                              <p:cond delay="0"/>
+                              <p:cond delay="1500"/>
                             </p:stCondLst>
                             <p:childTnLst>
                               <p:par>
-                                <p:cTn id="17" presetID="1" presetClass="entr" presetSubtype="0" fill="hold" grpId="0" nodeType="clickEffect">
+                                <p:cTn id="14" presetID="1" presetClass="entr" presetSubtype="0" fill="hold" grpId="0" nodeType="afterEffect">
                                   <p:stCondLst>
                                     <p:cond delay="500"/>
                                   </p:stCondLst>
                                   <p:childTnLst>
                                     <p:set>
                                       <p:cBhvr>
-                                        <p:cTn id="18" dur="1" fill="hold">
+                                        <p:cTn id="15" dur="1" fill="hold">
                                           <p:stCondLst>
                                             <p:cond delay="0"/>
                                           </p:stCondLst>
@@ -13820,30 +13396,21 @@
                             </p:childTnLst>
                           </p:cTn>
                         </p:par>
-                      </p:childTnLst>
-                    </p:cTn>
-                  </p:par>
-                  <p:par>
-                    <p:cTn id="19" fill="hold">
-                      <p:stCondLst>
-                        <p:cond delay="indefinite"/>
-                      </p:stCondLst>
-                      <p:childTnLst>
                         <p:par>
-                          <p:cTn id="20" fill="hold">
+                          <p:cTn id="16" fill="hold">
                             <p:stCondLst>
-                              <p:cond delay="0"/>
+                              <p:cond delay="2000"/>
                             </p:stCondLst>
                             <p:childTnLst>
                               <p:par>
-                                <p:cTn id="21" presetID="1" presetClass="entr" presetSubtype="0" fill="hold" grpId="0" nodeType="clickEffect">
+                                <p:cTn id="17" presetID="1" presetClass="entr" presetSubtype="0" fill="hold" grpId="0" nodeType="afterEffect">
                                   <p:stCondLst>
                                     <p:cond delay="500"/>
                                   </p:stCondLst>
                                   <p:childTnLst>
                                     <p:set>
                                       <p:cBhvr>
-                                        <p:cTn id="22" dur="1" fill="hold">
+                                        <p:cTn id="18" dur="1" fill="hold">
                                           <p:stCondLst>
                                             <p:cond delay="0"/>
                                           </p:stCondLst>
@@ -13869,89 +13436,27 @@
                             </p:childTnLst>
                           </p:cTn>
                         </p:par>
-                      </p:childTnLst>
-                    </p:cTn>
-                  </p:par>
-                  <p:par>
-                    <p:cTn id="23" fill="hold">
-                      <p:stCondLst>
-                        <p:cond delay="indefinite"/>
-                      </p:stCondLst>
-                      <p:childTnLst>
                         <p:par>
-                          <p:cTn id="24" fill="hold">
+                          <p:cTn id="19" fill="hold">
                             <p:stCondLst>
-                              <p:cond delay="0"/>
+                              <p:cond delay="2500"/>
                             </p:stCondLst>
                             <p:childTnLst>
                               <p:par>
-                                <p:cTn id="25" presetID="1" presetClass="entr" presetSubtype="0" fill="hold" grpId="0" nodeType="clickEffect">
+                                <p:cTn id="20" presetID="1" presetClass="entr" presetSubtype="0" fill="hold" nodeType="afterEffect">
                                   <p:stCondLst>
-                                    <p:cond delay="500"/>
+                                    <p:cond delay="0"/>
                                   </p:stCondLst>
                                   <p:childTnLst>
                                     <p:set>
                                       <p:cBhvr>
-                                        <p:cTn id="26" dur="1" fill="hold">
+                                        <p:cTn id="21" dur="1" fill="hold">
                                           <p:stCondLst>
                                             <p:cond delay="0"/>
                                           </p:stCondLst>
                                         </p:cTn>
                                         <p:tgtEl>
-                                          <p:spTgt spid="11">
-                                            <p:txEl>
-                                              <p:pRg st="5" end="5"/>
-                                            </p:txEl>
-                                          </p:spTgt>
-                                        </p:tgtEl>
-                                        <p:attrNameLst>
-                                          <p:attrName>style.visibility</p:attrName>
-                                        </p:attrNameLst>
-                                      </p:cBhvr>
-                                      <p:to>
-                                        <p:strVal val="visible"/>
-                                      </p:to>
-                                    </p:set>
-                                  </p:childTnLst>
-                                </p:cTn>
-                              </p:par>
-                            </p:childTnLst>
-                          </p:cTn>
-                        </p:par>
-                      </p:childTnLst>
-                    </p:cTn>
-                  </p:par>
-                  <p:par>
-                    <p:cTn id="27" fill="hold">
-                      <p:stCondLst>
-                        <p:cond delay="indefinite"/>
-                      </p:stCondLst>
-                      <p:childTnLst>
-                        <p:par>
-                          <p:cTn id="28" fill="hold">
-                            <p:stCondLst>
-                              <p:cond delay="0"/>
-                            </p:stCondLst>
-                            <p:childTnLst>
-                              <p:par>
-                                <p:cTn id="29" presetID="1" presetClass="entr" presetSubtype="0" fill="hold" grpId="0" nodeType="clickEffect">
-                                  <p:stCondLst>
-                                    <p:cond delay="500"/>
-                                  </p:stCondLst>
-                                  <p:childTnLst>
-                                    <p:set>
-                                      <p:cBhvr>
-                                        <p:cTn id="30" dur="1" fill="hold">
-                                          <p:stCondLst>
-                                            <p:cond delay="0"/>
-                                          </p:stCondLst>
-                                        </p:cTn>
-                                        <p:tgtEl>
-                                          <p:spTgt spid="11">
-                                            <p:txEl>
-                                              <p:pRg st="6" end="6"/>
-                                            </p:txEl>
-                                          </p:spTgt>
+                                          <p:spTgt spid="15"/>
                                         </p:tgtEl>
                                         <p:attrNameLst>
                                           <p:attrName>style.visibility</p:attrName>
@@ -14001,30 +13506,6 @@
 <file path=ppt/slides/slide5.xml><?xml version="1.0" encoding="utf-8"?>
 <p:sld xmlns:a="http://schemas.openxmlformats.org/drawingml/2006/main" xmlns:r="http://schemas.openxmlformats.org/officeDocument/2006/relationships" xmlns:p="http://schemas.openxmlformats.org/presentationml/2006/main">
   <p:cSld>
-    <p:bg>
-      <p:bgPr>
-        <a:gradFill flip="none" rotWithShape="1">
-          <a:gsLst>
-            <a:gs pos="0">
-              <a:schemeClr val="bg2">
-                <a:tint val="83000"/>
-                <a:satMod val="320000"/>
-                <a:lumMod val="92000"/>
-              </a:schemeClr>
-            </a:gs>
-            <a:gs pos="82000">
-              <a:schemeClr val="bg2">
-                <a:shade val="15000"/>
-                <a:satMod val="320000"/>
-              </a:schemeClr>
-            </a:gs>
-          </a:gsLst>
-          <a:lin ang="14400000" scaled="0"/>
-          <a:tileRect/>
-        </a:gradFill>
-        <a:effectLst/>
-      </p:bgPr>
-    </p:bg>
     <p:spTree>
       <p:nvGrpSpPr>
         <p:cNvPr id="1" name=""/>
@@ -14734,18 +14215,6 @@
   <p:clrMapOvr>
     <a:masterClrMapping/>
   </p:clrMapOvr>
-  <mc:AlternateContent xmlns:mc="http://schemas.openxmlformats.org/markup-compatibility/2006" xmlns:p14="http://schemas.microsoft.com/office/powerpoint/2010/main">
-    <mc:Choice Requires="p14">
-      <p:transition spd="med" p14:dur="700">
-        <p:fade/>
-      </p:transition>
-    </mc:Choice>
-    <mc:Fallback xmlns="">
-      <p:transition spd="med">
-        <p:fade/>
-      </p:transition>
-    </mc:Fallback>
-  </mc:AlternateContent>
   <p:timing>
     <p:tnLst>
       <p:par>
@@ -15274,30 +14743,6 @@
 <file path=ppt/slides/slide6.xml><?xml version="1.0" encoding="utf-8"?>
 <p:sld xmlns:a="http://schemas.openxmlformats.org/drawingml/2006/main" xmlns:r="http://schemas.openxmlformats.org/officeDocument/2006/relationships" xmlns:p="http://schemas.openxmlformats.org/presentationml/2006/main">
   <p:cSld>
-    <p:bg>
-      <p:bgPr>
-        <a:gradFill flip="none" rotWithShape="1">
-          <a:gsLst>
-            <a:gs pos="0">
-              <a:schemeClr val="bg2">
-                <a:tint val="83000"/>
-                <a:satMod val="320000"/>
-                <a:lumMod val="92000"/>
-              </a:schemeClr>
-            </a:gs>
-            <a:gs pos="82000">
-              <a:schemeClr val="bg2">
-                <a:shade val="15000"/>
-                <a:satMod val="320000"/>
-              </a:schemeClr>
-            </a:gs>
-          </a:gsLst>
-          <a:lin ang="14400000" scaled="0"/>
-          <a:tileRect/>
-        </a:gradFill>
-        <a:effectLst/>
-      </p:bgPr>
-    </p:bg>
     <p:spTree>
       <p:nvGrpSpPr>
         <p:cNvPr id="1" name=""/>
@@ -15722,6 +15167,41 @@
           </a:prstGeom>
         </p:spPr>
       </p:pic>
+      <p:pic>
+        <p:nvPicPr>
+          <p:cNvPr id="3" name="Grafik 2">
+            <a:extLst>
+              <a:ext uri="{FF2B5EF4-FFF2-40B4-BE49-F238E27FC236}">
+                <a16:creationId xmlns:a16="http://schemas.microsoft.com/office/drawing/2014/main" id="{EA94A028-206D-7441-AC76-E09738D4C618}"/>
+              </a:ext>
+            </a:extLst>
+          </p:cNvPr>
+          <p:cNvPicPr>
+            <a:picLocks noChangeAspect="1"/>
+          </p:cNvPicPr>
+          <p:nvPr/>
+        </p:nvPicPr>
+        <p:blipFill rotWithShape="1">
+          <a:blip r:embed="rId4">
+            <a:extLst>
+              <a:ext uri="{28A0092B-C50C-407E-A947-70E740481C1C}">
+                <a14:useLocalDpi xmlns:a14="http://schemas.microsoft.com/office/drawing/2010/main" val="0"/>
+              </a:ext>
+            </a:extLst>
+          </a:blip>
+          <a:srcRect l="29391" t="21263" r="33693" b="16115"/>
+          <a:stretch/>
+        </p:blipFill>
+        <p:spPr>
+          <a:xfrm>
+            <a:off x="4716016" y="2831380"/>
+            <a:ext cx="3375683" cy="3220942"/>
+          </a:xfrm>
+          <a:prstGeom prst="rect">
+            <a:avLst/>
+          </a:prstGeom>
+        </p:spPr>
+      </p:pic>
     </p:spTree>
     <p:extLst>
       <p:ext uri="{BB962C8B-B14F-4D97-AF65-F5344CB8AC3E}">
@@ -15732,18 +15212,6 @@
   <p:clrMapOvr>
     <a:masterClrMapping/>
   </p:clrMapOvr>
-  <mc:AlternateContent xmlns:mc="http://schemas.openxmlformats.org/markup-compatibility/2006" xmlns:p14="http://schemas.microsoft.com/office/powerpoint/2010/main">
-    <mc:Choice Requires="p14">
-      <p:transition spd="med" p14:dur="700">
-        <p:fade/>
-      </p:transition>
-    </mc:Choice>
-    <mc:Fallback xmlns="">
-      <p:transition spd="med">
-        <p:fade/>
-      </p:transition>
-    </mc:Fallback>
-  </mc:AlternateContent>
   <p:timing>
     <p:tnLst>
       <p:par>
@@ -15921,30 +15389,66 @@
                             </p:childTnLst>
                           </p:cTn>
                         </p:par>
-                      </p:childTnLst>
-                    </p:cTn>
-                  </p:par>
-                  <p:par>
-                    <p:cTn id="16" fill="hold">
-                      <p:stCondLst>
-                        <p:cond delay="indefinite"/>
-                      </p:stCondLst>
-                      <p:childTnLst>
                         <p:par>
-                          <p:cTn id="17" fill="hold">
+                          <p:cTn id="16" fill="hold">
                             <p:stCondLst>
                               <p:cond delay="0"/>
                             </p:stCondLst>
                             <p:childTnLst>
                               <p:par>
-                                <p:cTn id="18" presetID="1" presetClass="entr" presetSubtype="0" fill="hold" grpId="0" nodeType="clickEffect">
+                                <p:cTn id="17" presetID="1" presetClass="entr" presetSubtype="0" fill="hold" nodeType="afterEffect">
                                   <p:stCondLst>
                                     <p:cond delay="0"/>
                                   </p:stCondLst>
                                   <p:childTnLst>
                                     <p:set>
                                       <p:cBhvr>
-                                        <p:cTn id="19" dur="1" fill="hold">
+                                        <p:cTn id="18" dur="1" fill="hold">
+                                          <p:stCondLst>
+                                            <p:cond delay="0"/>
+                                          </p:stCondLst>
+                                        </p:cTn>
+                                        <p:tgtEl>
+                                          <p:spTgt spid="3"/>
+                                        </p:tgtEl>
+                                        <p:attrNameLst>
+                                          <p:attrName>style.visibility</p:attrName>
+                                        </p:attrNameLst>
+                                      </p:cBhvr>
+                                      <p:to>
+                                        <p:strVal val="visible"/>
+                                      </p:to>
+                                    </p:set>
+                                  </p:childTnLst>
+                                </p:cTn>
+                              </p:par>
+                            </p:childTnLst>
+                          </p:cTn>
+                        </p:par>
+                      </p:childTnLst>
+                    </p:cTn>
+                  </p:par>
+                  <p:par>
+                    <p:cTn id="19" fill="hold">
+                      <p:stCondLst>
+                        <p:cond delay="indefinite"/>
+                      </p:stCondLst>
+                      <p:childTnLst>
+                        <p:par>
+                          <p:cTn id="20" fill="hold">
+                            <p:stCondLst>
+                              <p:cond delay="0"/>
+                            </p:stCondLst>
+                            <p:childTnLst>
+                              <p:par>
+                                <p:cTn id="21" presetID="1" presetClass="entr" presetSubtype="0" fill="hold" grpId="0" nodeType="clickEffect">
+                                  <p:stCondLst>
+                                    <p:cond delay="0"/>
+                                  </p:stCondLst>
+                                  <p:childTnLst>
+                                    <p:set>
+                                      <p:cBhvr>
+                                        <p:cTn id="22" dur="1" fill="hold">
                                           <p:stCondLst>
                                             <p:cond delay="0"/>
                                           </p:stCondLst>
@@ -16004,30 +15508,6 @@
 <file path=ppt/slides/slide7.xml><?xml version="1.0" encoding="utf-8"?>
 <p:sld xmlns:a="http://schemas.openxmlformats.org/drawingml/2006/main" xmlns:r="http://schemas.openxmlformats.org/officeDocument/2006/relationships" xmlns:p="http://schemas.openxmlformats.org/presentationml/2006/main">
   <p:cSld>
-    <p:bg>
-      <p:bgPr>
-        <a:gradFill flip="none" rotWithShape="1">
-          <a:gsLst>
-            <a:gs pos="0">
-              <a:schemeClr val="bg2">
-                <a:tint val="83000"/>
-                <a:satMod val="320000"/>
-                <a:lumMod val="92000"/>
-              </a:schemeClr>
-            </a:gs>
-            <a:gs pos="82000">
-              <a:schemeClr val="bg2">
-                <a:shade val="15000"/>
-                <a:satMod val="320000"/>
-              </a:schemeClr>
-            </a:gs>
-          </a:gsLst>
-          <a:lin ang="14400000" scaled="0"/>
-          <a:tileRect/>
-        </a:gradFill>
-        <a:effectLst/>
-      </p:bgPr>
-    </p:bg>
     <p:spTree>
       <p:nvGrpSpPr>
         <p:cNvPr id="1" name=""/>
@@ -16497,18 +15977,6 @@
   <p:clrMapOvr>
     <a:masterClrMapping/>
   </p:clrMapOvr>
-  <mc:AlternateContent xmlns:mc="http://schemas.openxmlformats.org/markup-compatibility/2006" xmlns:p14="http://schemas.microsoft.com/office/powerpoint/2010/main">
-    <mc:Choice Requires="p14">
-      <p:transition spd="med" p14:dur="700">
-        <p:fade/>
-      </p:transition>
-    </mc:Choice>
-    <mc:Fallback xmlns="">
-      <p:transition spd="med">
-        <p:fade/>
-      </p:transition>
-    </mc:Fallback>
-  </mc:AlternateContent>
   <p:timing>
     <p:tnLst>
       <p:par>
@@ -16683,30 +16151,6 @@
 <file path=ppt/slides/slide8.xml><?xml version="1.0" encoding="utf-8"?>
 <p:sld xmlns:a="http://schemas.openxmlformats.org/drawingml/2006/main" xmlns:r="http://schemas.openxmlformats.org/officeDocument/2006/relationships" xmlns:p="http://schemas.openxmlformats.org/presentationml/2006/main">
   <p:cSld>
-    <p:bg>
-      <p:bgPr>
-        <a:gradFill flip="none" rotWithShape="1">
-          <a:gsLst>
-            <a:gs pos="0">
-              <a:schemeClr val="bg2">
-                <a:tint val="83000"/>
-                <a:satMod val="320000"/>
-                <a:lumMod val="92000"/>
-              </a:schemeClr>
-            </a:gs>
-            <a:gs pos="82000">
-              <a:schemeClr val="bg2">
-                <a:shade val="15000"/>
-                <a:satMod val="320000"/>
-              </a:schemeClr>
-            </a:gs>
-          </a:gsLst>
-          <a:lin ang="14400000" scaled="0"/>
-          <a:tileRect/>
-        </a:gradFill>
-        <a:effectLst/>
-      </p:bgPr>
-    </p:bg>
     <p:spTree>
       <p:nvGrpSpPr>
         <p:cNvPr id="1" name=""/>
@@ -17067,48 +16511,12 @@
   <p:clrMapOvr>
     <a:masterClrMapping/>
   </p:clrMapOvr>
-  <mc:AlternateContent xmlns:mc="http://schemas.openxmlformats.org/markup-compatibility/2006" xmlns:p14="http://schemas.microsoft.com/office/powerpoint/2010/main">
-    <mc:Choice Requires="p14">
-      <p:transition spd="med" p14:dur="700">
-        <p:fade/>
-      </p:transition>
-    </mc:Choice>
-    <mc:Fallback xmlns="">
-      <p:transition spd="med">
-        <p:fade/>
-      </p:transition>
-    </mc:Fallback>
-  </mc:AlternateContent>
 </p:sld>
 </file>
 
 <file path=ppt/slides/slide9.xml><?xml version="1.0" encoding="utf-8"?>
 <p:sld xmlns:a="http://schemas.openxmlformats.org/drawingml/2006/main" xmlns:r="http://schemas.openxmlformats.org/officeDocument/2006/relationships" xmlns:p="http://schemas.openxmlformats.org/presentationml/2006/main">
   <p:cSld>
-    <p:bg>
-      <p:bgPr>
-        <a:gradFill flip="none" rotWithShape="1">
-          <a:gsLst>
-            <a:gs pos="0">
-              <a:schemeClr val="bg2">
-                <a:tint val="83000"/>
-                <a:satMod val="320000"/>
-                <a:lumMod val="92000"/>
-              </a:schemeClr>
-            </a:gs>
-            <a:gs pos="82000">
-              <a:schemeClr val="bg2">
-                <a:shade val="15000"/>
-                <a:satMod val="320000"/>
-              </a:schemeClr>
-            </a:gs>
-          </a:gsLst>
-          <a:lin ang="14400000" scaled="0"/>
-          <a:tileRect/>
-        </a:gradFill>
-        <a:effectLst/>
-      </p:bgPr>
-    </p:bg>
     <p:spTree>
       <p:nvGrpSpPr>
         <p:cNvPr id="1" name=""/>
@@ -17437,41 +16845,6 @@
       </p:pic>
       <p:pic>
         <p:nvPicPr>
-          <p:cNvPr id="3" name="Grafik 2">
-            <a:extLst>
-              <a:ext uri="{FF2B5EF4-FFF2-40B4-BE49-F238E27FC236}">
-                <a16:creationId xmlns:a16="http://schemas.microsoft.com/office/drawing/2014/main" id="{16FEC509-678C-EA46-9178-4BC36F92F696}"/>
-              </a:ext>
-            </a:extLst>
-          </p:cNvPr>
-          <p:cNvPicPr>
-            <a:picLocks noChangeAspect="1"/>
-          </p:cNvPicPr>
-          <p:nvPr/>
-        </p:nvPicPr>
-        <p:blipFill rotWithShape="1">
-          <a:blip r:embed="rId3">
-            <a:extLst>
-              <a:ext uri="{28A0092B-C50C-407E-A947-70E740481C1C}">
-                <a14:useLocalDpi xmlns:a14="http://schemas.microsoft.com/office/drawing/2010/main" val="0"/>
-              </a:ext>
-            </a:extLst>
-          </a:blip>
-          <a:srcRect l="9329" t="4184" r="20096" b="4182"/>
-          <a:stretch/>
-        </p:blipFill>
-        <p:spPr>
-          <a:xfrm>
-            <a:off x="4125450" y="1340768"/>
-            <a:ext cx="3983915" cy="4321535"/>
-          </a:xfrm>
-          <a:prstGeom prst="rect">
-            <a:avLst/>
-          </a:prstGeom>
-        </p:spPr>
-      </p:pic>
-      <p:pic>
-        <p:nvPicPr>
           <p:cNvPr id="13" name="Grafik 12">
             <a:extLst>
               <a:ext uri="{FF2B5EF4-FFF2-40B4-BE49-F238E27FC236}">
@@ -17485,7 +16858,7 @@
           <p:nvPr/>
         </p:nvPicPr>
         <p:blipFill>
-          <a:blip r:embed="rId4">
+          <a:blip r:embed="rId3">
             <a:extLst>
               <a:ext uri="{28A0092B-C50C-407E-A947-70E740481C1C}">
                 <a14:useLocalDpi xmlns:a14="http://schemas.microsoft.com/office/drawing/2010/main" val="0"/>
@@ -17506,6 +16879,41 @@
           </a:prstGeom>
         </p:spPr>
       </p:pic>
+      <p:pic>
+        <p:nvPicPr>
+          <p:cNvPr id="4" name="Grafik 3">
+            <a:extLst>
+              <a:ext uri="{FF2B5EF4-FFF2-40B4-BE49-F238E27FC236}">
+                <a16:creationId xmlns:a16="http://schemas.microsoft.com/office/drawing/2014/main" id="{BBEDC90F-F929-E84F-A0F1-90E96009877E}"/>
+              </a:ext>
+            </a:extLst>
+          </p:cNvPr>
+          <p:cNvPicPr>
+            <a:picLocks noChangeAspect="1"/>
+          </p:cNvPicPr>
+          <p:nvPr/>
+        </p:nvPicPr>
+        <p:blipFill rotWithShape="1">
+          <a:blip r:embed="rId4">
+            <a:extLst>
+              <a:ext uri="{28A0092B-C50C-407E-A947-70E740481C1C}">
+                <a14:useLocalDpi xmlns:a14="http://schemas.microsoft.com/office/drawing/2010/main" val="0"/>
+              </a:ext>
+            </a:extLst>
+          </a:blip>
+          <a:srcRect l="11667" r="19288"/>
+          <a:stretch/>
+        </p:blipFill>
+        <p:spPr>
+          <a:xfrm>
+            <a:off x="3591282" y="2574426"/>
+            <a:ext cx="4782176" cy="3710204"/>
+          </a:xfrm>
+          <a:prstGeom prst="rect">
+            <a:avLst/>
+          </a:prstGeom>
+        </p:spPr>
+      </p:pic>
     </p:spTree>
     <p:extLst>
       <p:ext uri="{BB962C8B-B14F-4D97-AF65-F5344CB8AC3E}">
@@ -17516,18 +16924,6 @@
   <p:clrMapOvr>
     <a:masterClrMapping/>
   </p:clrMapOvr>
-  <mc:AlternateContent xmlns:mc="http://schemas.openxmlformats.org/markup-compatibility/2006" xmlns:p14="http://schemas.microsoft.com/office/powerpoint/2010/main">
-    <mc:Choice Requires="p14">
-      <p:transition spd="med" p14:dur="700">
-        <p:fade/>
-      </p:transition>
-    </mc:Choice>
-    <mc:Fallback xmlns="">
-      <p:transition spd="med">
-        <p:fade/>
-      </p:transition>
-    </mc:Fallback>
-  </mc:AlternateContent>
   <p:timing>
     <p:tnLst>
       <p:par>
@@ -17673,22 +17069,22 @@
         <a:srgbClr val="E7E6E6"/>
       </a:lt2>
       <a:accent1>
-        <a:srgbClr val="4472C4"/>
+        <a:srgbClr val="1D9A78"/>
       </a:accent1>
       <a:accent2>
-        <a:srgbClr val="ED7D31"/>
+        <a:srgbClr val="8BC145"/>
       </a:accent2>
       <a:accent3>
-        <a:srgbClr val="A5A5A5"/>
+        <a:srgbClr val="36AFCE"/>
       </a:accent3>
       <a:accent4>
-        <a:srgbClr val="FFC000"/>
+        <a:srgbClr val="1D6FA9"/>
       </a:accent4>
       <a:accent5>
-        <a:srgbClr val="5B9BD5"/>
+        <a:srgbClr val="B74919"/>
       </a:accent5>
       <a:accent6>
-        <a:srgbClr val="70AD47"/>
+        <a:srgbClr val="F19D19"/>
       </a:accent6>
       <a:hlink>
         <a:srgbClr val="0563C1"/>
@@ -17732,23 +17128,6 @@
         <a:font script="Viet" typeface="Times New Roman"/>
         <a:font script="Uigh" typeface="Microsoft Uighur"/>
         <a:font script="Geor" typeface="Sylfaen"/>
-        <a:font script="Armn" typeface="Arial"/>
-        <a:font script="Bugi" typeface="Leelawadee UI"/>
-        <a:font script="Bopo" typeface="Microsoft JhengHei"/>
-        <a:font script="Java" typeface="Javanese Text"/>
-        <a:font script="Lisu" typeface="Segoe UI"/>
-        <a:font script="Mymr" typeface="Myanmar Text"/>
-        <a:font script="Nkoo" typeface="Ebrima"/>
-        <a:font script="Olck" typeface="Nirmala UI"/>
-        <a:font script="Osma" typeface="Ebrima"/>
-        <a:font script="Phag" typeface="Phagspa"/>
-        <a:font script="Syrn" typeface="Estrangelo Edessa"/>
-        <a:font script="Syrj" typeface="Estrangelo Edessa"/>
-        <a:font script="Syre" typeface="Estrangelo Edessa"/>
-        <a:font script="Sora" typeface="Nirmala UI"/>
-        <a:font script="Tale" typeface="Microsoft Tai Le"/>
-        <a:font script="Talu" typeface="Microsoft New Tai Lue"/>
-        <a:font script="Tfng" typeface="Ebrima"/>
       </a:majorFont>
       <a:minorFont>
         <a:latin typeface="Calibri" panose="020F0502020204030204"/>
@@ -17784,23 +17163,6 @@
         <a:font script="Viet" typeface="Arial"/>
         <a:font script="Uigh" typeface="Microsoft Uighur"/>
         <a:font script="Geor" typeface="Sylfaen"/>
-        <a:font script="Armn" typeface="Arial"/>
-        <a:font script="Bugi" typeface="Leelawadee UI"/>
-        <a:font script="Bopo" typeface="Microsoft JhengHei"/>
-        <a:font script="Java" typeface="Javanese Text"/>
-        <a:font script="Lisu" typeface="Segoe UI"/>
-        <a:font script="Mymr" typeface="Myanmar Text"/>
-        <a:font script="Nkoo" typeface="Ebrima"/>
-        <a:font script="Olck" typeface="Nirmala UI"/>
-        <a:font script="Osma" typeface="Ebrima"/>
-        <a:font script="Phag" typeface="Phagspa"/>
-        <a:font script="Syrn" typeface="Estrangelo Edessa"/>
-        <a:font script="Syrj" typeface="Estrangelo Edessa"/>
-        <a:font script="Syre" typeface="Estrangelo Edessa"/>
-        <a:font script="Sora" typeface="Nirmala UI"/>
-        <a:font script="Tale" typeface="Microsoft Tai Le"/>
-        <a:font script="Talu" typeface="Microsoft New Tai Lue"/>
-        <a:font script="Tfng" typeface="Ebrima"/>
       </a:minorFont>
     </a:fontScheme>
     <a:fmtScheme name="Office">
@@ -17945,7 +17307,7 @@
   <a:extraClrSchemeLst/>
   <a:extLst>
     <a:ext uri="{05A4C25C-085E-4340-85A3-A5531E510DB2}">
-      <thm15:themeFamily xmlns:thm15="http://schemas.microsoft.com/office/thememl/2012/main" name="Office Theme" id="{62F939B6-93AF-4DB8-9C6B-D6C7DFDC589F}" vid="{4A3C46E8-61CC-4603-A589-7422A47A8E4A}"/>
+      <thm15:themeFamily xmlns:thm15="http://schemas.microsoft.com/office/thememl/2012/main" name="Office Theme" id="{62F939B6-93AF-4DB8-9C6B-D6C7DFDC589F}" vid="{AE6F2518-B084-4896-AF52-66CC2144AA26}"/>
     </a:ext>
   </a:extLst>
 </a:theme>

--- a/01_Organisation/02_Meilensteine/m1c/Praesentation_m1c.pptx
+++ b/01_Organisation/02_Meilensteine/m1c/Praesentation_m1c.pptx
@@ -6270,7 +6270,7 @@
           <a:p>
             <a:fld id="{056AEFA0-306F-4413-9CBC-3BA55C168B73}" type="datetimeFigureOut">
               <a:rPr lang="de-CH" smtClean="0"/>
-              <a:t>19.02.18</a:t>
+              <a:t>20.02.18</a:t>
             </a:fld>
             <a:endParaRPr lang="de-CH"/>
           </a:p>
@@ -6921,7 +6921,7 @@
           <a:p>
             <a:fld id="{20FD5246-4265-435A-B901-A38BFD400D8A}" type="datetimeFigureOut">
               <a:rPr lang="de-CH" smtClean="0"/>
-              <a:t>19.02.18</a:t>
+              <a:t>20.02.18</a:t>
             </a:fld>
             <a:endParaRPr lang="de-CH"/>
           </a:p>
@@ -7091,7 +7091,7 @@
           <a:p>
             <a:fld id="{20FD5246-4265-435A-B901-A38BFD400D8A}" type="datetimeFigureOut">
               <a:rPr lang="de-CH" smtClean="0"/>
-              <a:t>19.02.18</a:t>
+              <a:t>20.02.18</a:t>
             </a:fld>
             <a:endParaRPr lang="de-CH"/>
           </a:p>
@@ -7271,7 +7271,7 @@
           <a:p>
             <a:fld id="{20FD5246-4265-435A-B901-A38BFD400D8A}" type="datetimeFigureOut">
               <a:rPr lang="de-CH" smtClean="0"/>
-              <a:t>19.02.18</a:t>
+              <a:t>20.02.18</a:t>
             </a:fld>
             <a:endParaRPr lang="de-CH"/>
           </a:p>
@@ -7441,7 +7441,7 @@
           <a:p>
             <a:fld id="{20FD5246-4265-435A-B901-A38BFD400D8A}" type="datetimeFigureOut">
               <a:rPr lang="de-CH" smtClean="0"/>
-              <a:t>19.02.18</a:t>
+              <a:t>20.02.18</a:t>
             </a:fld>
             <a:endParaRPr lang="de-CH"/>
           </a:p>
@@ -7685,7 +7685,7 @@
           <a:p>
             <a:fld id="{20FD5246-4265-435A-B901-A38BFD400D8A}" type="datetimeFigureOut">
               <a:rPr lang="de-CH" smtClean="0"/>
-              <a:t>19.02.18</a:t>
+              <a:t>20.02.18</a:t>
             </a:fld>
             <a:endParaRPr lang="de-CH"/>
           </a:p>
@@ -7917,7 +7917,7 @@
           <a:p>
             <a:fld id="{20FD5246-4265-435A-B901-A38BFD400D8A}" type="datetimeFigureOut">
               <a:rPr lang="de-CH" smtClean="0"/>
-              <a:t>19.02.18</a:t>
+              <a:t>20.02.18</a:t>
             </a:fld>
             <a:endParaRPr lang="de-CH"/>
           </a:p>
@@ -8284,7 +8284,7 @@
           <a:p>
             <a:fld id="{20FD5246-4265-435A-B901-A38BFD400D8A}" type="datetimeFigureOut">
               <a:rPr lang="de-CH" smtClean="0"/>
-              <a:t>19.02.18</a:t>
+              <a:t>20.02.18</a:t>
             </a:fld>
             <a:endParaRPr lang="de-CH"/>
           </a:p>
@@ -8402,7 +8402,7 @@
           <a:p>
             <a:fld id="{20FD5246-4265-435A-B901-A38BFD400D8A}" type="datetimeFigureOut">
               <a:rPr lang="de-CH" smtClean="0"/>
-              <a:t>19.02.18</a:t>
+              <a:t>20.02.18</a:t>
             </a:fld>
             <a:endParaRPr lang="de-CH"/>
           </a:p>
@@ -8497,7 +8497,7 @@
           <a:p>
             <a:fld id="{20FD5246-4265-435A-B901-A38BFD400D8A}" type="datetimeFigureOut">
               <a:rPr lang="de-CH" smtClean="0"/>
-              <a:t>19.02.18</a:t>
+              <a:t>20.02.18</a:t>
             </a:fld>
             <a:endParaRPr lang="de-CH"/>
           </a:p>
@@ -8774,7 +8774,7 @@
           <a:p>
             <a:fld id="{20FD5246-4265-435A-B901-A38BFD400D8A}" type="datetimeFigureOut">
               <a:rPr lang="de-CH" smtClean="0"/>
-              <a:t>19.02.18</a:t>
+              <a:t>20.02.18</a:t>
             </a:fld>
             <a:endParaRPr lang="de-CH"/>
           </a:p>
@@ -9031,7 +9031,7 @@
           <a:p>
             <a:fld id="{20FD5246-4265-435A-B901-A38BFD400D8A}" type="datetimeFigureOut">
               <a:rPr lang="de-CH" smtClean="0"/>
-              <a:t>19.02.18</a:t>
+              <a:t>20.02.18</a:t>
             </a:fld>
             <a:endParaRPr lang="de-CH"/>
           </a:p>
@@ -9244,7 +9244,7 @@
           <a:p>
             <a:fld id="{20FD5246-4265-435A-B901-A38BFD400D8A}" type="datetimeFigureOut">
               <a:rPr lang="de-CH" smtClean="0"/>
-              <a:t>19.02.18</a:t>
+              <a:t>20.02.18</a:t>
             </a:fld>
             <a:endParaRPr lang="de-CH"/>
           </a:p>
@@ -11809,7 +11809,7 @@
         <p:spPr>
           <a:xfrm>
             <a:off x="633368" y="1623458"/>
-            <a:ext cx="6264696" cy="4134465"/>
+            <a:ext cx="6264696" cy="3662541"/>
           </a:xfrm>
           <a:prstGeom prst="rect">
             <a:avLst/>
@@ -11878,31 +11878,16 @@
               <a:rPr lang="de-CH" sz="2400" dirty="0">
                 <a:latin typeface="Calibri" panose="020F0502020204030204" pitchFamily="34" charset="0"/>
               </a:rPr>
-              <a:t>Roboter</a:t>
+              <a:t>Versuchstechnik</a:t>
             </a:r>
           </a:p>
           <a:p>
-            <a:pPr marL="800100" lvl="1" indent="-342900">
+            <a:pPr marL="342900" indent="-342900">
               <a:spcAft>
                 <a:spcPts val="400"/>
               </a:spcAft>
-              <a:buFont typeface="Symbol" panose="05050102010706020507" pitchFamily="18" charset="2"/>
-              <a:buChar char="-"/>
-            </a:pPr>
-            <a:r>
-              <a:rPr lang="de-CH" sz="2400" dirty="0">
-                <a:latin typeface="Calibri" panose="020F0502020204030204" pitchFamily="34" charset="0"/>
-              </a:rPr>
-              <a:t>Versuchstechnik</a:t>
-            </a:r>
-          </a:p>
-          <a:p>
-            <a:pPr marL="800100" lvl="1" indent="-342900">
-              <a:spcAft>
-                <a:spcPts val="800"/>
-              </a:spcAft>
-              <a:buFont typeface="Symbol" panose="05050102010706020507" pitchFamily="18" charset="2"/>
-              <a:buChar char="-"/>
+              <a:buFont typeface="Arial" panose="020B0604020202020204" pitchFamily="34" charset="0"/>
+              <a:buChar char="•"/>
             </a:pPr>
             <a:r>
               <a:rPr lang="de-CH" sz="2400" dirty="0">
@@ -12088,21 +12073,30 @@
                             </p:childTnLst>
                           </p:cTn>
                         </p:par>
+                      </p:childTnLst>
+                    </p:cTn>
+                  </p:par>
+                  <p:par>
+                    <p:cTn id="7" fill="hold">
+                      <p:stCondLst>
+                        <p:cond delay="indefinite"/>
+                      </p:stCondLst>
+                      <p:childTnLst>
                         <p:par>
-                          <p:cTn id="7" fill="hold">
+                          <p:cTn id="8" fill="hold">
                             <p:stCondLst>
-                              <p:cond delay="500"/>
+                              <p:cond delay="0"/>
                             </p:stCondLst>
                             <p:childTnLst>
                               <p:par>
-                                <p:cTn id="8" presetID="1" presetClass="entr" presetSubtype="0" fill="hold" grpId="0" nodeType="afterEffect">
+                                <p:cTn id="9" presetID="1" presetClass="entr" presetSubtype="0" fill="hold" grpId="0" nodeType="clickEffect">
                                   <p:stCondLst>
-                                    <p:cond delay="500"/>
+                                    <p:cond delay="0"/>
                                   </p:stCondLst>
                                   <p:childTnLst>
                                     <p:set>
                                       <p:cBhvr>
-                                        <p:cTn id="9" dur="1" fill="hold">
+                                        <p:cTn id="10" dur="1" fill="hold">
                                           <p:stCondLst>
                                             <p:cond delay="0"/>
                                           </p:stCondLst>
@@ -12128,21 +12122,30 @@
                             </p:childTnLst>
                           </p:cTn>
                         </p:par>
+                      </p:childTnLst>
+                    </p:cTn>
+                  </p:par>
+                  <p:par>
+                    <p:cTn id="11" fill="hold">
+                      <p:stCondLst>
+                        <p:cond delay="indefinite"/>
+                      </p:stCondLst>
+                      <p:childTnLst>
                         <p:par>
-                          <p:cTn id="10" fill="hold">
+                          <p:cTn id="12" fill="hold">
                             <p:stCondLst>
-                              <p:cond delay="1000"/>
+                              <p:cond delay="0"/>
                             </p:stCondLst>
                             <p:childTnLst>
                               <p:par>
-                                <p:cTn id="11" presetID="1" presetClass="entr" presetSubtype="0" fill="hold" grpId="0" nodeType="afterEffect">
+                                <p:cTn id="13" presetID="1" presetClass="entr" presetSubtype="0" fill="hold" grpId="0" nodeType="clickEffect">
                                   <p:stCondLst>
-                                    <p:cond delay="500"/>
+                                    <p:cond delay="0"/>
                                   </p:stCondLst>
                                   <p:childTnLst>
                                     <p:set>
                                       <p:cBhvr>
-                                        <p:cTn id="12" dur="1" fill="hold">
+                                        <p:cTn id="14" dur="1" fill="hold">
                                           <p:stCondLst>
                                             <p:cond delay="0"/>
                                           </p:stCondLst>
@@ -12168,21 +12171,30 @@
                             </p:childTnLst>
                           </p:cTn>
                         </p:par>
+                      </p:childTnLst>
+                    </p:cTn>
+                  </p:par>
+                  <p:par>
+                    <p:cTn id="15" fill="hold">
+                      <p:stCondLst>
+                        <p:cond delay="indefinite"/>
+                      </p:stCondLst>
+                      <p:childTnLst>
                         <p:par>
-                          <p:cTn id="13" fill="hold">
+                          <p:cTn id="16" fill="hold">
                             <p:stCondLst>
-                              <p:cond delay="1500"/>
+                              <p:cond delay="0"/>
                             </p:stCondLst>
                             <p:childTnLst>
                               <p:par>
-                                <p:cTn id="14" presetID="1" presetClass="entr" presetSubtype="0" fill="hold" grpId="0" nodeType="afterEffect">
+                                <p:cTn id="17" presetID="1" presetClass="entr" presetSubtype="0" fill="hold" grpId="0" nodeType="clickEffect">
                                   <p:stCondLst>
-                                    <p:cond delay="500"/>
+                                    <p:cond delay="0"/>
                                   </p:stCondLst>
                                   <p:childTnLst>
                                     <p:set>
                                       <p:cBhvr>
-                                        <p:cTn id="15" dur="1" fill="hold">
+                                        <p:cTn id="18" dur="1" fill="hold">
                                           <p:stCondLst>
                                             <p:cond delay="0"/>
                                           </p:stCondLst>
@@ -12208,21 +12220,30 @@
                             </p:childTnLst>
                           </p:cTn>
                         </p:par>
+                      </p:childTnLst>
+                    </p:cTn>
+                  </p:par>
+                  <p:par>
+                    <p:cTn id="19" fill="hold">
+                      <p:stCondLst>
+                        <p:cond delay="indefinite"/>
+                      </p:stCondLst>
+                      <p:childTnLst>
                         <p:par>
-                          <p:cTn id="16" fill="hold">
+                          <p:cTn id="20" fill="hold">
                             <p:stCondLst>
-                              <p:cond delay="2000"/>
+                              <p:cond delay="0"/>
                             </p:stCondLst>
                             <p:childTnLst>
                               <p:par>
-                                <p:cTn id="17" presetID="1" presetClass="entr" presetSubtype="0" fill="hold" grpId="0" nodeType="afterEffect">
+                                <p:cTn id="21" presetID="1" presetClass="entr" presetSubtype="0" fill="hold" grpId="0" nodeType="clickEffect">
                                   <p:stCondLst>
-                                    <p:cond delay="500"/>
+                                    <p:cond delay="0"/>
                                   </p:stCondLst>
                                   <p:childTnLst>
                                     <p:set>
                                       <p:cBhvr>
-                                        <p:cTn id="18" dur="1" fill="hold">
+                                        <p:cTn id="22" dur="1" fill="hold">
                                           <p:stCondLst>
                                             <p:cond delay="0"/>
                                           </p:stCondLst>
@@ -12248,21 +12269,30 @@
                             </p:childTnLst>
                           </p:cTn>
                         </p:par>
+                      </p:childTnLst>
+                    </p:cTn>
+                  </p:par>
+                  <p:par>
+                    <p:cTn id="23" fill="hold">
+                      <p:stCondLst>
+                        <p:cond delay="indefinite"/>
+                      </p:stCondLst>
+                      <p:childTnLst>
                         <p:par>
-                          <p:cTn id="19" fill="hold">
+                          <p:cTn id="24" fill="hold">
                             <p:stCondLst>
-                              <p:cond delay="2500"/>
+                              <p:cond delay="0"/>
                             </p:stCondLst>
                             <p:childTnLst>
                               <p:par>
-                                <p:cTn id="20" presetID="1" presetClass="entr" presetSubtype="0" fill="hold" grpId="0" nodeType="afterEffect">
+                                <p:cTn id="25" presetID="1" presetClass="entr" presetSubtype="0" fill="hold" grpId="0" nodeType="clickEffect">
                                   <p:stCondLst>
-                                    <p:cond delay="500"/>
+                                    <p:cond delay="0"/>
                                   </p:stCondLst>
                                   <p:childTnLst>
                                     <p:set>
                                       <p:cBhvr>
-                                        <p:cTn id="21" dur="1" fill="hold">
+                                        <p:cTn id="26" dur="1" fill="hold">
                                           <p:stCondLst>
                                             <p:cond delay="0"/>
                                           </p:stCondLst>
@@ -12288,21 +12318,30 @@
                             </p:childTnLst>
                           </p:cTn>
                         </p:par>
+                      </p:childTnLst>
+                    </p:cTn>
+                  </p:par>
+                  <p:par>
+                    <p:cTn id="27" fill="hold">
+                      <p:stCondLst>
+                        <p:cond delay="indefinite"/>
+                      </p:stCondLst>
+                      <p:childTnLst>
                         <p:par>
-                          <p:cTn id="22" fill="hold">
+                          <p:cTn id="28" fill="hold">
                             <p:stCondLst>
-                              <p:cond delay="3000"/>
+                              <p:cond delay="0"/>
                             </p:stCondLst>
                             <p:childTnLst>
                               <p:par>
-                                <p:cTn id="23" presetID="1" presetClass="entr" presetSubtype="0" fill="hold" grpId="0" nodeType="afterEffect">
+                                <p:cTn id="29" presetID="1" presetClass="entr" presetSubtype="0" fill="hold" grpId="0" nodeType="clickEffect">
                                   <p:stCondLst>
-                                    <p:cond delay="500"/>
+                                    <p:cond delay="0"/>
                                   </p:stCondLst>
                                   <p:childTnLst>
                                     <p:set>
                                       <p:cBhvr>
-                                        <p:cTn id="24" dur="1" fill="hold">
+                                        <p:cTn id="30" dur="1" fill="hold">
                                           <p:stCondLst>
                                             <p:cond delay="0"/>
                                           </p:stCondLst>
@@ -12311,46 +12350,6 @@
                                           <p:spTgt spid="15">
                                             <p:txEl>
                                               <p:pRg st="6" end="6"/>
-                                            </p:txEl>
-                                          </p:spTgt>
-                                        </p:tgtEl>
-                                        <p:attrNameLst>
-                                          <p:attrName>style.visibility</p:attrName>
-                                        </p:attrNameLst>
-                                      </p:cBhvr>
-                                      <p:to>
-                                        <p:strVal val="visible"/>
-                                      </p:to>
-                                    </p:set>
-                                  </p:childTnLst>
-                                </p:cTn>
-                              </p:par>
-                            </p:childTnLst>
-                          </p:cTn>
-                        </p:par>
-                        <p:par>
-                          <p:cTn id="25" fill="hold">
-                            <p:stCondLst>
-                              <p:cond delay="3500"/>
-                            </p:stCondLst>
-                            <p:childTnLst>
-                              <p:par>
-                                <p:cTn id="26" presetID="1" presetClass="entr" presetSubtype="0" fill="hold" grpId="0" nodeType="afterEffect">
-                                  <p:stCondLst>
-                                    <p:cond delay="500"/>
-                                  </p:stCondLst>
-                                  <p:childTnLst>
-                                    <p:set>
-                                      <p:cBhvr>
-                                        <p:cTn id="27" dur="1" fill="hold">
-                                          <p:stCondLst>
-                                            <p:cond delay="0"/>
-                                          </p:stCondLst>
-                                        </p:cTn>
-                                        <p:tgtEl>
-                                          <p:spTgt spid="15">
-                                            <p:txEl>
-                                              <p:pRg st="7" end="7"/>
                                             </p:txEl>
                                           </p:spTgt>
                                         </p:tgtEl>
@@ -14205,6 +14204,56 @@
           </a:prstGeom>
         </p:spPr>
       </p:pic>
+      <p:sp>
+        <p:nvSpPr>
+          <p:cNvPr id="19" name="Rechteck 18">
+            <a:extLst>
+              <a:ext uri="{FF2B5EF4-FFF2-40B4-BE49-F238E27FC236}">
+                <a16:creationId xmlns:a16="http://schemas.microsoft.com/office/drawing/2014/main" id="{D610E713-E3FB-094E-8FDC-7B00D758ABA9}"/>
+              </a:ext>
+            </a:extLst>
+          </p:cNvPr>
+          <p:cNvSpPr/>
+          <p:nvPr/>
+        </p:nvSpPr>
+        <p:spPr>
+          <a:xfrm>
+            <a:off x="3606311" y="1564676"/>
+            <a:ext cx="1685769" cy="692198"/>
+          </a:xfrm>
+          <a:prstGeom prst="rect">
+            <a:avLst/>
+          </a:prstGeom>
+          <a:noFill/>
+          <a:ln w="19050">
+            <a:solidFill>
+              <a:srgbClr val="FF0000"/>
+            </a:solidFill>
+          </a:ln>
+        </p:spPr>
+        <p:style>
+          <a:lnRef idx="2">
+            <a:schemeClr val="accent6"/>
+          </a:lnRef>
+          <a:fillRef idx="1">
+            <a:schemeClr val="lt1"/>
+          </a:fillRef>
+          <a:effectRef idx="0">
+            <a:schemeClr val="accent6"/>
+          </a:effectRef>
+          <a:fontRef idx="minor">
+            <a:schemeClr val="dk1"/>
+          </a:fontRef>
+        </p:style>
+        <p:txBody>
+          <a:bodyPr rtlCol="0" anchor="ctr"/>
+          <a:lstStyle/>
+          <a:p>
+            <a:pPr algn="ctr"/>
+            <a:endParaRPr lang="de-DE" dirty="0"/>
+          </a:p>
+        </p:txBody>
+      </p:sp>
     </p:spTree>
     <p:extLst>
       <p:ext uri="{BB962C8B-B14F-4D97-AF65-F5344CB8AC3E}">
@@ -14700,6 +14749,78 @@
                       </p:childTnLst>
                     </p:cTn>
                   </p:par>
+                  <p:par>
+                    <p:cTn id="43" fill="hold">
+                      <p:stCondLst>
+                        <p:cond delay="indefinite"/>
+                      </p:stCondLst>
+                      <p:childTnLst>
+                        <p:par>
+                          <p:cTn id="44" fill="hold">
+                            <p:stCondLst>
+                              <p:cond delay="0"/>
+                            </p:stCondLst>
+                            <p:childTnLst>
+                              <p:par>
+                                <p:cTn id="45" presetID="1" presetClass="exit" presetSubtype="0" fill="hold" grpId="1" nodeType="clickEffect">
+                                  <p:stCondLst>
+                                    <p:cond delay="0"/>
+                                  </p:stCondLst>
+                                  <p:childTnLst>
+                                    <p:set>
+                                      <p:cBhvr>
+                                        <p:cTn id="46" dur="1" fill="hold">
+                                          <p:stCondLst>
+                                            <p:cond delay="0"/>
+                                          </p:stCondLst>
+                                        </p:cTn>
+                                        <p:tgtEl>
+                                          <p:spTgt spid="30"/>
+                                        </p:tgtEl>
+                                        <p:attrNameLst>
+                                          <p:attrName>style.visibility</p:attrName>
+                                        </p:attrNameLst>
+                                      </p:cBhvr>
+                                      <p:to>
+                                        <p:strVal val="hidden"/>
+                                      </p:to>
+                                    </p:set>
+                                  </p:childTnLst>
+                                </p:cTn>
+                              </p:par>
+                              <p:par>
+                                <p:cTn id="47" presetID="1" presetClass="entr" presetSubtype="0" fill="hold" grpId="0" nodeType="withEffect">
+                                  <p:stCondLst>
+                                    <p:cond delay="0"/>
+                                  </p:stCondLst>
+                                  <p:childTnLst>
+                                    <p:set>
+                                      <p:cBhvr>
+                                        <p:cTn id="48" dur="1" fill="hold">
+                                          <p:stCondLst>
+                                            <p:cond delay="0"/>
+                                          </p:stCondLst>
+                                        </p:cTn>
+                                        <p:tgtEl>
+                                          <p:spTgt spid="19"/>
+                                        </p:tgtEl>
+                                        <p:attrNameLst>
+                                          <p:attrName>style.visibility</p:attrName>
+                                        </p:attrNameLst>
+                                      </p:cBhvr>
+                                      <p:to>
+                                        <p:strVal val="visible"/>
+                                      </p:to>
+                                    </p:set>
+                                  </p:childTnLst>
+                                </p:cTn>
+                              </p:par>
+                            </p:childTnLst>
+                          </p:cTn>
+                        </p:par>
+                      </p:childTnLst>
+                    </p:cTn>
+                  </p:par>
                 </p:childTnLst>
               </p:cTn>
               <p:prevCondLst>
@@ -14735,6 +14856,8 @@
       <p:bldP spid="29" grpId="0" animBg="1"/>
       <p:bldP spid="29" grpId="1" animBg="1"/>
       <p:bldP spid="30" grpId="0" animBg="1"/>
+      <p:bldP spid="30" grpId="1" animBg="1"/>
+      <p:bldP spid="19" grpId="0" animBg="1"/>
     </p:bldLst>
   </p:timing>
 </p:sld>

--- a/01_Organisation/02_Meilensteine/m1c/Praesentation_m1c.pptx
+++ b/01_Organisation/02_Meilensteine/m1c/Praesentation_m1c.pptx
@@ -1694,10 +1694,10 @@
     <dgm:cxn modelId="{77702414-A649-4C36-8B84-54822DD89925}" type="presOf" srcId="{FD5DA274-C10C-489C-8981-AD65337AAF48}" destId="{96D73EC4-3F47-4F22-B4E1-B06D4B1590EA}" srcOrd="0" destOrd="0" presId="urn:microsoft.com/office/officeart/2008/layout/NameandTitleOrganizationalChart"/>
     <dgm:cxn modelId="{208E3A22-BAEF-41F0-AEEC-453E14BDC995}" srcId="{F500B3AD-58B2-47D4-A391-5DE438CA69B7}" destId="{DC2EDBE4-8D86-4804-B46C-42E856BB64A7}" srcOrd="0" destOrd="0" parTransId="{20744C6D-AC6E-44BB-834D-3921950FCF29}" sibTransId="{592AF461-9AE1-4BFE-94E7-D350ABCB1EEF}"/>
     <dgm:cxn modelId="{6B1BEF37-22A7-4C69-8B21-925462235F55}" type="presOf" srcId="{081E3B47-D729-4E81-8C2A-42F042CEA4FF}" destId="{68E073EF-B9C3-46CD-8CA8-F653809773B3}" srcOrd="0" destOrd="0" presId="urn:microsoft.com/office/officeart/2008/layout/NameandTitleOrganizationalChart"/>
+    <dgm:cxn modelId="{5DEF4169-5EF3-4937-9B43-008D95502162}" type="presOf" srcId="{FD5DA274-C10C-489C-8981-AD65337AAF48}" destId="{C5E0D02D-3639-4B55-B914-E55014B91EFB}" srcOrd="1" destOrd="0" presId="urn:microsoft.com/office/officeart/2008/layout/NameandTitleOrganizationalChart"/>
     <dgm:cxn modelId="{40AE0F4A-55C6-461B-9AD1-BB6599725845}" type="presOf" srcId="{DE034B49-3621-4D74-B470-E34AA4661E67}" destId="{372072CC-66E2-406F-8636-EE1CC9D0D4F2}" srcOrd="0" destOrd="0" presId="urn:microsoft.com/office/officeart/2008/layout/NameandTitleOrganizationalChart"/>
+    <dgm:cxn modelId="{8490AE6C-FD7F-40C7-8BEE-479BE62AC7F3}" srcId="{BDE060C1-D918-4AAA-8D77-EEC0CE8727B9}" destId="{FD5DA274-C10C-489C-8981-AD65337AAF48}" srcOrd="1" destOrd="0" parTransId="{7434CF6E-C467-434C-B63D-D1BDEC3EB5C3}" sibTransId="{1382D4A2-26BA-490E-A079-48EBB9241811}"/>
     <dgm:cxn modelId="{EFE15B4D-88B3-41DD-9F18-835B4A733AC8}" type="presOf" srcId="{DE034B49-3621-4D74-B470-E34AA4661E67}" destId="{63FD9701-6193-4D53-A238-CA2E83253E8A}" srcOrd="1" destOrd="0" presId="urn:microsoft.com/office/officeart/2008/layout/NameandTitleOrganizationalChart"/>
-    <dgm:cxn modelId="{5DEF4169-5EF3-4937-9B43-008D95502162}" type="presOf" srcId="{FD5DA274-C10C-489C-8981-AD65337AAF48}" destId="{C5E0D02D-3639-4B55-B914-E55014B91EFB}" srcOrd="1" destOrd="0" presId="urn:microsoft.com/office/officeart/2008/layout/NameandTitleOrganizationalChart"/>
-    <dgm:cxn modelId="{8490AE6C-FD7F-40C7-8BEE-479BE62AC7F3}" srcId="{BDE060C1-D918-4AAA-8D77-EEC0CE8727B9}" destId="{FD5DA274-C10C-489C-8981-AD65337AAF48}" srcOrd="1" destOrd="0" parTransId="{7434CF6E-C467-434C-B63D-D1BDEC3EB5C3}" sibTransId="{1382D4A2-26BA-490E-A079-48EBB9241811}"/>
     <dgm:cxn modelId="{3F52B76E-3E6F-4A7D-B34A-52E53209B040}" type="presOf" srcId="{F2E2F4CF-3FE2-4E33-9975-A5D434162D96}" destId="{0B5B241E-AE79-435E-B438-BE290F728AAB}" srcOrd="0" destOrd="0" presId="urn:microsoft.com/office/officeart/2008/layout/NameandTitleOrganizationalChart"/>
     <dgm:cxn modelId="{CCE1D16E-B9F3-4C29-A878-B26D2452363B}" type="presOf" srcId="{CFC228E7-BC37-4F73-A6E1-0B6AC36A263F}" destId="{60707ECF-722F-436F-B41F-D1F7E34CDE10}" srcOrd="1" destOrd="0" presId="urn:microsoft.com/office/officeart/2008/layout/NameandTitleOrganizationalChart"/>
     <dgm:cxn modelId="{1DE65274-8734-42EB-9A46-7AED2030C38D}" type="presOf" srcId="{07FA98C0-D3A2-4C6A-BA43-8C2F7E804283}" destId="{CB8B38B3-0334-4CC2-8BDC-E3F1ADA0BE12}" srcOrd="1" destOrd="0" presId="urn:microsoft.com/office/officeart/2008/layout/NameandTitleOrganizationalChart"/>
@@ -6270,7 +6270,7 @@
           <a:p>
             <a:fld id="{056AEFA0-306F-4413-9CBC-3BA55C168B73}" type="datetimeFigureOut">
               <a:rPr lang="de-CH" smtClean="0"/>
-              <a:t>20.02.18</a:t>
+              <a:t>20.02.2018</a:t>
             </a:fld>
             <a:endParaRPr lang="de-CH"/>
           </a:p>
@@ -6921,7 +6921,7 @@
           <a:p>
             <a:fld id="{20FD5246-4265-435A-B901-A38BFD400D8A}" type="datetimeFigureOut">
               <a:rPr lang="de-CH" smtClean="0"/>
-              <a:t>20.02.18</a:t>
+              <a:t>20.02.2018</a:t>
             </a:fld>
             <a:endParaRPr lang="de-CH"/>
           </a:p>
@@ -7091,7 +7091,7 @@
           <a:p>
             <a:fld id="{20FD5246-4265-435A-B901-A38BFD400D8A}" type="datetimeFigureOut">
               <a:rPr lang="de-CH" smtClean="0"/>
-              <a:t>20.02.18</a:t>
+              <a:t>20.02.2018</a:t>
             </a:fld>
             <a:endParaRPr lang="de-CH"/>
           </a:p>
@@ -7271,7 +7271,7 @@
           <a:p>
             <a:fld id="{20FD5246-4265-435A-B901-A38BFD400D8A}" type="datetimeFigureOut">
               <a:rPr lang="de-CH" smtClean="0"/>
-              <a:t>20.02.18</a:t>
+              <a:t>20.02.2018</a:t>
             </a:fld>
             <a:endParaRPr lang="de-CH"/>
           </a:p>
@@ -7441,7 +7441,7 @@
           <a:p>
             <a:fld id="{20FD5246-4265-435A-B901-A38BFD400D8A}" type="datetimeFigureOut">
               <a:rPr lang="de-CH" smtClean="0"/>
-              <a:t>20.02.18</a:t>
+              <a:t>20.02.2018</a:t>
             </a:fld>
             <a:endParaRPr lang="de-CH"/>
           </a:p>
@@ -7685,7 +7685,7 @@
           <a:p>
             <a:fld id="{20FD5246-4265-435A-B901-A38BFD400D8A}" type="datetimeFigureOut">
               <a:rPr lang="de-CH" smtClean="0"/>
-              <a:t>20.02.18</a:t>
+              <a:t>20.02.2018</a:t>
             </a:fld>
             <a:endParaRPr lang="de-CH"/>
           </a:p>
@@ -7917,7 +7917,7 @@
           <a:p>
             <a:fld id="{20FD5246-4265-435A-B901-A38BFD400D8A}" type="datetimeFigureOut">
               <a:rPr lang="de-CH" smtClean="0"/>
-              <a:t>20.02.18</a:t>
+              <a:t>20.02.2018</a:t>
             </a:fld>
             <a:endParaRPr lang="de-CH"/>
           </a:p>
@@ -8284,7 +8284,7 @@
           <a:p>
             <a:fld id="{20FD5246-4265-435A-B901-A38BFD400D8A}" type="datetimeFigureOut">
               <a:rPr lang="de-CH" smtClean="0"/>
-              <a:t>20.02.18</a:t>
+              <a:t>20.02.2018</a:t>
             </a:fld>
             <a:endParaRPr lang="de-CH"/>
           </a:p>
@@ -8402,7 +8402,7 @@
           <a:p>
             <a:fld id="{20FD5246-4265-435A-B901-A38BFD400D8A}" type="datetimeFigureOut">
               <a:rPr lang="de-CH" smtClean="0"/>
-              <a:t>20.02.18</a:t>
+              <a:t>20.02.2018</a:t>
             </a:fld>
             <a:endParaRPr lang="de-CH"/>
           </a:p>
@@ -8497,7 +8497,7 @@
           <a:p>
             <a:fld id="{20FD5246-4265-435A-B901-A38BFD400D8A}" type="datetimeFigureOut">
               <a:rPr lang="de-CH" smtClean="0"/>
-              <a:t>20.02.18</a:t>
+              <a:t>20.02.2018</a:t>
             </a:fld>
             <a:endParaRPr lang="de-CH"/>
           </a:p>
@@ -8774,7 +8774,7 @@
           <a:p>
             <a:fld id="{20FD5246-4265-435A-B901-A38BFD400D8A}" type="datetimeFigureOut">
               <a:rPr lang="de-CH" smtClean="0"/>
-              <a:t>20.02.18</a:t>
+              <a:t>20.02.2018</a:t>
             </a:fld>
             <a:endParaRPr lang="de-CH"/>
           </a:p>
@@ -9031,7 +9031,7 @@
           <a:p>
             <a:fld id="{20FD5246-4265-435A-B901-A38BFD400D8A}" type="datetimeFigureOut">
               <a:rPr lang="de-CH" smtClean="0"/>
-              <a:t>20.02.18</a:t>
+              <a:t>20.02.2018</a:t>
             </a:fld>
             <a:endParaRPr lang="de-CH"/>
           </a:p>
@@ -9244,7 +9244,7 @@
           <a:p>
             <a:fld id="{20FD5246-4265-435A-B901-A38BFD400D8A}" type="datetimeFigureOut">
               <a:rPr lang="de-CH" smtClean="0"/>
-              <a:t>20.02.18</a:t>
+              <a:t>20.02.2018</a:t>
             </a:fld>
             <a:endParaRPr lang="de-CH"/>
           </a:p>
@@ -9825,7 +9825,7 @@
               <a:rPr lang="de-CH" sz="1200" dirty="0">
                 <a:latin typeface="Calibri" panose="020F0502020204030204" pitchFamily="34" charset="0"/>
               </a:rPr>
-              <a:t>19.  Februar 2018</a:t>
+              <a:t>20.  Februar 2018</a:t>
             </a:r>
           </a:p>
         </p:txBody>
@@ -10056,7 +10056,7 @@
               <a:rPr lang="de-CH" sz="1200" dirty="0">
                 <a:latin typeface="Calibri" panose="020F0502020204030204" pitchFamily="34" charset="0"/>
               </a:rPr>
-              <a:t>19.  Februar 2018</a:t>
+              <a:t>20.  Februar 2018</a:t>
             </a:r>
           </a:p>
         </p:txBody>
@@ -10714,7 +10714,7 @@
               <a:rPr lang="de-CH" sz="1200" dirty="0">
                 <a:latin typeface="Calibri" panose="020F0502020204030204" pitchFamily="34" charset="0"/>
               </a:rPr>
-              <a:t>19.  Februar 2018</a:t>
+              <a:t>20.  Februar 2018</a:t>
             </a:r>
           </a:p>
         </p:txBody>
@@ -11354,7 +11354,7 @@
               <a:rPr lang="de-CH" sz="1200" dirty="0">
                 <a:latin typeface="Calibri" panose="020F0502020204030204" pitchFamily="34" charset="0"/>
               </a:rPr>
-              <a:t>19.  Februar 2018</a:t>
+              <a:t>20.  Februar 2018</a:t>
             </a:r>
           </a:p>
         </p:txBody>
@@ -11665,7 +11665,7 @@
               <a:rPr lang="de-CH" sz="1200" dirty="0">
                 <a:latin typeface="Calibri" panose="020F0502020204030204" pitchFamily="34" charset="0"/>
               </a:rPr>
-              <a:t>19.  Februar 2018</a:t>
+              <a:t>20.  Februar 2018</a:t>
             </a:r>
           </a:p>
         </p:txBody>
@@ -12530,7 +12530,7 @@
               <a:rPr lang="de-CH" sz="1200" dirty="0">
                 <a:latin typeface="Calibri" panose="020F0502020204030204" pitchFamily="34" charset="0"/>
               </a:rPr>
-              <a:t>19.  Februar 2018</a:t>
+              <a:t>20.  Februar 2018</a:t>
             </a:r>
           </a:p>
         </p:txBody>
@@ -12966,7 +12966,7 @@
               <a:rPr lang="de-CH" sz="1200" dirty="0">
                 <a:latin typeface="Calibri" panose="020F0502020204030204" pitchFamily="34" charset="0"/>
               </a:rPr>
-              <a:t>19.  Februar 2018</a:t>
+              <a:t>20.  Februar 2018</a:t>
             </a:r>
           </a:p>
         </p:txBody>
@@ -13612,7 +13612,7 @@
               <a:rPr lang="de-CH" sz="1200" dirty="0">
                 <a:latin typeface="Calibri" panose="020F0502020204030204" pitchFamily="34" charset="0"/>
               </a:rPr>
-              <a:t>19.  Februar 2018</a:t>
+              <a:t>20.  Februar 2018</a:t>
             </a:r>
           </a:p>
         </p:txBody>
@@ -14973,7 +14973,7 @@
               <a:rPr lang="de-CH" sz="1200" dirty="0">
                 <a:latin typeface="Calibri" panose="020F0502020204030204" pitchFamily="34" charset="0"/>
               </a:rPr>
-              <a:t>19.  Februar 2018</a:t>
+              <a:t>20.  Februar 2018</a:t>
             </a:r>
           </a:p>
         </p:txBody>
@@ -15305,7 +15305,7 @@
           <p:nvPr/>
         </p:nvPicPr>
         <p:blipFill rotWithShape="1">
-          <a:blip r:embed="rId4">
+          <a:blip r:embed="rId4" cstate="print">
             <a:extLst>
               <a:ext uri="{28A0092B-C50C-407E-A947-70E740481C1C}">
                 <a14:useLocalDpi xmlns:a14="http://schemas.microsoft.com/office/drawing/2010/main" val="0"/>
@@ -15738,7 +15738,7 @@
               <a:rPr lang="de-CH" sz="1200" dirty="0">
                 <a:latin typeface="Calibri" panose="020F0502020204030204" pitchFamily="34" charset="0"/>
               </a:rPr>
-              <a:t>19.  Februar 2018</a:t>
+              <a:t>20.  Februar 2018</a:t>
             </a:r>
           </a:p>
         </p:txBody>
@@ -15924,7 +15924,7 @@
           <p:nvPr/>
         </p:nvPicPr>
         <p:blipFill>
-          <a:blip r:embed="rId4">
+          <a:blip r:embed="rId4" cstate="print">
             <a:extLst>
               <a:ext uri="{28A0092B-C50C-407E-A947-70E740481C1C}">
                 <a14:useLocalDpi xmlns:a14="http://schemas.microsoft.com/office/drawing/2010/main" val="0"/>
@@ -15960,7 +15960,7 @@
           <p:nvPr/>
         </p:nvPicPr>
         <p:blipFill>
-          <a:blip r:embed="rId5">
+          <a:blip r:embed="rId5" cstate="print">
             <a:extLst>
               <a:ext uri="{28A0092B-C50C-407E-A947-70E740481C1C}">
                 <a14:useLocalDpi xmlns:a14="http://schemas.microsoft.com/office/drawing/2010/main" val="0"/>
@@ -15996,7 +15996,7 @@
           <p:nvPr/>
         </p:nvPicPr>
         <p:blipFill>
-          <a:blip r:embed="rId6">
+          <a:blip r:embed="rId6" cstate="print">
             <a:extLst>
               <a:ext uri="{28A0092B-C50C-407E-A947-70E740481C1C}">
                 <a14:useLocalDpi xmlns:a14="http://schemas.microsoft.com/office/drawing/2010/main" val="0"/>
@@ -16381,7 +16381,7 @@
               <a:rPr lang="de-CH" sz="1200" dirty="0">
                 <a:latin typeface="Calibri" panose="020F0502020204030204" pitchFamily="34" charset="0"/>
               </a:rPr>
-              <a:t>19.  Februar 2018</a:t>
+              <a:t>20.  Februar 2018</a:t>
             </a:r>
           </a:p>
         </p:txBody>
@@ -16747,7 +16747,7 @@
               <a:rPr lang="de-CH" sz="1200" dirty="0">
                 <a:latin typeface="Calibri" panose="020F0502020204030204" pitchFamily="34" charset="0"/>
               </a:rPr>
-              <a:t>19.  Februar 2018</a:t>
+              <a:t>20.  Februar 2018</a:t>
             </a:r>
           </a:p>
         </p:txBody>
